--- a/TB-02 PPT.pptx
+++ b/TB-02 PPT.pptx
@@ -36,7 +36,8 @@
     <p:sldId id="285" r:id="rId30"/>
     <p:sldId id="287" r:id="rId31"/>
     <p:sldId id="286" r:id="rId32"/>
-    <p:sldId id="288" r:id="rId33"/>
+    <p:sldId id="289" r:id="rId33"/>
+    <p:sldId id="288" r:id="rId34"/>
   </p:sldIdLst>
   <p:sldSz cx="9144000" cy="6858000" type="screen4x3"/>
   <p:notesSz cx="6858000" cy="9144000"/>
@@ -391,7 +392,7 @@
           <a:p>
             <a:fld id="{BEF9C76F-A3F0-4009-8C78-1FBAE9ED03BF}" type="datetimeFigureOut">
               <a:rPr lang="en-US" smtClean="0"/>
-              <a:t>5/8/2015</a:t>
+              <a:t>5/9/2015</a:t>
             </a:fld>
             <a:endParaRPr lang="en-US"/>
           </a:p>
@@ -604,7 +605,7 @@
           <a:p>
             <a:fld id="{BEF9C76F-A3F0-4009-8C78-1FBAE9ED03BF}" type="datetimeFigureOut">
               <a:rPr lang="en-US" smtClean="0"/>
-              <a:t>5/8/2015</a:t>
+              <a:t>5/9/2015</a:t>
             </a:fld>
             <a:endParaRPr lang="en-US"/>
           </a:p>
@@ -871,7 +872,7 @@
           <a:p>
             <a:fld id="{BEF9C76F-A3F0-4009-8C78-1FBAE9ED03BF}" type="datetimeFigureOut">
               <a:rPr lang="en-US" smtClean="0"/>
-              <a:t>5/8/2015</a:t>
+              <a:t>5/9/2015</a:t>
             </a:fld>
             <a:endParaRPr lang="en-US"/>
           </a:p>
@@ -1021,7 +1022,7 @@
           <a:p>
             <a:fld id="{BEF9C76F-A3F0-4009-8C78-1FBAE9ED03BF}" type="datetimeFigureOut">
               <a:rPr lang="en-US" smtClean="0"/>
-              <a:t>5/8/2015</a:t>
+              <a:t>5/9/2015</a:t>
             </a:fld>
             <a:endParaRPr lang="en-US"/>
           </a:p>
@@ -1351,7 +1352,7 @@
           <a:p>
             <a:fld id="{BEF9C76F-A3F0-4009-8C78-1FBAE9ED03BF}" type="datetimeFigureOut">
               <a:rPr lang="en-US" smtClean="0"/>
-              <a:t>5/8/2015</a:t>
+              <a:t>5/9/2015</a:t>
             </a:fld>
             <a:endParaRPr lang="en-US"/>
           </a:p>
@@ -1659,7 +1660,7 @@
           <a:p>
             <a:fld id="{BEF9C76F-A3F0-4009-8C78-1FBAE9ED03BF}" type="datetimeFigureOut">
               <a:rPr lang="en-US" smtClean="0"/>
-              <a:t>5/8/2015</a:t>
+              <a:t>5/9/2015</a:t>
             </a:fld>
             <a:endParaRPr lang="en-US"/>
           </a:p>
@@ -2080,7 +2081,7 @@
           <a:p>
             <a:fld id="{BEF9C76F-A3F0-4009-8C78-1FBAE9ED03BF}" type="datetimeFigureOut">
               <a:rPr lang="en-US" smtClean="0"/>
-              <a:t>5/8/2015</a:t>
+              <a:t>5/9/2015</a:t>
             </a:fld>
             <a:endParaRPr lang="en-US"/>
           </a:p>
@@ -2193,7 +2194,7 @@
           <a:p>
             <a:fld id="{BEF9C76F-A3F0-4009-8C78-1FBAE9ED03BF}" type="datetimeFigureOut">
               <a:rPr lang="en-US" smtClean="0"/>
-              <a:t>5/8/2015</a:t>
+              <a:t>5/9/2015</a:t>
             </a:fld>
             <a:endParaRPr lang="en-US"/>
           </a:p>
@@ -2352,7 +2353,7 @@
           <a:p>
             <a:fld id="{BEF9C76F-A3F0-4009-8C78-1FBAE9ED03BF}" type="datetimeFigureOut">
               <a:rPr lang="en-US" smtClean="0"/>
-              <a:t>5/8/2015</a:t>
+              <a:t>5/9/2015</a:t>
             </a:fld>
             <a:endParaRPr lang="en-US"/>
           </a:p>
@@ -2736,7 +2737,7 @@
           <a:p>
             <a:fld id="{BEF9C76F-A3F0-4009-8C78-1FBAE9ED03BF}" type="datetimeFigureOut">
               <a:rPr lang="en-US" smtClean="0"/>
-              <a:t>5/8/2015</a:t>
+              <a:t>5/9/2015</a:t>
             </a:fld>
             <a:endParaRPr lang="en-US"/>
           </a:p>
@@ -3098,7 +3099,7 @@
           <a:p>
             <a:fld id="{BEF9C76F-A3F0-4009-8C78-1FBAE9ED03BF}" type="datetimeFigureOut">
               <a:rPr lang="en-US" smtClean="0"/>
-              <a:t>5/8/2015</a:t>
+              <a:t>5/9/2015</a:t>
             </a:fld>
             <a:endParaRPr lang="en-US"/>
           </a:p>
@@ -3432,7 +3433,7 @@
           <a:p>
             <a:fld id="{BEF9C76F-A3F0-4009-8C78-1FBAE9ED03BF}" type="datetimeFigureOut">
               <a:rPr lang="en-US" smtClean="0"/>
-              <a:t>5/8/2015</a:t>
+              <a:t>5/9/2015</a:t>
             </a:fld>
             <a:endParaRPr lang="en-US"/>
           </a:p>
@@ -12840,6 +12841,117 @@
           <a:chExt cx="0" cy="0"/>
         </a:xfrm>
       </p:grpSpPr>
+      <p:sp>
+        <p:nvSpPr>
+          <p:cNvPr id="3" name="2 Título"/>
+          <p:cNvSpPr>
+            <a:spLocks noGrp="1"/>
+          </p:cNvSpPr>
+          <p:nvPr>
+            <p:ph type="title"/>
+          </p:nvPr>
+        </p:nvSpPr>
+        <p:spPr/>
+        <p:txBody>
+          <a:bodyPr/>
+          <a:lstStyle/>
+          <a:p>
+            <a:r>
+              <a:rPr lang="es-PE" dirty="0" smtClean="0"/>
+              <a:t>Diagrama </a:t>
+            </a:r>
+            <a:r>
+              <a:rPr lang="es-PE" dirty="0" err="1" smtClean="0"/>
+              <a:t>runtime</a:t>
+            </a:r>
+            <a:endParaRPr lang="es-PE" dirty="0"/>
+          </a:p>
+        </p:txBody>
+      </p:sp>
+      <p:pic>
+        <p:nvPicPr>
+          <p:cNvPr id="1026" name="Picture 2"/>
+          <p:cNvPicPr>
+            <a:picLocks noChangeAspect="1" noChangeArrowheads="1"/>
+          </p:cNvPicPr>
+          <p:nvPr/>
+        </p:nvPicPr>
+        <p:blipFill>
+          <a:blip r:embed="rId2">
+            <a:extLst>
+              <a:ext uri="{28A0092B-C50C-407E-A947-70E740481C1C}">
+                <a14:useLocalDpi xmlns:a14="http://schemas.microsoft.com/office/drawing/2010/main" val="0"/>
+              </a:ext>
+            </a:extLst>
+          </a:blip>
+          <a:srcRect/>
+          <a:stretch>
+            <a:fillRect/>
+          </a:stretch>
+        </p:blipFill>
+        <p:spPr bwMode="auto">
+          <a:xfrm>
+            <a:off x="1447800" y="1828800"/>
+            <a:ext cx="6574291" cy="4684088"/>
+          </a:xfrm>
+          <a:prstGeom prst="rect">
+            <a:avLst/>
+          </a:prstGeom>
+          <a:noFill/>
+          <a:ln>
+            <a:noFill/>
+          </a:ln>
+          <a:extLst>
+            <a:ext uri="{909E8E84-426E-40DD-AFC4-6F175D3DCCD1}">
+              <a14:hiddenFill xmlns:a14="http://schemas.microsoft.com/office/drawing/2010/main">
+                <a:solidFill>
+                  <a:schemeClr val="accent1"/>
+                </a:solidFill>
+              </a14:hiddenFill>
+            </a:ext>
+            <a:ext uri="{91240B29-F687-4F45-9708-019B960494DF}">
+              <a14:hiddenLine xmlns:a14="http://schemas.microsoft.com/office/drawing/2010/main" w="9525">
+                <a:solidFill>
+                  <a:schemeClr val="tx1"/>
+                </a:solidFill>
+                <a:miter lim="800000"/>
+                <a:headEnd/>
+                <a:tailEnd/>
+              </a14:hiddenLine>
+            </a:ext>
+          </a:extLst>
+        </p:spPr>
+      </p:pic>
+    </p:spTree>
+    <p:extLst>
+      <p:ext uri="{BB962C8B-B14F-4D97-AF65-F5344CB8AC3E}">
+        <p14:creationId xmlns:p14="http://schemas.microsoft.com/office/powerpoint/2010/main" val="2426104572"/>
+      </p:ext>
+    </p:extLst>
+  </p:cSld>
+  <p:clrMapOvr>
+    <a:masterClrMapping/>
+  </p:clrMapOvr>
+</p:sld>
+</file>
+
+<file path=ppt/slides/slide33.xml><?xml version="1.0" encoding="utf-8"?>
+<p:sld xmlns:a="http://schemas.openxmlformats.org/drawingml/2006/main" xmlns:r="http://schemas.openxmlformats.org/officeDocument/2006/relationships" xmlns:p="http://schemas.openxmlformats.org/presentationml/2006/main">
+  <p:cSld>
+    <p:spTree>
+      <p:nvGrpSpPr>
+        <p:cNvPr id="1" name=""/>
+        <p:cNvGrpSpPr/>
+        <p:nvPr/>
+      </p:nvGrpSpPr>
+      <p:grpSpPr>
+        <a:xfrm>
+          <a:off x="0" y="0"/>
+          <a:ext cx="0" cy="0"/>
+          <a:chOff x="0" y="0"/>
+          <a:chExt cx="0" cy="0"/>
+        </a:xfrm>
+      </p:grpSpPr>
       <p:pic>
         <p:nvPicPr>
           <p:cNvPr id="31746" name="Picture 2" descr="http://www.psoe.es/source-media/000000567500/000000567904.jpg"/>

--- a/TB-02 PPT.pptx
+++ b/TB-02 PPT.pptx
@@ -37,7 +37,8 @@
     <p:sldId id="287" r:id="rId31"/>
     <p:sldId id="286" r:id="rId32"/>
     <p:sldId id="289" r:id="rId33"/>
-    <p:sldId id="288" r:id="rId34"/>
+    <p:sldId id="290" r:id="rId34"/>
+    <p:sldId id="288" r:id="rId35"/>
   </p:sldIdLst>
   <p:sldSz cx="9144000" cy="6858000" type="screen4x3"/>
   <p:notesSz cx="6858000" cy="9144000"/>
@@ -12952,6 +12953,113 @@
           <a:chExt cx="0" cy="0"/>
         </a:xfrm>
       </p:grpSpPr>
+      <p:sp>
+        <p:nvSpPr>
+          <p:cNvPr id="3" name="2 Título"/>
+          <p:cNvSpPr>
+            <a:spLocks noGrp="1"/>
+          </p:cNvSpPr>
+          <p:nvPr>
+            <p:ph type="title"/>
+          </p:nvPr>
+        </p:nvSpPr>
+        <p:spPr/>
+        <p:txBody>
+          <a:bodyPr/>
+          <a:lstStyle/>
+          <a:p>
+            <a:r>
+              <a:rPr lang="es-PE" dirty="0" smtClean="0"/>
+              <a:t>Leyenda</a:t>
+            </a:r>
+            <a:endParaRPr lang="es-PE" dirty="0"/>
+          </a:p>
+        </p:txBody>
+      </p:sp>
+      <p:pic>
+        <p:nvPicPr>
+          <p:cNvPr id="4" name="Picture 6"/>
+          <p:cNvPicPr>
+            <a:picLocks noChangeAspect="1" noChangeArrowheads="1"/>
+          </p:cNvPicPr>
+          <p:nvPr/>
+        </p:nvPicPr>
+        <p:blipFill>
+          <a:blip r:embed="rId2">
+            <a:extLst>
+              <a:ext uri="{28A0092B-C50C-407E-A947-70E740481C1C}">
+                <a14:useLocalDpi xmlns:a14="http://schemas.microsoft.com/office/drawing/2010/main" val="0"/>
+              </a:ext>
+            </a:extLst>
+          </a:blip>
+          <a:srcRect/>
+          <a:stretch>
+            <a:fillRect/>
+          </a:stretch>
+        </p:blipFill>
+        <p:spPr bwMode="auto">
+          <a:xfrm>
+            <a:off x="304800" y="2057400"/>
+            <a:ext cx="8315325" cy="2734694"/>
+          </a:xfrm>
+          <a:prstGeom prst="rect">
+            <a:avLst/>
+          </a:prstGeom>
+          <a:noFill/>
+          <a:ln>
+            <a:noFill/>
+          </a:ln>
+          <a:extLst>
+            <a:ext uri="{909E8E84-426E-40DD-AFC4-6F175D3DCCD1}">
+              <a14:hiddenFill xmlns:a14="http://schemas.microsoft.com/office/drawing/2010/main">
+                <a:solidFill>
+                  <a:schemeClr val="accent1"/>
+                </a:solidFill>
+              </a14:hiddenFill>
+            </a:ext>
+            <a:ext uri="{91240B29-F687-4F45-9708-019B960494DF}">
+              <a14:hiddenLine xmlns:a14="http://schemas.microsoft.com/office/drawing/2010/main" w="9525">
+                <a:solidFill>
+                  <a:schemeClr val="tx1"/>
+                </a:solidFill>
+                <a:miter lim="800000"/>
+                <a:headEnd/>
+                <a:tailEnd/>
+              </a14:hiddenLine>
+            </a:ext>
+          </a:extLst>
+        </p:spPr>
+      </p:pic>
+    </p:spTree>
+    <p:extLst>
+      <p:ext uri="{BB962C8B-B14F-4D97-AF65-F5344CB8AC3E}">
+        <p14:creationId xmlns:p14="http://schemas.microsoft.com/office/powerpoint/2010/main" val="4277913733"/>
+      </p:ext>
+    </p:extLst>
+  </p:cSld>
+  <p:clrMapOvr>
+    <a:masterClrMapping/>
+  </p:clrMapOvr>
+</p:sld>
+</file>
+
+<file path=ppt/slides/slide34.xml><?xml version="1.0" encoding="utf-8"?>
+<p:sld xmlns:a="http://schemas.openxmlformats.org/drawingml/2006/main" xmlns:r="http://schemas.openxmlformats.org/officeDocument/2006/relationships" xmlns:p="http://schemas.openxmlformats.org/presentationml/2006/main">
+  <p:cSld>
+    <p:spTree>
+      <p:nvGrpSpPr>
+        <p:cNvPr id="1" name=""/>
+        <p:cNvGrpSpPr/>
+        <p:nvPr/>
+      </p:nvGrpSpPr>
+      <p:grpSpPr>
+        <a:xfrm>
+          <a:off x="0" y="0"/>
+          <a:ext cx="0" cy="0"/>
+          <a:chOff x="0" y="0"/>
+          <a:chExt cx="0" cy="0"/>
+        </a:xfrm>
+      </p:grpSpPr>
       <p:pic>
         <p:nvPicPr>
           <p:cNvPr id="31746" name="Picture 2" descr="http://www.psoe.es/source-media/000000567500/000000567904.jpg"/>

--- a/TB-02 PPT.pptx
+++ b/TB-02 PPT.pptx
@@ -26,19 +26,21 @@
     <p:sldId id="275" r:id="rId20"/>
     <p:sldId id="276" r:id="rId21"/>
     <p:sldId id="277" r:id="rId22"/>
-    <p:sldId id="278" r:id="rId23"/>
-    <p:sldId id="279" r:id="rId24"/>
-    <p:sldId id="280" r:id="rId25"/>
-    <p:sldId id="281" r:id="rId26"/>
-    <p:sldId id="282" r:id="rId27"/>
-    <p:sldId id="283" r:id="rId28"/>
-    <p:sldId id="284" r:id="rId29"/>
-    <p:sldId id="285" r:id="rId30"/>
-    <p:sldId id="287" r:id="rId31"/>
-    <p:sldId id="286" r:id="rId32"/>
-    <p:sldId id="289" r:id="rId33"/>
-    <p:sldId id="290" r:id="rId34"/>
-    <p:sldId id="288" r:id="rId35"/>
+    <p:sldId id="291" r:id="rId23"/>
+    <p:sldId id="278" r:id="rId24"/>
+    <p:sldId id="279" r:id="rId25"/>
+    <p:sldId id="280" r:id="rId26"/>
+    <p:sldId id="292" r:id="rId27"/>
+    <p:sldId id="281" r:id="rId28"/>
+    <p:sldId id="282" r:id="rId29"/>
+    <p:sldId id="283" r:id="rId30"/>
+    <p:sldId id="284" r:id="rId31"/>
+    <p:sldId id="285" r:id="rId32"/>
+    <p:sldId id="287" r:id="rId33"/>
+    <p:sldId id="286" r:id="rId34"/>
+    <p:sldId id="289" r:id="rId35"/>
+    <p:sldId id="290" r:id="rId36"/>
+    <p:sldId id="288" r:id="rId37"/>
   </p:sldIdLst>
   <p:sldSz cx="9144000" cy="6858000" type="screen4x3"/>
   <p:notesSz cx="6858000" cy="9144000"/>
@@ -7157,7 +7159,11 @@
             </a:r>
             <a:r>
               <a:rPr lang="es-PE" dirty="0" smtClean="0"/>
-              <a:t>       SECURITY</a:t>
+              <a:t>       </a:t>
+            </a:r>
+            <a:r>
+              <a:rPr lang="es-PE" dirty="0" smtClean="0"/>
+              <a:t>Integridad</a:t>
             </a:r>
             <a:endParaRPr lang="en-US" dirty="0"/>
           </a:p>
@@ -7192,21 +7198,21 @@
       </p:sp>
       <p:graphicFrame>
         <p:nvGraphicFramePr>
-          <p:cNvPr id="4" name="3 Tabla"/>
+          <p:cNvPr id="5" name="4 Tabla"/>
           <p:cNvGraphicFramePr>
             <a:graphicFrameLocks noGrp="1"/>
           </p:cNvGraphicFramePr>
           <p:nvPr>
             <p:extLst>
               <p:ext uri="{D42A27DB-BD31-4B8C-83A1-F6EECF244321}">
-                <p14:modId xmlns:p14="http://schemas.microsoft.com/office/powerpoint/2010/main" val="1314312509"/>
+                <p14:modId xmlns:p14="http://schemas.microsoft.com/office/powerpoint/2010/main" val="2006794237"/>
               </p:ext>
             </p:extLst>
           </p:nvPr>
         </p:nvGraphicFramePr>
         <p:xfrm>
-          <a:off x="457200" y="2438400"/>
-          <a:ext cx="8153400" cy="3886202"/>
+          <a:off x="685800" y="2286000"/>
+          <a:ext cx="7924800" cy="4038602"/>
         </p:xfrm>
         <a:graphic>
           <a:graphicData uri="http://schemas.openxmlformats.org/drawingml/2006/table">
@@ -7215,22 +7221,48 @@
                 <a:tableStyleId>{5C22544A-7EE6-4342-B048-85BDC9FD1C3A}</a:tableStyleId>
               </a:tblPr>
               <a:tblGrid>
-                <a:gridCol w="2467476"/>
-                <a:gridCol w="5685924"/>
+                <a:gridCol w="2398295"/>
+                <a:gridCol w="5526505"/>
               </a:tblGrid>
-              <a:tr h="482606">
-                <a:tc>
-                  <a:txBody>
-                    <a:bodyPr/>
-                    <a:lstStyle/>
-                    <a:p>
-                      <a:pPr marL="0" marR="0">
-                        <a:lnSpc>
-                          <a:spcPct val="107000"/>
-                        </a:lnSpc>
-                        <a:spcBef>
-                          <a:spcPts val="0"/>
-                        </a:spcBef>
+              <a:tr h="395756">
+                <a:tc>
+                  <a:txBody>
+                    <a:bodyPr/>
+                    <a:lstStyle/>
+                    <a:p>
+                      <a:pPr algn="l">
+                        <a:lnSpc>
+                          <a:spcPct val="115000"/>
+                        </a:lnSpc>
+                        <a:spcAft>
+                          <a:spcPts val="0"/>
+                        </a:spcAft>
+                      </a:pPr>
+                      <a:r>
+                        <a:rPr lang="en-US" sz="1100">
+                          <a:effectLst/>
+                        </a:rPr>
+                        <a:t>Elemento</a:t>
+                      </a:r>
+                      <a:endParaRPr lang="es-PE" sz="1100">
+                        <a:effectLst/>
+                        <a:latin typeface="Calibri"/>
+                        <a:ea typeface="Calibri"/>
+                        <a:cs typeface="Times New Roman"/>
+                      </a:endParaRPr>
+                    </a:p>
+                  </a:txBody>
+                  <a:tcPr marL="68580" marR="68580" marT="0" marB="0"/>
+                </a:tc>
+                <a:tc>
+                  <a:txBody>
+                    <a:bodyPr/>
+                    <a:lstStyle/>
+                    <a:p>
+                      <a:pPr algn="l">
+                        <a:lnSpc>
+                          <a:spcPct val="115000"/>
+                        </a:lnSpc>
                         <a:spcAft>
                           <a:spcPts val="0"/>
                         </a:spcAft>
@@ -7239,30 +7271,58 @@
                         <a:rPr lang="es-PE" sz="1100">
                           <a:effectLst/>
                         </a:rPr>
-                        <a:t>Elemento</a:t>
-                      </a:r>
-                      <a:endParaRPr lang="en-US" sz="1100">
-                        <a:effectLst/>
-                        <a:latin typeface="Calibri"/>
-                        <a:ea typeface="Calibri"/>
-                        <a:cs typeface="Times New Roman"/>
-                      </a:endParaRPr>
-                    </a:p>
-                  </a:txBody>
-                  <a:tcPr marL="68580" marR="68580" marT="0" marB="0"/>
-                </a:tc>
-                <a:tc>
-                  <a:txBody>
-                    <a:bodyPr/>
-                    <a:lstStyle/>
-                    <a:p>
-                      <a:pPr marL="0" marR="0" algn="ctr">
-                        <a:lnSpc>
-                          <a:spcPct val="107000"/>
-                        </a:lnSpc>
-                        <a:spcBef>
-                          <a:spcPts val="0"/>
-                        </a:spcBef>
+                        <a:t>Descripción</a:t>
+                      </a:r>
+                      <a:endParaRPr lang="es-PE" sz="1100">
+                        <a:effectLst/>
+                        <a:latin typeface="Calibri"/>
+                        <a:ea typeface="Calibri"/>
+                        <a:cs typeface="Times New Roman"/>
+                      </a:endParaRPr>
+                    </a:p>
+                  </a:txBody>
+                  <a:tcPr marL="68580" marR="68580" marT="0" marB="0"/>
+                </a:tc>
+              </a:tr>
+              <a:tr h="395756">
+                <a:tc>
+                  <a:txBody>
+                    <a:bodyPr/>
+                    <a:lstStyle/>
+                    <a:p>
+                      <a:pPr algn="l">
+                        <a:lnSpc>
+                          <a:spcPct val="115000"/>
+                        </a:lnSpc>
+                        <a:spcAft>
+                          <a:spcPts val="0"/>
+                        </a:spcAft>
+                      </a:pPr>
+                      <a:r>
+                        <a:rPr lang="en-US" sz="1100">
+                          <a:effectLst/>
+                        </a:rPr>
+                        <a:t>Estímulo</a:t>
+                      </a:r>
+                      <a:endParaRPr lang="es-PE" sz="1100">
+                        <a:effectLst/>
+                        <a:latin typeface="Calibri"/>
+                        <a:ea typeface="Calibri"/>
+                        <a:cs typeface="Times New Roman"/>
+                      </a:endParaRPr>
+                    </a:p>
+                  </a:txBody>
+                  <a:tcPr marL="68580" marR="68580" marT="0" marB="0"/>
+                </a:tc>
+                <a:tc>
+                  <a:txBody>
+                    <a:bodyPr/>
+                    <a:lstStyle/>
+                    <a:p>
+                      <a:pPr marL="457200" indent="-457200" algn="l">
+                        <a:lnSpc>
+                          <a:spcPct val="115000"/>
+                        </a:lnSpc>
                         <a:spcAft>
                           <a:spcPts val="0"/>
                         </a:spcAft>
@@ -7271,9 +7331,9 @@
                         <a:rPr lang="es-PE" sz="1100">
                           <a:effectLst/>
                         </a:rPr>
-                        <a:t>Descripción</a:t>
-                      </a:r>
-                      <a:endParaRPr lang="en-US" sz="1100">
+                        <a:t>Usuario empresa consultando un reporte de ventas </a:t>
+                      </a:r>
+                      <a:endParaRPr lang="es-PE" sz="1100">
                         <a:effectLst/>
                         <a:latin typeface="Calibri"/>
                         <a:ea typeface="Calibri"/>
@@ -7284,19 +7344,45 @@
                   <a:tcPr marL="68580" marR="68580" marT="0" marB="0"/>
                 </a:tc>
               </a:tr>
-              <a:tr h="482606">
-                <a:tc>
-                  <a:txBody>
-                    <a:bodyPr/>
-                    <a:lstStyle/>
-                    <a:p>
-                      <a:pPr marL="0" marR="0">
-                        <a:lnSpc>
-                          <a:spcPct val="107000"/>
-                        </a:lnSpc>
-                        <a:spcBef>
-                          <a:spcPts val="0"/>
-                        </a:spcBef>
+              <a:tr h="818526">
+                <a:tc>
+                  <a:txBody>
+                    <a:bodyPr/>
+                    <a:lstStyle/>
+                    <a:p>
+                      <a:pPr algn="l">
+                        <a:lnSpc>
+                          <a:spcPct val="115000"/>
+                        </a:lnSpc>
+                        <a:spcAft>
+                          <a:spcPts val="0"/>
+                        </a:spcAft>
+                      </a:pPr>
+                      <a:r>
+                        <a:rPr lang="en-US" sz="1100">
+                          <a:effectLst/>
+                        </a:rPr>
+                        <a:t>Fuente del estímulo</a:t>
+                      </a:r>
+                      <a:endParaRPr lang="es-PE" sz="1100">
+                        <a:effectLst/>
+                        <a:latin typeface="Calibri"/>
+                        <a:ea typeface="Calibri"/>
+                        <a:cs typeface="Times New Roman"/>
+                      </a:endParaRPr>
+                    </a:p>
+                  </a:txBody>
+                  <a:tcPr marL="68580" marR="68580" marT="0" marB="0"/>
+                </a:tc>
+                <a:tc>
+                  <a:txBody>
+                    <a:bodyPr/>
+                    <a:lstStyle/>
+                    <a:p>
+                      <a:pPr algn="l">
+                        <a:lnSpc>
+                          <a:spcPct val="115000"/>
+                        </a:lnSpc>
                         <a:spcAft>
                           <a:spcPts val="0"/>
                         </a:spcAft>
@@ -7305,30 +7391,29 @@
                         <a:rPr lang="es-PE" sz="1100">
                           <a:effectLst/>
                         </a:rPr>
-                        <a:t>Estímulo</a:t>
-                      </a:r>
-                      <a:endParaRPr lang="en-US" sz="1100">
-                        <a:effectLst/>
-                        <a:latin typeface="Calibri"/>
-                        <a:ea typeface="Calibri"/>
-                        <a:cs typeface="Times New Roman"/>
-                      </a:endParaRPr>
-                    </a:p>
-                  </a:txBody>
-                  <a:tcPr marL="68580" marR="68580" marT="0" marB="0"/>
-                </a:tc>
-                <a:tc>
-                  <a:txBody>
-                    <a:bodyPr/>
-                    <a:lstStyle/>
-                    <a:p>
-                      <a:pPr marL="0" marR="0">
-                        <a:lnSpc>
-                          <a:spcPct val="107000"/>
-                        </a:lnSpc>
-                        <a:spcBef>
-                          <a:spcPts val="0"/>
-                        </a:spcBef>
+                        <a:t>El  administrador de transacciones obtiene el reporte de ventas de una empresa</a:t>
+                      </a:r>
+                      <a:endParaRPr lang="es-PE" sz="1100">
+                        <a:effectLst/>
+                        <a:latin typeface="Calibri"/>
+                        <a:ea typeface="Calibri"/>
+                        <a:cs typeface="Times New Roman"/>
+                      </a:endParaRPr>
+                    </a:p>
+                  </a:txBody>
+                  <a:tcPr marL="68580" marR="68580" marT="0" marB="0"/>
+                </a:tc>
+              </a:tr>
+              <a:tr h="395756">
+                <a:tc>
+                  <a:txBody>
+                    <a:bodyPr/>
+                    <a:lstStyle/>
+                    <a:p>
+                      <a:pPr algn="l">
+                        <a:lnSpc>
+                          <a:spcPct val="115000"/>
+                        </a:lnSpc>
                         <a:spcAft>
                           <a:spcPts val="0"/>
                         </a:spcAft>
@@ -7337,9 +7422,38 @@
                         <a:rPr lang="es-PE" sz="1100">
                           <a:effectLst/>
                         </a:rPr>
-                        <a:t>Fallo en la realización de pago</a:t>
-                      </a:r>
-                      <a:endParaRPr lang="en-US" sz="1100">
+                        <a:t>Entorno</a:t>
+                      </a:r>
+                      <a:endParaRPr lang="es-PE" sz="1100">
+                        <a:effectLst/>
+                        <a:latin typeface="Calibri"/>
+                        <a:ea typeface="Calibri"/>
+                        <a:cs typeface="Times New Roman"/>
+                      </a:endParaRPr>
+                    </a:p>
+                  </a:txBody>
+                  <a:tcPr marL="68580" marR="68580" marT="0" marB="0"/>
+                </a:tc>
+                <a:tc>
+                  <a:txBody>
+                    <a:bodyPr/>
+                    <a:lstStyle/>
+                    <a:p>
+                      <a:pPr algn="l">
+                        <a:lnSpc>
+                          <a:spcPct val="115000"/>
+                        </a:lnSpc>
+                        <a:spcAft>
+                          <a:spcPts val="0"/>
+                        </a:spcAft>
+                      </a:pPr>
+                      <a:r>
+                        <a:rPr lang="es-PE" sz="1100">
+                          <a:effectLst/>
+                        </a:rPr>
+                        <a:t>Muchos usuarios empresa consumen el servicio </a:t>
+                      </a:r>
+                      <a:endParaRPr lang="es-PE" sz="1100">
                         <a:effectLst/>
                         <a:latin typeface="Calibri"/>
                         <a:ea typeface="Calibri"/>
@@ -7350,19 +7464,16 @@
                   <a:tcPr marL="68580" marR="68580" marT="0" marB="0"/>
                 </a:tc>
               </a:tr>
-              <a:tr h="482606">
-                <a:tc>
-                  <a:txBody>
-                    <a:bodyPr/>
-                    <a:lstStyle/>
-                    <a:p>
-                      <a:pPr marL="0" marR="0">
-                        <a:lnSpc>
-                          <a:spcPct val="107000"/>
-                        </a:lnSpc>
-                        <a:spcBef>
-                          <a:spcPts val="0"/>
-                        </a:spcBef>
+              <a:tr h="395756">
+                <a:tc>
+                  <a:txBody>
+                    <a:bodyPr/>
+                    <a:lstStyle/>
+                    <a:p>
+                      <a:pPr algn="l">
+                        <a:lnSpc>
+                          <a:spcPct val="115000"/>
+                        </a:lnSpc>
                         <a:spcAft>
                           <a:spcPts val="0"/>
                         </a:spcAft>
@@ -7371,30 +7482,27 @@
                         <a:rPr lang="es-PE" sz="1100">
                           <a:effectLst/>
                         </a:rPr>
-                        <a:t>Fuente del estímulo</a:t>
-                      </a:r>
-                      <a:endParaRPr lang="en-US" sz="1100">
-                        <a:effectLst/>
-                        <a:latin typeface="Calibri"/>
-                        <a:ea typeface="Calibri"/>
-                        <a:cs typeface="Times New Roman"/>
-                      </a:endParaRPr>
-                    </a:p>
-                  </a:txBody>
-                  <a:tcPr marL="68580" marR="68580" marT="0" marB="0"/>
-                </a:tc>
-                <a:tc>
-                  <a:txBody>
-                    <a:bodyPr/>
-                    <a:lstStyle/>
-                    <a:p>
-                      <a:pPr marL="0" marR="0">
-                        <a:lnSpc>
-                          <a:spcPct val="107000"/>
-                        </a:lnSpc>
-                        <a:spcBef>
-                          <a:spcPts val="0"/>
-                        </a:spcBef>
+                        <a:t>Artefacto</a:t>
+                      </a:r>
+                      <a:endParaRPr lang="es-PE" sz="1100">
+                        <a:effectLst/>
+                        <a:latin typeface="Calibri"/>
+                        <a:ea typeface="Calibri"/>
+                        <a:cs typeface="Times New Roman"/>
+                      </a:endParaRPr>
+                    </a:p>
+                  </a:txBody>
+                  <a:tcPr marL="68580" marR="68580" marT="0" marB="0"/>
+                </a:tc>
+                <a:tc>
+                  <a:txBody>
+                    <a:bodyPr/>
+                    <a:lstStyle/>
+                    <a:p>
+                      <a:pPr algn="l">
+                        <a:lnSpc>
+                          <a:spcPct val="115000"/>
+                        </a:lnSpc>
                         <a:spcAft>
                           <a:spcPts val="0"/>
                         </a:spcAft>
@@ -7403,9 +7511,9 @@
                         <a:rPr lang="es-PE" sz="1100">
                           <a:effectLst/>
                         </a:rPr>
-                        <a:t>Usuario quiere realizar el pago de un servicio de transporte</a:t>
-                      </a:r>
-                      <a:endParaRPr lang="en-US" sz="1100">
+                        <a:t>Módulo de pagos y cobranzas</a:t>
+                      </a:r>
+                      <a:endParaRPr lang="es-PE" sz="1100">
                         <a:effectLst/>
                         <a:latin typeface="Calibri"/>
                         <a:ea typeface="Calibri"/>
@@ -7416,19 +7524,16 @@
                   <a:tcPr marL="68580" marR="68580" marT="0" marB="0"/>
                 </a:tc>
               </a:tr>
-              <a:tr h="482606">
-                <a:tc>
-                  <a:txBody>
-                    <a:bodyPr/>
-                    <a:lstStyle/>
-                    <a:p>
-                      <a:pPr marL="0" marR="0">
-                        <a:lnSpc>
-                          <a:spcPct val="107000"/>
-                        </a:lnSpc>
-                        <a:spcBef>
-                          <a:spcPts val="0"/>
-                        </a:spcBef>
+              <a:tr h="818526">
+                <a:tc>
+                  <a:txBody>
+                    <a:bodyPr/>
+                    <a:lstStyle/>
+                    <a:p>
+                      <a:pPr algn="l">
+                        <a:lnSpc>
+                          <a:spcPct val="115000"/>
+                        </a:lnSpc>
                         <a:spcAft>
                           <a:spcPts val="0"/>
                         </a:spcAft>
@@ -7437,30 +7542,27 @@
                         <a:rPr lang="es-PE" sz="1100">
                           <a:effectLst/>
                         </a:rPr>
-                        <a:t>Entorno</a:t>
-                      </a:r>
-                      <a:endParaRPr lang="en-US" sz="1100">
-                        <a:effectLst/>
-                        <a:latin typeface="Calibri"/>
-                        <a:ea typeface="Calibri"/>
-                        <a:cs typeface="Times New Roman"/>
-                      </a:endParaRPr>
-                    </a:p>
-                  </a:txBody>
-                  <a:tcPr marL="68580" marR="68580" marT="0" marB="0"/>
-                </a:tc>
-                <a:tc>
-                  <a:txBody>
-                    <a:bodyPr/>
-                    <a:lstStyle/>
-                    <a:p>
-                      <a:pPr marL="0" marR="0">
-                        <a:lnSpc>
-                          <a:spcPct val="107000"/>
-                        </a:lnSpc>
-                        <a:spcBef>
-                          <a:spcPts val="0"/>
-                        </a:spcBef>
+                        <a:t>Respuesta</a:t>
+                      </a:r>
+                      <a:endParaRPr lang="es-PE" sz="1100">
+                        <a:effectLst/>
+                        <a:latin typeface="Calibri"/>
+                        <a:ea typeface="Calibri"/>
+                        <a:cs typeface="Times New Roman"/>
+                      </a:endParaRPr>
+                    </a:p>
+                  </a:txBody>
+                  <a:tcPr marL="68580" marR="68580" marT="0" marB="0"/>
+                </a:tc>
+                <a:tc>
+                  <a:txBody>
+                    <a:bodyPr/>
+                    <a:lstStyle/>
+                    <a:p>
+                      <a:pPr algn="l">
+                        <a:lnSpc>
+                          <a:spcPct val="115000"/>
+                        </a:lnSpc>
                         <a:spcAft>
                           <a:spcPts val="0"/>
                         </a:spcAft>
@@ -7469,9 +7571,9 @@
                         <a:rPr lang="es-PE" sz="1100">
                           <a:effectLst/>
                         </a:rPr>
-                        <a:t>Sistema bajo condiciones normales de uso.</a:t>
-                      </a:r>
-                      <a:endParaRPr lang="en-US" sz="1100">
+                        <a:t>Todas las peticiones realizadas por el cliente han sido respondidas manteniendo la integridad de los datos procesados</a:t>
+                      </a:r>
+                      <a:endParaRPr lang="es-PE" sz="1100">
                         <a:effectLst/>
                         <a:latin typeface="Calibri"/>
                         <a:ea typeface="Calibri"/>
@@ -7482,19 +7584,16 @@
                   <a:tcPr marL="68580" marR="68580" marT="0" marB="0"/>
                 </a:tc>
               </a:tr>
-              <a:tr h="482606">
-                <a:tc>
-                  <a:txBody>
-                    <a:bodyPr/>
-                    <a:lstStyle/>
-                    <a:p>
-                      <a:pPr marL="0" marR="0">
-                        <a:lnSpc>
-                          <a:spcPct val="107000"/>
-                        </a:lnSpc>
-                        <a:spcBef>
-                          <a:spcPts val="0"/>
-                        </a:spcBef>
+              <a:tr h="818526">
+                <a:tc>
+                  <a:txBody>
+                    <a:bodyPr/>
+                    <a:lstStyle/>
+                    <a:p>
+                      <a:pPr algn="l">
+                        <a:lnSpc>
+                          <a:spcPct val="115000"/>
+                        </a:lnSpc>
                         <a:spcAft>
                           <a:spcPts val="0"/>
                         </a:spcAft>
@@ -7503,162 +7602,27 @@
                         <a:rPr lang="es-PE" sz="1100">
                           <a:effectLst/>
                         </a:rPr>
-                        <a:t>Artefacto</a:t>
-                      </a:r>
-                      <a:endParaRPr lang="en-US" sz="1100">
-                        <a:effectLst/>
-                        <a:latin typeface="Calibri"/>
-                        <a:ea typeface="Calibri"/>
-                        <a:cs typeface="Times New Roman"/>
-                      </a:endParaRPr>
-                    </a:p>
-                  </a:txBody>
-                  <a:tcPr marL="68580" marR="68580" marT="0" marB="0"/>
-                </a:tc>
-                <a:tc>
-                  <a:txBody>
-                    <a:bodyPr/>
-                    <a:lstStyle/>
-                    <a:p>
-                      <a:pPr marL="0" marR="0">
-                        <a:lnSpc>
-                          <a:spcPct val="107000"/>
-                        </a:lnSpc>
-                        <a:spcBef>
-                          <a:spcPts val="0"/>
-                        </a:spcBef>
-                        <a:spcAft>
-                          <a:spcPts val="0"/>
-                        </a:spcAft>
-                      </a:pPr>
-                      <a:r>
-                        <a:rPr lang="es-PE" sz="1100">
-                          <a:effectLst/>
-                        </a:rPr>
-                        <a:t>Módulo de Pagos y Cobranzas</a:t>
-                      </a:r>
-                      <a:endParaRPr lang="en-US" sz="1100">
-                        <a:effectLst/>
-                        <a:latin typeface="Calibri"/>
-                        <a:ea typeface="Calibri"/>
-                        <a:cs typeface="Times New Roman"/>
-                      </a:endParaRPr>
-                    </a:p>
-                  </a:txBody>
-                  <a:tcPr marL="68580" marR="68580" marT="0" marB="0"/>
-                </a:tc>
-              </a:tr>
-              <a:tr h="482606">
-                <a:tc>
-                  <a:txBody>
-                    <a:bodyPr/>
-                    <a:lstStyle/>
-                    <a:p>
-                      <a:pPr marL="0" marR="0">
-                        <a:lnSpc>
-                          <a:spcPct val="107000"/>
-                        </a:lnSpc>
-                        <a:spcBef>
-                          <a:spcPts val="0"/>
-                        </a:spcBef>
-                        <a:spcAft>
-                          <a:spcPts val="0"/>
-                        </a:spcAft>
-                      </a:pPr>
-                      <a:r>
-                        <a:rPr lang="es-PE" sz="1100">
-                          <a:effectLst/>
-                        </a:rPr>
-                        <a:t>Respuesta</a:t>
-                      </a:r>
-                      <a:endParaRPr lang="en-US" sz="1100">
-                        <a:effectLst/>
-                        <a:latin typeface="Calibri"/>
-                        <a:ea typeface="Calibri"/>
-                        <a:cs typeface="Times New Roman"/>
-                      </a:endParaRPr>
-                    </a:p>
-                  </a:txBody>
-                  <a:tcPr marL="68580" marR="68580" marT="0" marB="0"/>
-                </a:tc>
-                <a:tc>
-                  <a:txBody>
-                    <a:bodyPr/>
-                    <a:lstStyle/>
-                    <a:p>
-                      <a:pPr marL="0" marR="0">
-                        <a:lnSpc>
-                          <a:spcPct val="107000"/>
-                        </a:lnSpc>
-                        <a:spcBef>
-                          <a:spcPts val="0"/>
-                        </a:spcBef>
-                        <a:spcAft>
-                          <a:spcPts val="0"/>
-                        </a:spcAft>
-                      </a:pPr>
-                      <a:r>
-                        <a:rPr lang="es-PE" sz="1100">
-                          <a:effectLst/>
-                        </a:rPr>
-                        <a:t>Se muestra un mensaje de error y se cancela la transacción</a:t>
-                      </a:r>
-                      <a:endParaRPr lang="en-US" sz="1100">
-                        <a:effectLst/>
-                        <a:latin typeface="Calibri"/>
-                        <a:ea typeface="Calibri"/>
-                        <a:cs typeface="Times New Roman"/>
-                      </a:endParaRPr>
-                    </a:p>
-                  </a:txBody>
-                  <a:tcPr marL="68580" marR="68580" marT="0" marB="0"/>
-                </a:tc>
-              </a:tr>
-              <a:tr h="990566">
-                <a:tc>
-                  <a:txBody>
-                    <a:bodyPr/>
-                    <a:lstStyle/>
-                    <a:p>
-                      <a:pPr marL="0" marR="0">
-                        <a:lnSpc>
-                          <a:spcPct val="107000"/>
-                        </a:lnSpc>
-                        <a:spcBef>
-                          <a:spcPts val="0"/>
-                        </a:spcBef>
-                        <a:spcAft>
-                          <a:spcPts val="0"/>
-                        </a:spcAft>
-                      </a:pPr>
-                      <a:r>
-                        <a:rPr lang="es-PE" sz="1100">
-                          <a:effectLst/>
-                        </a:rPr>
                         <a:t>Métrica</a:t>
                       </a:r>
-                      <a:endParaRPr lang="en-US" sz="1100">
-                        <a:effectLst/>
-                        <a:latin typeface="Calibri"/>
-                        <a:ea typeface="Calibri"/>
-                        <a:cs typeface="Times New Roman"/>
-                      </a:endParaRPr>
-                    </a:p>
-                  </a:txBody>
-                  <a:tcPr marL="68580" marR="68580" marT="0" marB="0"/>
-                </a:tc>
-                <a:tc>
-                  <a:txBody>
-                    <a:bodyPr/>
-                    <a:lstStyle/>
-                    <a:p>
-                      <a:pPr marL="0" marR="0">
-                        <a:lnSpc>
-                          <a:spcPct val="107000"/>
-                        </a:lnSpc>
-                        <a:spcBef>
-                          <a:spcPts val="0"/>
-                        </a:spcBef>
+                      <a:endParaRPr lang="es-PE" sz="1100">
+                        <a:effectLst/>
+                        <a:latin typeface="Calibri"/>
+                        <a:ea typeface="Calibri"/>
+                        <a:cs typeface="Times New Roman"/>
+                      </a:endParaRPr>
+                    </a:p>
+                  </a:txBody>
+                  <a:tcPr marL="68580" marR="68580" marT="0" marB="0"/>
+                </a:tc>
+                <a:tc>
+                  <a:txBody>
+                    <a:bodyPr/>
+                    <a:lstStyle/>
+                    <a:p>
+                      <a:pPr algn="l">
+                        <a:lnSpc>
+                          <a:spcPct val="115000"/>
+                        </a:lnSpc>
                         <a:spcAft>
                           <a:spcPts val="0"/>
                         </a:spcAft>
@@ -7667,9 +7631,9 @@
                         <a:rPr lang="es-PE" sz="1100" dirty="0">
                           <a:effectLst/>
                         </a:rPr>
-                        <a:t>Las excepciones ocurridas son actualizadas en el sistema cada 10 segundos</a:t>
-                      </a:r>
-                      <a:endParaRPr lang="en-US" sz="1100" dirty="0">
+                        <a:t>Los datos recibidos por la empresa tienen una integridad del 100%  y 0%  de corrupción.</a:t>
+                      </a:r>
+                      <a:endParaRPr lang="es-PE" sz="1100" dirty="0">
                         <a:effectLst/>
                         <a:latin typeface="Calibri"/>
                         <a:ea typeface="Calibri"/>
@@ -7729,14 +7693,14 @@
           <a:bodyPr/>
           <a:lstStyle/>
           <a:p>
-            <a:pPr marL="45720" indent="0">
+            <a:pPr marL="365760" lvl="1" indent="0">
               <a:buNone/>
             </a:pPr>
             <a:r>
               <a:rPr lang="es-PE" dirty="0" smtClean="0"/>
-              <a:t>			   MODIFICABILITY</a:t>
-            </a:r>
-            <a:endParaRPr lang="en-US" dirty="0"/>
+              <a:t>				SECURITY</a:t>
+            </a:r>
+            <a:endParaRPr lang="es-PE" dirty="0"/>
           </a:p>
         </p:txBody>
       </p:sp>
@@ -7761,9 +7725,13 @@
             </a:r>
             <a:r>
               <a:rPr lang="es-PE" dirty="0" smtClean="0"/>
-              <a:t> – editar usuario</a:t>
-            </a:r>
-            <a:endParaRPr lang="en-US" dirty="0"/>
+              <a:t> - </a:t>
+            </a:r>
+            <a:r>
+              <a:rPr lang="es-PE" smtClean="0"/>
+              <a:t>Iniciar sesión</a:t>
+            </a:r>
+            <a:endParaRPr lang="es-PE" dirty="0"/>
           </a:p>
         </p:txBody>
       </p:sp>
@@ -7776,14 +7744,14 @@
           <p:nvPr>
             <p:extLst>
               <p:ext uri="{D42A27DB-BD31-4B8C-83A1-F6EECF244321}">
-                <p14:modId xmlns:p14="http://schemas.microsoft.com/office/powerpoint/2010/main" val="196044623"/>
+                <p14:modId xmlns:p14="http://schemas.microsoft.com/office/powerpoint/2010/main" val="777813082"/>
               </p:ext>
             </p:extLst>
           </p:nvPr>
         </p:nvGraphicFramePr>
         <p:xfrm>
-          <a:off x="609600" y="2514600"/>
-          <a:ext cx="8001000" cy="3886202"/>
+          <a:off x="609600" y="2286000"/>
+          <a:ext cx="8077200" cy="4114800"/>
         </p:xfrm>
         <a:graphic>
           <a:graphicData uri="http://schemas.openxmlformats.org/drawingml/2006/table">
@@ -7792,22 +7760,19 @@
                 <a:tableStyleId>{5C22544A-7EE6-4342-B048-85BDC9FD1C3A}</a:tableStyleId>
               </a:tblPr>
               <a:tblGrid>
-                <a:gridCol w="2421355"/>
-                <a:gridCol w="5579645"/>
+                <a:gridCol w="2444416"/>
+                <a:gridCol w="5632784"/>
               </a:tblGrid>
-              <a:tr h="482606">
-                <a:tc>
-                  <a:txBody>
-                    <a:bodyPr/>
-                    <a:lstStyle/>
-                    <a:p>
-                      <a:pPr marL="0" marR="0">
-                        <a:lnSpc>
-                          <a:spcPct val="107000"/>
-                        </a:lnSpc>
-                        <a:spcBef>
-                          <a:spcPts val="0"/>
-                        </a:spcBef>
+              <a:tr h="333417">
+                <a:tc>
+                  <a:txBody>
+                    <a:bodyPr/>
+                    <a:lstStyle/>
+                    <a:p>
+                      <a:pPr>
+                        <a:lnSpc>
+                          <a:spcPct val="115000"/>
+                        </a:lnSpc>
                         <a:spcAft>
                           <a:spcPts val="0"/>
                         </a:spcAft>
@@ -7818,28 +7783,25 @@
                         </a:rPr>
                         <a:t>Elemento</a:t>
                       </a:r>
-                      <a:endParaRPr lang="en-US" sz="1100">
-                        <a:effectLst/>
-                        <a:latin typeface="Calibri"/>
-                        <a:ea typeface="Calibri"/>
-                        <a:cs typeface="Times New Roman"/>
-                      </a:endParaRPr>
-                    </a:p>
-                  </a:txBody>
-                  <a:tcPr marL="68580" marR="68580" marT="0" marB="0"/>
-                </a:tc>
-                <a:tc>
-                  <a:txBody>
-                    <a:bodyPr/>
-                    <a:lstStyle/>
-                    <a:p>
-                      <a:pPr marL="0" marR="0" algn="ctr">
-                        <a:lnSpc>
-                          <a:spcPct val="107000"/>
-                        </a:lnSpc>
-                        <a:spcBef>
-                          <a:spcPts val="0"/>
-                        </a:spcBef>
+                      <a:endParaRPr lang="es-PE" sz="1100">
+                        <a:effectLst/>
+                        <a:latin typeface="Calibri"/>
+                        <a:ea typeface="Calibri"/>
+                        <a:cs typeface="Times New Roman"/>
+                      </a:endParaRPr>
+                    </a:p>
+                  </a:txBody>
+                  <a:tcPr marL="68580" marR="68580" marT="0" marB="0"/>
+                </a:tc>
+                <a:tc>
+                  <a:txBody>
+                    <a:bodyPr/>
+                    <a:lstStyle/>
+                    <a:p>
+                      <a:pPr algn="ctr">
+                        <a:lnSpc>
+                          <a:spcPct val="115000"/>
+                        </a:lnSpc>
                         <a:spcAft>
                           <a:spcPts val="0"/>
                         </a:spcAft>
@@ -7850,7 +7812,7 @@
                         </a:rPr>
                         <a:t>Descripción</a:t>
                       </a:r>
-                      <a:endParaRPr lang="en-US" sz="1100">
+                      <a:endParaRPr lang="es-PE" sz="1100">
                         <a:effectLst/>
                         <a:latin typeface="Calibri"/>
                         <a:ea typeface="Calibri"/>
@@ -7861,19 +7823,16 @@
                   <a:tcPr marL="68580" marR="68580" marT="0" marB="0"/>
                 </a:tc>
               </a:tr>
-              <a:tr h="482606">
-                <a:tc>
-                  <a:txBody>
-                    <a:bodyPr/>
-                    <a:lstStyle/>
-                    <a:p>
-                      <a:pPr marL="0" marR="0">
-                        <a:lnSpc>
-                          <a:spcPct val="107000"/>
-                        </a:lnSpc>
-                        <a:spcBef>
-                          <a:spcPts val="0"/>
-                        </a:spcBef>
+              <a:tr h="333417">
+                <a:tc>
+                  <a:txBody>
+                    <a:bodyPr/>
+                    <a:lstStyle/>
+                    <a:p>
+                      <a:pPr>
+                        <a:lnSpc>
+                          <a:spcPct val="115000"/>
+                        </a:lnSpc>
                         <a:spcAft>
                           <a:spcPts val="0"/>
                         </a:spcAft>
@@ -7884,28 +7843,25 @@
                         </a:rPr>
                         <a:t>Estímulo</a:t>
                       </a:r>
-                      <a:endParaRPr lang="en-US" sz="1100">
-                        <a:effectLst/>
-                        <a:latin typeface="Calibri"/>
-                        <a:ea typeface="Calibri"/>
-                        <a:cs typeface="Times New Roman"/>
-                      </a:endParaRPr>
-                    </a:p>
-                  </a:txBody>
-                  <a:tcPr marL="68580" marR="68580" marT="0" marB="0"/>
-                </a:tc>
-                <a:tc>
-                  <a:txBody>
-                    <a:bodyPr/>
-                    <a:lstStyle/>
-                    <a:p>
-                      <a:pPr marL="0" marR="0">
-                        <a:lnSpc>
-                          <a:spcPct val="107000"/>
-                        </a:lnSpc>
-                        <a:spcBef>
-                          <a:spcPts val="0"/>
-                        </a:spcBef>
+                      <a:endParaRPr lang="es-PE" sz="1100">
+                        <a:effectLst/>
+                        <a:latin typeface="Calibri"/>
+                        <a:ea typeface="Calibri"/>
+                        <a:cs typeface="Times New Roman"/>
+                      </a:endParaRPr>
+                    </a:p>
+                  </a:txBody>
+                  <a:tcPr marL="68580" marR="68580" marT="0" marB="0"/>
+                </a:tc>
+                <a:tc>
+                  <a:txBody>
+                    <a:bodyPr/>
+                    <a:lstStyle/>
+                    <a:p>
+                      <a:pPr>
+                        <a:lnSpc>
+                          <a:spcPct val="115000"/>
+                        </a:lnSpc>
                         <a:spcAft>
                           <a:spcPts val="0"/>
                         </a:spcAft>
@@ -7914,9 +7870,9 @@
                         <a:rPr lang="es-PE" sz="1100">
                           <a:effectLst/>
                         </a:rPr>
-                        <a:t>Actualización en el módulo de usuario</a:t>
-                      </a:r>
-                      <a:endParaRPr lang="en-US" sz="1100">
+                        <a:t>Usuario ingrensando al sistema.</a:t>
+                      </a:r>
+                      <a:endParaRPr lang="es-PE" sz="1100">
                         <a:effectLst/>
                         <a:latin typeface="Calibri"/>
                         <a:ea typeface="Calibri"/>
@@ -7927,19 +7883,16 @@
                   <a:tcPr marL="68580" marR="68580" marT="0" marB="0"/>
                 </a:tc>
               </a:tr>
-              <a:tr h="482606">
-                <a:tc>
-                  <a:txBody>
-                    <a:bodyPr/>
-                    <a:lstStyle/>
-                    <a:p>
-                      <a:pPr marL="0" marR="0">
-                        <a:lnSpc>
-                          <a:spcPct val="107000"/>
-                        </a:lnSpc>
-                        <a:spcBef>
-                          <a:spcPts val="0"/>
-                        </a:spcBef>
+              <a:tr h="689593">
+                <a:tc>
+                  <a:txBody>
+                    <a:bodyPr/>
+                    <a:lstStyle/>
+                    <a:p>
+                      <a:pPr>
+                        <a:lnSpc>
+                          <a:spcPct val="115000"/>
+                        </a:lnSpc>
                         <a:spcAft>
                           <a:spcPts val="0"/>
                         </a:spcAft>
@@ -7950,28 +7903,25 @@
                         </a:rPr>
                         <a:t>Fuente del estímulo</a:t>
                       </a:r>
-                      <a:endParaRPr lang="en-US" sz="1100">
-                        <a:effectLst/>
-                        <a:latin typeface="Calibri"/>
-                        <a:ea typeface="Calibri"/>
-                        <a:cs typeface="Times New Roman"/>
-                      </a:endParaRPr>
-                    </a:p>
-                  </a:txBody>
-                  <a:tcPr marL="68580" marR="68580" marT="0" marB="0"/>
-                </a:tc>
-                <a:tc>
-                  <a:txBody>
-                    <a:bodyPr/>
-                    <a:lstStyle/>
-                    <a:p>
-                      <a:pPr marL="0" marR="0">
-                        <a:lnSpc>
-                          <a:spcPct val="107000"/>
-                        </a:lnSpc>
-                        <a:spcBef>
-                          <a:spcPts val="0"/>
-                        </a:spcBef>
+                      <a:endParaRPr lang="es-PE" sz="1100">
+                        <a:effectLst/>
+                        <a:latin typeface="Calibri"/>
+                        <a:ea typeface="Calibri"/>
+                        <a:cs typeface="Times New Roman"/>
+                      </a:endParaRPr>
+                    </a:p>
+                  </a:txBody>
+                  <a:tcPr marL="68580" marR="68580" marT="0" marB="0"/>
+                </a:tc>
+                <a:tc>
+                  <a:txBody>
+                    <a:bodyPr/>
+                    <a:lstStyle/>
+                    <a:p>
+                      <a:pPr>
+                        <a:lnSpc>
+                          <a:spcPct val="115000"/>
+                        </a:lnSpc>
                         <a:spcAft>
                           <a:spcPts val="0"/>
                         </a:spcAft>
@@ -7980,9 +7930,9 @@
                         <a:rPr lang="es-PE" sz="1100">
                           <a:effectLst/>
                         </a:rPr>
-                        <a:t>Se quiere agregar una nueva funcionalidad de perfil al usuario</a:t>
-                      </a:r>
-                      <a:endParaRPr lang="en-US" sz="1100">
+                        <a:t>Un usuario se ha autenticado con datos válidos para ingresar al sistema</a:t>
+                      </a:r>
+                      <a:endParaRPr lang="es-PE" sz="1100">
                         <a:effectLst/>
                         <a:latin typeface="Calibri"/>
                         <a:ea typeface="Calibri"/>
@@ -7993,19 +7943,16 @@
                   <a:tcPr marL="68580" marR="68580" marT="0" marB="0"/>
                 </a:tc>
               </a:tr>
-              <a:tr h="482606">
-                <a:tc>
-                  <a:txBody>
-                    <a:bodyPr/>
-                    <a:lstStyle/>
-                    <a:p>
-                      <a:pPr marL="0" marR="0">
-                        <a:lnSpc>
-                          <a:spcPct val="107000"/>
-                        </a:lnSpc>
-                        <a:spcBef>
-                          <a:spcPts val="0"/>
-                        </a:spcBef>
+              <a:tr h="689593">
+                <a:tc>
+                  <a:txBody>
+                    <a:bodyPr/>
+                    <a:lstStyle/>
+                    <a:p>
+                      <a:pPr>
+                        <a:lnSpc>
+                          <a:spcPct val="115000"/>
+                        </a:lnSpc>
                         <a:spcAft>
                           <a:spcPts val="0"/>
                         </a:spcAft>
@@ -8016,28 +7963,25 @@
                         </a:rPr>
                         <a:t>Entorno</a:t>
                       </a:r>
-                      <a:endParaRPr lang="en-US" sz="1100">
-                        <a:effectLst/>
-                        <a:latin typeface="Calibri"/>
-                        <a:ea typeface="Calibri"/>
-                        <a:cs typeface="Times New Roman"/>
-                      </a:endParaRPr>
-                    </a:p>
-                  </a:txBody>
-                  <a:tcPr marL="68580" marR="68580" marT="0" marB="0"/>
-                </a:tc>
-                <a:tc>
-                  <a:txBody>
-                    <a:bodyPr/>
-                    <a:lstStyle/>
-                    <a:p>
-                      <a:pPr marL="0" marR="0">
-                        <a:lnSpc>
-                          <a:spcPct val="107000"/>
-                        </a:lnSpc>
-                        <a:spcBef>
-                          <a:spcPts val="0"/>
-                        </a:spcBef>
+                      <a:endParaRPr lang="es-PE" sz="1100">
+                        <a:effectLst/>
+                        <a:latin typeface="Calibri"/>
+                        <a:ea typeface="Calibri"/>
+                        <a:cs typeface="Times New Roman"/>
+                      </a:endParaRPr>
+                    </a:p>
+                  </a:txBody>
+                  <a:tcPr marL="68580" marR="68580" marT="0" marB="0"/>
+                </a:tc>
+                <a:tc>
+                  <a:txBody>
+                    <a:bodyPr/>
+                    <a:lstStyle/>
+                    <a:p>
+                      <a:pPr>
+                        <a:lnSpc>
+                          <a:spcPct val="115000"/>
+                        </a:lnSpc>
                         <a:spcAft>
                           <a:spcPts val="0"/>
                         </a:spcAft>
@@ -8046,9 +7990,9 @@
                         <a:rPr lang="es-PE" sz="1100">
                           <a:effectLst/>
                         </a:rPr>
-                        <a:t>Sistema bajo condiciones normales de uso</a:t>
-                      </a:r>
-                      <a:endParaRPr lang="en-US" sz="1100">
+                        <a:t>Reportes que informan gran cantidad de intentos de autentificacion con datos inválidos.</a:t>
+                      </a:r>
+                      <a:endParaRPr lang="es-PE" sz="1100">
                         <a:effectLst/>
                         <a:latin typeface="Calibri"/>
                         <a:ea typeface="Calibri"/>
@@ -8059,19 +8003,16 @@
                   <a:tcPr marL="68580" marR="68580" marT="0" marB="0"/>
                 </a:tc>
               </a:tr>
-              <a:tr h="482606">
-                <a:tc>
-                  <a:txBody>
-                    <a:bodyPr/>
-                    <a:lstStyle/>
-                    <a:p>
-                      <a:pPr marL="0" marR="0">
-                        <a:lnSpc>
-                          <a:spcPct val="107000"/>
-                        </a:lnSpc>
-                        <a:spcBef>
-                          <a:spcPts val="0"/>
-                        </a:spcBef>
+              <a:tr h="333417">
+                <a:tc>
+                  <a:txBody>
+                    <a:bodyPr/>
+                    <a:lstStyle/>
+                    <a:p>
+                      <a:pPr>
+                        <a:lnSpc>
+                          <a:spcPct val="115000"/>
+                        </a:lnSpc>
                         <a:spcAft>
                           <a:spcPts val="0"/>
                         </a:spcAft>
@@ -8082,28 +8023,25 @@
                         </a:rPr>
                         <a:t>Artefacto</a:t>
                       </a:r>
-                      <a:endParaRPr lang="en-US" sz="1100">
-                        <a:effectLst/>
-                        <a:latin typeface="Calibri"/>
-                        <a:ea typeface="Calibri"/>
-                        <a:cs typeface="Times New Roman"/>
-                      </a:endParaRPr>
-                    </a:p>
-                  </a:txBody>
-                  <a:tcPr marL="68580" marR="68580" marT="0" marB="0"/>
-                </a:tc>
-                <a:tc>
-                  <a:txBody>
-                    <a:bodyPr/>
-                    <a:lstStyle/>
-                    <a:p>
-                      <a:pPr marL="0" marR="0">
-                        <a:lnSpc>
-                          <a:spcPct val="107000"/>
-                        </a:lnSpc>
-                        <a:spcBef>
-                          <a:spcPts val="0"/>
-                        </a:spcBef>
+                      <a:endParaRPr lang="es-PE" sz="1100">
+                        <a:effectLst/>
+                        <a:latin typeface="Calibri"/>
+                        <a:ea typeface="Calibri"/>
+                        <a:cs typeface="Times New Roman"/>
+                      </a:endParaRPr>
+                    </a:p>
+                  </a:txBody>
+                  <a:tcPr marL="68580" marR="68580" marT="0" marB="0"/>
+                </a:tc>
+                <a:tc>
+                  <a:txBody>
+                    <a:bodyPr/>
+                    <a:lstStyle/>
+                    <a:p>
+                      <a:pPr>
+                        <a:lnSpc>
+                          <a:spcPct val="115000"/>
+                        </a:lnSpc>
                         <a:spcAft>
                           <a:spcPts val="0"/>
                         </a:spcAft>
@@ -8112,9 +8050,9 @@
                         <a:rPr lang="es-PE" sz="1100">
                           <a:effectLst/>
                         </a:rPr>
-                        <a:t>Módulo de registro de usuario y editar usuario</a:t>
-                      </a:r>
-                      <a:endParaRPr lang="en-US" sz="1100">
+                        <a:t>Módulo de Login</a:t>
+                      </a:r>
+                      <a:endParaRPr lang="es-PE" sz="1100">
                         <a:effectLst/>
                         <a:latin typeface="Calibri"/>
                         <a:ea typeface="Calibri"/>
@@ -8125,19 +8063,16 @@
                   <a:tcPr marL="68580" marR="68580" marT="0" marB="0"/>
                 </a:tc>
               </a:tr>
-              <a:tr h="990566">
-                <a:tc>
-                  <a:txBody>
-                    <a:bodyPr/>
-                    <a:lstStyle/>
-                    <a:p>
-                      <a:pPr marL="0" marR="0">
-                        <a:lnSpc>
-                          <a:spcPct val="107000"/>
-                        </a:lnSpc>
-                        <a:spcBef>
-                          <a:spcPts val="0"/>
-                        </a:spcBef>
+              <a:tr h="1045770">
+                <a:tc>
+                  <a:txBody>
+                    <a:bodyPr/>
+                    <a:lstStyle/>
+                    <a:p>
+                      <a:pPr>
+                        <a:lnSpc>
+                          <a:spcPct val="115000"/>
+                        </a:lnSpc>
                         <a:spcAft>
                           <a:spcPts val="0"/>
                         </a:spcAft>
@@ -8148,28 +8083,25 @@
                         </a:rPr>
                         <a:t>Respuesta</a:t>
                       </a:r>
-                      <a:endParaRPr lang="en-US" sz="1100">
-                        <a:effectLst/>
-                        <a:latin typeface="Calibri"/>
-                        <a:ea typeface="Calibri"/>
-                        <a:cs typeface="Times New Roman"/>
-                      </a:endParaRPr>
-                    </a:p>
-                  </a:txBody>
-                  <a:tcPr marL="68580" marR="68580" marT="0" marB="0"/>
-                </a:tc>
-                <a:tc>
-                  <a:txBody>
-                    <a:bodyPr/>
-                    <a:lstStyle/>
-                    <a:p>
-                      <a:pPr marL="0" marR="0">
-                        <a:lnSpc>
-                          <a:spcPct val="107000"/>
-                        </a:lnSpc>
-                        <a:spcBef>
-                          <a:spcPts val="0"/>
-                        </a:spcBef>
+                      <a:endParaRPr lang="es-PE" sz="1100">
+                        <a:effectLst/>
+                        <a:latin typeface="Calibri"/>
+                        <a:ea typeface="Calibri"/>
+                        <a:cs typeface="Times New Roman"/>
+                      </a:endParaRPr>
+                    </a:p>
+                  </a:txBody>
+                  <a:tcPr marL="68580" marR="68580" marT="0" marB="0"/>
+                </a:tc>
+                <a:tc>
+                  <a:txBody>
+                    <a:bodyPr/>
+                    <a:lstStyle/>
+                    <a:p>
+                      <a:pPr>
+                        <a:lnSpc>
+                          <a:spcPct val="115000"/>
+                        </a:lnSpc>
                         <a:spcAft>
                           <a:spcPts val="0"/>
                         </a:spcAft>
@@ -8178,9 +8110,25 @@
                         <a:rPr lang="es-PE" sz="1100">
                           <a:effectLst/>
                         </a:rPr>
-                        <a:t>El sistema es capaz de someterse a un cambio sin afectar a otros módulos para mantener la integración</a:t>
-                      </a:r>
-                      <a:endParaRPr lang="en-US" sz="1100">
+                        <a:t>Se ha denegado el ingreso de usuario con datos invalidos</a:t>
+                      </a:r>
+                    </a:p>
+                    <a:p>
+                      <a:pPr>
+                        <a:lnSpc>
+                          <a:spcPct val="115000"/>
+                        </a:lnSpc>
+                        <a:spcAft>
+                          <a:spcPts val="0"/>
+                        </a:spcAft>
+                      </a:pPr>
+                      <a:r>
+                        <a:rPr lang="es-PE" sz="1100">
+                          <a:effectLst/>
+                        </a:rPr>
+                        <a:t>Todos los intentos de acceso al sistema hechos por progromadas de keyloggin han sido rechazados.</a:t>
+                      </a:r>
+                      <a:endParaRPr lang="es-PE" sz="1100">
                         <a:effectLst/>
                         <a:latin typeface="Calibri"/>
                         <a:ea typeface="Calibri"/>
@@ -8191,19 +8139,16 @@
                   <a:tcPr marL="68580" marR="68580" marT="0" marB="0"/>
                 </a:tc>
               </a:tr>
-              <a:tr h="482606">
-                <a:tc>
-                  <a:txBody>
-                    <a:bodyPr/>
-                    <a:lstStyle/>
-                    <a:p>
-                      <a:pPr marL="0" marR="0">
-                        <a:lnSpc>
-                          <a:spcPct val="107000"/>
-                        </a:lnSpc>
-                        <a:spcBef>
-                          <a:spcPts val="0"/>
-                        </a:spcBef>
+              <a:tr h="689593">
+                <a:tc>
+                  <a:txBody>
+                    <a:bodyPr/>
+                    <a:lstStyle/>
+                    <a:p>
+                      <a:pPr>
+                        <a:lnSpc>
+                          <a:spcPct val="115000"/>
+                        </a:lnSpc>
                         <a:spcAft>
                           <a:spcPts val="0"/>
                         </a:spcAft>
@@ -8214,28 +8159,25 @@
                         </a:rPr>
                         <a:t>Métrica</a:t>
                       </a:r>
-                      <a:endParaRPr lang="en-US" sz="1100">
-                        <a:effectLst/>
-                        <a:latin typeface="Calibri"/>
-                        <a:ea typeface="Calibri"/>
-                        <a:cs typeface="Times New Roman"/>
-                      </a:endParaRPr>
-                    </a:p>
-                  </a:txBody>
-                  <a:tcPr marL="68580" marR="68580" marT="0" marB="0"/>
-                </a:tc>
-                <a:tc>
-                  <a:txBody>
-                    <a:bodyPr/>
-                    <a:lstStyle/>
-                    <a:p>
-                      <a:pPr marL="0" marR="0">
-                        <a:lnSpc>
-                          <a:spcPct val="107000"/>
-                        </a:lnSpc>
-                        <a:spcBef>
-                          <a:spcPts val="0"/>
-                        </a:spcBef>
+                      <a:endParaRPr lang="es-PE" sz="1100">
+                        <a:effectLst/>
+                        <a:latin typeface="Calibri"/>
+                        <a:ea typeface="Calibri"/>
+                        <a:cs typeface="Times New Roman"/>
+                      </a:endParaRPr>
+                    </a:p>
+                  </a:txBody>
+                  <a:tcPr marL="68580" marR="68580" marT="0" marB="0"/>
+                </a:tc>
+                <a:tc>
+                  <a:txBody>
+                    <a:bodyPr/>
+                    <a:lstStyle/>
+                    <a:p>
+                      <a:pPr>
+                        <a:lnSpc>
+                          <a:spcPct val="115000"/>
+                        </a:lnSpc>
                         <a:spcAft>
                           <a:spcPts val="0"/>
                         </a:spcAft>
@@ -8244,9 +8186,25 @@
                         <a:rPr lang="es-PE" sz="1100" dirty="0">
                           <a:effectLst/>
                         </a:rPr>
-                        <a:t>El costo de del cambio es el menor posible</a:t>
-                      </a:r>
-                      <a:endParaRPr lang="en-US" sz="1100" dirty="0">
+                        <a:t>La cantidad de ingresos al sistemas por usuarios falsos  es de 0%</a:t>
+                      </a:r>
+                    </a:p>
+                    <a:p>
+                      <a:pPr>
+                        <a:lnSpc>
+                          <a:spcPct val="115000"/>
+                        </a:lnSpc>
+                        <a:spcAft>
+                          <a:spcPts val="0"/>
+                        </a:spcAft>
+                      </a:pPr>
+                      <a:r>
+                        <a:rPr lang="es-PE" sz="1100" dirty="0">
+                          <a:effectLst/>
+                        </a:rPr>
+                        <a:t>Los usuarios infiltrados han sido reportados.</a:t>
+                      </a:r>
+                      <a:endParaRPr lang="es-PE" sz="1100" dirty="0">
                         <a:effectLst/>
                         <a:latin typeface="Calibri"/>
                         <a:ea typeface="Calibri"/>
@@ -8264,7 +8222,7 @@
     </p:spTree>
     <p:extLst>
       <p:ext uri="{BB962C8B-B14F-4D97-AF65-F5344CB8AC3E}">
-        <p14:creationId xmlns:p14="http://schemas.microsoft.com/office/powerpoint/2010/main" val="4179902324"/>
+        <p14:creationId xmlns:p14="http://schemas.microsoft.com/office/powerpoint/2010/main" val="3390741538"/>
       </p:ext>
     </p:extLst>
   </p:cSld>
@@ -8311,7 +8269,11 @@
             </a:pPr>
             <a:r>
               <a:rPr lang="es-PE" dirty="0" smtClean="0"/>
-              <a:t>			         USABILITY</a:t>
+              <a:t>			   </a:t>
+            </a:r>
+            <a:r>
+              <a:rPr lang="es-PE" dirty="0" smtClean="0"/>
+              <a:t>MODIFIABILITY</a:t>
             </a:r>
             <a:endParaRPr lang="en-US" dirty="0"/>
           </a:p>
@@ -8353,14 +8315,14 @@
           <p:nvPr>
             <p:extLst>
               <p:ext uri="{D42A27DB-BD31-4B8C-83A1-F6EECF244321}">
-                <p14:modId xmlns:p14="http://schemas.microsoft.com/office/powerpoint/2010/main" val="1012287066"/>
+                <p14:modId xmlns:p14="http://schemas.microsoft.com/office/powerpoint/2010/main" val="196044623"/>
               </p:ext>
             </p:extLst>
           </p:nvPr>
         </p:nvGraphicFramePr>
         <p:xfrm>
-          <a:off x="685800" y="2438400"/>
-          <a:ext cx="7924800" cy="3886199"/>
+          <a:off x="609600" y="2514600"/>
+          <a:ext cx="8001000" cy="3886202"/>
         </p:xfrm>
         <a:graphic>
           <a:graphicData uri="http://schemas.openxmlformats.org/drawingml/2006/table">
@@ -8369,10 +8331,10 @@
                 <a:tableStyleId>{5C22544A-7EE6-4342-B048-85BDC9FD1C3A}</a:tableStyleId>
               </a:tblPr>
               <a:tblGrid>
-                <a:gridCol w="2398295"/>
-                <a:gridCol w="5526505"/>
+                <a:gridCol w="2421355"/>
+                <a:gridCol w="5579645"/>
               </a:tblGrid>
-              <a:tr h="426817">
+              <a:tr h="482606">
                 <a:tc>
                   <a:txBody>
                     <a:bodyPr/>
@@ -8438,7 +8400,7 @@
                   <a:tcPr marL="68580" marR="68580" marT="0" marB="0"/>
                 </a:tc>
               </a:tr>
-              <a:tr h="426817">
+              <a:tr h="482606">
                 <a:tc>
                   <a:txBody>
                     <a:bodyPr/>
@@ -8491,7 +8453,7 @@
                         <a:rPr lang="es-PE" sz="1100">
                           <a:effectLst/>
                         </a:rPr>
-                        <a:t>El usuario quiere modificar los datos de su perfil</a:t>
+                        <a:t>Actualización en el módulo de usuario</a:t>
                       </a:r>
                       <a:endParaRPr lang="en-US" sz="1100">
                         <a:effectLst/>
@@ -8504,7 +8466,7 @@
                   <a:tcPr marL="68580" marR="68580" marT="0" marB="0"/>
                 </a:tc>
               </a:tr>
-              <a:tr h="426817">
+              <a:tr h="482606">
                 <a:tc>
                   <a:txBody>
                     <a:bodyPr/>
@@ -8557,7 +8519,7 @@
                         <a:rPr lang="es-PE" sz="1100">
                           <a:effectLst/>
                         </a:rPr>
-                        <a:t>Usuario Final</a:t>
+                        <a:t>Se quiere agregar una nueva funcionalidad de perfil al usuario</a:t>
                       </a:r>
                       <a:endParaRPr lang="en-US" sz="1100">
                         <a:effectLst/>
@@ -8570,7 +8532,7 @@
                   <a:tcPr marL="68580" marR="68580" marT="0" marB="0"/>
                 </a:tc>
               </a:tr>
-              <a:tr h="426817">
+              <a:tr h="482606">
                 <a:tc>
                   <a:txBody>
                     <a:bodyPr/>
@@ -8623,7 +8585,7 @@
                         <a:rPr lang="es-PE" sz="1100">
                           <a:effectLst/>
                         </a:rPr>
-                        <a:t>Sistema en condiciones normales</a:t>
+                        <a:t>Sistema bajo condiciones normales de uso</a:t>
                       </a:r>
                       <a:endParaRPr lang="en-US" sz="1100">
                         <a:effectLst/>
@@ -8636,7 +8598,7 @@
                   <a:tcPr marL="68580" marR="68580" marT="0" marB="0"/>
                 </a:tc>
               </a:tr>
-              <a:tr h="426817">
+              <a:tr h="482606">
                 <a:tc>
                   <a:txBody>
                     <a:bodyPr/>
@@ -8689,7 +8651,7 @@
                         <a:rPr lang="es-PE" sz="1100">
                           <a:effectLst/>
                         </a:rPr>
-                        <a:t>Editar datos de usuario</a:t>
+                        <a:t>Módulo de registro de usuario y editar usuario</a:t>
                       </a:r>
                       <a:endParaRPr lang="en-US" sz="1100">
                         <a:effectLst/>
@@ -8702,7 +8664,7 @@
                   <a:tcPr marL="68580" marR="68580" marT="0" marB="0"/>
                 </a:tc>
               </a:tr>
-              <a:tr h="876057">
+              <a:tr h="990566">
                 <a:tc>
                   <a:txBody>
                     <a:bodyPr/>
@@ -8755,7 +8717,7 @@
                         <a:rPr lang="es-PE" sz="1100">
                           <a:effectLst/>
                         </a:rPr>
-                        <a:t>El usuario efectúa la operación de manera eficaz lo realiza de manera intuitiva</a:t>
+                        <a:t>El sistema es capaz de someterse a un cambio sin afectar a otros módulos para mantener la integración</a:t>
                       </a:r>
                       <a:endParaRPr lang="en-US" sz="1100">
                         <a:effectLst/>
@@ -8768,7 +8730,7 @@
                   <a:tcPr marL="68580" marR="68580" marT="0" marB="0"/>
                 </a:tc>
               </a:tr>
-              <a:tr h="876057">
+              <a:tr h="482606">
                 <a:tc>
                   <a:txBody>
                     <a:bodyPr/>
@@ -8821,7 +8783,7 @@
                         <a:rPr lang="es-PE" sz="1100" dirty="0">
                           <a:effectLst/>
                         </a:rPr>
-                        <a:t>El usuario se demora un promedio de dos minutos en realizar todos los pasos para editar los datos de su cuenta</a:t>
+                        <a:t>El costo de del cambio es el menor posible</a:t>
                       </a:r>
                       <a:endParaRPr lang="en-US" sz="1100" dirty="0">
                         <a:effectLst/>
@@ -8841,7 +8803,7 @@
     </p:spTree>
     <p:extLst>
       <p:ext uri="{BB962C8B-B14F-4D97-AF65-F5344CB8AC3E}">
-        <p14:creationId xmlns:p14="http://schemas.microsoft.com/office/powerpoint/2010/main" val="1603561239"/>
+        <p14:creationId xmlns:p14="http://schemas.microsoft.com/office/powerpoint/2010/main" val="4179902324"/>
       </p:ext>
     </p:extLst>
   </p:cSld>
@@ -8888,7 +8850,7 @@
             </a:pPr>
             <a:r>
               <a:rPr lang="es-PE" dirty="0" smtClean="0"/>
-              <a:t>			       TESTEABILITY</a:t>
+              <a:t>			         USABILITY</a:t>
             </a:r>
             <a:endParaRPr lang="en-US" dirty="0"/>
           </a:p>
@@ -8915,7 +8877,7 @@
             </a:r>
             <a:r>
               <a:rPr lang="es-PE" dirty="0" smtClean="0"/>
-              <a:t> – registro de vehículo</a:t>
+              <a:t> – editar usuario</a:t>
             </a:r>
             <a:endParaRPr lang="en-US" dirty="0"/>
           </a:p>
@@ -8930,14 +8892,14 @@
           <p:nvPr>
             <p:extLst>
               <p:ext uri="{D42A27DB-BD31-4B8C-83A1-F6EECF244321}">
-                <p14:modId xmlns:p14="http://schemas.microsoft.com/office/powerpoint/2010/main" val="199575374"/>
+                <p14:modId xmlns:p14="http://schemas.microsoft.com/office/powerpoint/2010/main" val="1012287066"/>
               </p:ext>
             </p:extLst>
           </p:nvPr>
         </p:nvGraphicFramePr>
         <p:xfrm>
-          <a:off x="533400" y="2438400"/>
-          <a:ext cx="8153400" cy="3657599"/>
+          <a:off x="685800" y="2438400"/>
+          <a:ext cx="7924800" cy="3886199"/>
         </p:xfrm>
         <a:graphic>
           <a:graphicData uri="http://schemas.openxmlformats.org/drawingml/2006/table">
@@ -8946,10 +8908,10 @@
                 <a:tableStyleId>{5C22544A-7EE6-4342-B048-85BDC9FD1C3A}</a:tableStyleId>
               </a:tblPr>
               <a:tblGrid>
-                <a:gridCol w="2467476"/>
-                <a:gridCol w="5685924"/>
+                <a:gridCol w="2398295"/>
+                <a:gridCol w="5526505"/>
               </a:tblGrid>
-              <a:tr h="454217">
+              <a:tr h="426817">
                 <a:tc>
                   <a:txBody>
                     <a:bodyPr/>
@@ -9015,7 +8977,7 @@
                   <a:tcPr marL="68580" marR="68580" marT="0" marB="0"/>
                 </a:tc>
               </a:tr>
-              <a:tr h="454217">
+              <a:tr h="426817">
                 <a:tc>
                   <a:txBody>
                     <a:bodyPr/>
@@ -9068,7 +9030,7 @@
                         <a:rPr lang="es-PE" sz="1100">
                           <a:effectLst/>
                         </a:rPr>
-                        <a:t>Ejecución de pruebas unitarias</a:t>
+                        <a:t>El usuario quiere modificar los datos de su perfil</a:t>
                       </a:r>
                       <a:endParaRPr lang="en-US" sz="1100">
                         <a:effectLst/>
@@ -9081,7 +9043,7 @@
                   <a:tcPr marL="68580" marR="68580" marT="0" marB="0"/>
                 </a:tc>
               </a:tr>
-              <a:tr h="932297">
+              <a:tr h="426817">
                 <a:tc>
                   <a:txBody>
                     <a:bodyPr/>
@@ -9134,7 +9096,7 @@
                         <a:rPr lang="es-PE" sz="1100">
                           <a:effectLst/>
                         </a:rPr>
-                        <a:t>Se desean realizar pruebas unitarias al sistema para evaluar su calidad</a:t>
+                        <a:t>Usuario Final</a:t>
                       </a:r>
                       <a:endParaRPr lang="en-US" sz="1100">
                         <a:effectLst/>
@@ -9147,7 +9109,7 @@
                   <a:tcPr marL="68580" marR="68580" marT="0" marB="0"/>
                 </a:tc>
               </a:tr>
-              <a:tr h="454217">
+              <a:tr h="426817">
                 <a:tc>
                   <a:txBody>
                     <a:bodyPr/>
@@ -9200,7 +9162,7 @@
                         <a:rPr lang="es-PE" sz="1100">
                           <a:effectLst/>
                         </a:rPr>
-                        <a:t>El sistema se encuentra en mantenimiento</a:t>
+                        <a:t>Sistema en condiciones normales</a:t>
                       </a:r>
                       <a:endParaRPr lang="en-US" sz="1100">
                         <a:effectLst/>
@@ -9213,7 +9175,7 @@
                   <a:tcPr marL="68580" marR="68580" marT="0" marB="0"/>
                 </a:tc>
               </a:tr>
-              <a:tr h="454217">
+              <a:tr h="426817">
                 <a:tc>
                   <a:txBody>
                     <a:bodyPr/>
@@ -9266,7 +9228,7 @@
                         <a:rPr lang="es-PE" sz="1100">
                           <a:effectLst/>
                         </a:rPr>
-                        <a:t>Módulo de registro de vehículo</a:t>
+                        <a:t>Editar datos de usuario</a:t>
                       </a:r>
                       <a:endParaRPr lang="en-US" sz="1100">
                         <a:effectLst/>
@@ -9279,7 +9241,7 @@
                   <a:tcPr marL="68580" marR="68580" marT="0" marB="0"/>
                 </a:tc>
               </a:tr>
-              <a:tr h="454217">
+              <a:tr h="876057">
                 <a:tc>
                   <a:txBody>
                     <a:bodyPr/>
@@ -9332,7 +9294,7 @@
                         <a:rPr lang="es-PE" sz="1100">
                           <a:effectLst/>
                         </a:rPr>
-                        <a:t>Captura de los resultado de las pruebas unitarias </a:t>
+                        <a:t>El usuario efectúa la operación de manera eficaz lo realiza de manera intuitiva</a:t>
                       </a:r>
                       <a:endParaRPr lang="en-US" sz="1100">
                         <a:effectLst/>
@@ -9345,7 +9307,7 @@
                   <a:tcPr marL="68580" marR="68580" marT="0" marB="0"/>
                 </a:tc>
               </a:tr>
-              <a:tr h="454217">
+              <a:tr h="876057">
                 <a:tc>
                   <a:txBody>
                     <a:bodyPr/>
@@ -9398,7 +9360,7 @@
                         <a:rPr lang="es-PE" sz="1100" dirty="0">
                           <a:effectLst/>
                         </a:rPr>
-                        <a:t>El porcentaje del código cubierto en las pruebas de cobertura </a:t>
+                        <a:t>El usuario se demora un promedio de dos minutos en realizar todos los pasos para editar los datos de su cuenta</a:t>
                       </a:r>
                       <a:endParaRPr lang="en-US" sz="1100" dirty="0">
                         <a:effectLst/>
@@ -9418,7 +9380,7 @@
     </p:spTree>
     <p:extLst>
       <p:ext uri="{BB962C8B-B14F-4D97-AF65-F5344CB8AC3E}">
-        <p14:creationId xmlns:p14="http://schemas.microsoft.com/office/powerpoint/2010/main" val="2524307437"/>
+        <p14:creationId xmlns:p14="http://schemas.microsoft.com/office/powerpoint/2010/main" val="1603561239"/>
       </p:ext>
     </p:extLst>
   </p:cSld>
@@ -9465,7 +9427,11 @@
             </a:pPr>
             <a:r>
               <a:rPr lang="es-PE" dirty="0" smtClean="0"/>
-              <a:t>			         AVAILABILITY</a:t>
+              <a:t>			</a:t>
+            </a:r>
+            <a:r>
+              <a:rPr lang="es-PE" smtClean="0"/>
+              <a:t>       TESTABILITY</a:t>
             </a:r>
             <a:endParaRPr lang="en-US" dirty="0"/>
           </a:p>
@@ -9492,7 +9458,7 @@
             </a:r>
             <a:r>
               <a:rPr lang="es-PE" dirty="0" smtClean="0"/>
-              <a:t> – calificación y denuncias</a:t>
+              <a:t> – registro de vehículo</a:t>
             </a:r>
             <a:endParaRPr lang="en-US" dirty="0"/>
           </a:p>
@@ -9507,14 +9473,14 @@
           <p:nvPr>
             <p:extLst>
               <p:ext uri="{D42A27DB-BD31-4B8C-83A1-F6EECF244321}">
-                <p14:modId xmlns:p14="http://schemas.microsoft.com/office/powerpoint/2010/main" val="2347251246"/>
+                <p14:modId xmlns:p14="http://schemas.microsoft.com/office/powerpoint/2010/main" val="199575374"/>
               </p:ext>
             </p:extLst>
           </p:nvPr>
         </p:nvGraphicFramePr>
         <p:xfrm>
-          <a:off x="609600" y="2286000"/>
-          <a:ext cx="7924800" cy="3886199"/>
+          <a:off x="533400" y="2438400"/>
+          <a:ext cx="8153400" cy="3657599"/>
         </p:xfrm>
         <a:graphic>
           <a:graphicData uri="http://schemas.openxmlformats.org/drawingml/2006/table">
@@ -9523,10 +9489,10 @@
                 <a:tableStyleId>{5C22544A-7EE6-4342-B048-85BDC9FD1C3A}</a:tableStyleId>
               </a:tblPr>
               <a:tblGrid>
-                <a:gridCol w="2398295"/>
-                <a:gridCol w="5526505"/>
+                <a:gridCol w="2467476"/>
+                <a:gridCol w="5685924"/>
               </a:tblGrid>
-              <a:tr h="426817">
+              <a:tr h="454217">
                 <a:tc>
                   <a:txBody>
                     <a:bodyPr/>
@@ -9592,7 +9558,7 @@
                   <a:tcPr marL="68580" marR="68580" marT="0" marB="0"/>
                 </a:tc>
               </a:tr>
-              <a:tr h="426817">
+              <a:tr h="454217">
                 <a:tc>
                   <a:txBody>
                     <a:bodyPr/>
@@ -9645,7 +9611,7 @@
                         <a:rPr lang="es-PE" sz="1100">
                           <a:effectLst/>
                         </a:rPr>
-                        <a:t>El sistema falla al enviar un reporte de infracción y denuncia </a:t>
+                        <a:t>Ejecución de pruebas unitarias</a:t>
                       </a:r>
                       <a:endParaRPr lang="en-US" sz="1100">
                         <a:effectLst/>
@@ -9658,7 +9624,7 @@
                   <a:tcPr marL="68580" marR="68580" marT="0" marB="0"/>
                 </a:tc>
               </a:tr>
-              <a:tr h="426817">
+              <a:tr h="932297">
                 <a:tc>
                   <a:txBody>
                     <a:bodyPr/>
@@ -9711,7 +9677,7 @@
                         <a:rPr lang="es-PE" sz="1100">
                           <a:effectLst/>
                         </a:rPr>
-                        <a:t>Usuario que envía el reporte</a:t>
+                        <a:t>Se desean realizar pruebas unitarias al sistema para evaluar su calidad</a:t>
                       </a:r>
                       <a:endParaRPr lang="en-US" sz="1100">
                         <a:effectLst/>
@@ -9724,7 +9690,7 @@
                   <a:tcPr marL="68580" marR="68580" marT="0" marB="0"/>
                 </a:tc>
               </a:tr>
-              <a:tr h="426817">
+              <a:tr h="454217">
                 <a:tc>
                   <a:txBody>
                     <a:bodyPr/>
@@ -9777,7 +9743,7 @@
                         <a:rPr lang="es-PE" sz="1100">
                           <a:effectLst/>
                         </a:rPr>
-                        <a:t>Sistema bajo condiciones normales de uso</a:t>
+                        <a:t>El sistema se encuentra en mantenimiento</a:t>
                       </a:r>
                       <a:endParaRPr lang="en-US" sz="1100">
                         <a:effectLst/>
@@ -9790,7 +9756,7 @@
                   <a:tcPr marL="68580" marR="68580" marT="0" marB="0"/>
                 </a:tc>
               </a:tr>
-              <a:tr h="426817">
+              <a:tr h="454217">
                 <a:tc>
                   <a:txBody>
                     <a:bodyPr/>
@@ -9843,7 +9809,7 @@
                         <a:rPr lang="es-PE" sz="1100">
                           <a:effectLst/>
                         </a:rPr>
-                        <a:t>Reportar infracción</a:t>
+                        <a:t>Módulo de registro de vehículo</a:t>
                       </a:r>
                       <a:endParaRPr lang="en-US" sz="1100">
                         <a:effectLst/>
@@ -9856,7 +9822,7 @@
                   <a:tcPr marL="68580" marR="68580" marT="0" marB="0"/>
                 </a:tc>
               </a:tr>
-              <a:tr h="876057">
+              <a:tr h="454217">
                 <a:tc>
                   <a:txBody>
                     <a:bodyPr/>
@@ -9909,7 +9875,7 @@
                         <a:rPr lang="es-PE" sz="1100">
                           <a:effectLst/>
                         </a:rPr>
-                        <a:t>Se muestra un mensaje de error y los datos descritos en el reporte no se pierden</a:t>
+                        <a:t>Captura de los resultado de las pruebas unitarias </a:t>
                       </a:r>
                       <a:endParaRPr lang="en-US" sz="1100">
                         <a:effectLst/>
@@ -9922,7 +9888,7 @@
                   <a:tcPr marL="68580" marR="68580" marT="0" marB="0"/>
                 </a:tc>
               </a:tr>
-              <a:tr h="876057">
+              <a:tr h="454217">
                 <a:tc>
                   <a:txBody>
                     <a:bodyPr/>
@@ -9940,42 +9906,42 @@
                         </a:spcAft>
                       </a:pPr>
                       <a:r>
+                        <a:rPr lang="es-PE" sz="1100">
+                          <a:effectLst/>
+                        </a:rPr>
+                        <a:t>Métrica</a:t>
+                      </a:r>
+                      <a:endParaRPr lang="en-US" sz="1100">
+                        <a:effectLst/>
+                        <a:latin typeface="Calibri"/>
+                        <a:ea typeface="Calibri"/>
+                        <a:cs typeface="Times New Roman"/>
+                      </a:endParaRPr>
+                    </a:p>
+                  </a:txBody>
+                  <a:tcPr marL="68580" marR="68580" marT="0" marB="0"/>
+                </a:tc>
+                <a:tc>
+                  <a:txBody>
+                    <a:bodyPr/>
+                    <a:lstStyle/>
+                    <a:p>
+                      <a:pPr marL="0" marR="0">
+                        <a:lnSpc>
+                          <a:spcPct val="107000"/>
+                        </a:lnSpc>
+                        <a:spcBef>
+                          <a:spcPts val="0"/>
+                        </a:spcBef>
+                        <a:spcAft>
+                          <a:spcPts val="0"/>
+                        </a:spcAft>
+                      </a:pPr>
+                      <a:r>
                         <a:rPr lang="es-PE" sz="1100" dirty="0">
                           <a:effectLst/>
                         </a:rPr>
-                        <a:t>Métrica</a:t>
-                      </a:r>
-                      <a:endParaRPr lang="en-US" sz="1100" dirty="0">
-                        <a:effectLst/>
-                        <a:latin typeface="Calibri"/>
-                        <a:ea typeface="Calibri"/>
-                        <a:cs typeface="Times New Roman"/>
-                      </a:endParaRPr>
-                    </a:p>
-                  </a:txBody>
-                  <a:tcPr marL="68580" marR="68580" marT="0" marB="0"/>
-                </a:tc>
-                <a:tc>
-                  <a:txBody>
-                    <a:bodyPr/>
-                    <a:lstStyle/>
-                    <a:p>
-                      <a:pPr marL="0" marR="0">
-                        <a:lnSpc>
-                          <a:spcPct val="107000"/>
-                        </a:lnSpc>
-                        <a:spcBef>
-                          <a:spcPts val="0"/>
-                        </a:spcBef>
-                        <a:spcAft>
-                          <a:spcPts val="0"/>
-                        </a:spcAft>
-                      </a:pPr>
-                      <a:r>
-                        <a:rPr lang="es-PE" sz="1100" dirty="0">
-                          <a:effectLst/>
-                        </a:rPr>
-                        <a:t>El sistema identifica un nodo secundario y se recupera a los 5 segundos</a:t>
+                        <a:t>El porcentaje del código cubierto en las pruebas de cobertura </a:t>
                       </a:r>
                       <a:endParaRPr lang="en-US" sz="1100" dirty="0">
                         <a:effectLst/>
@@ -9995,7 +9961,7 @@
     </p:spTree>
     <p:extLst>
       <p:ext uri="{BB962C8B-B14F-4D97-AF65-F5344CB8AC3E}">
-        <p14:creationId xmlns:p14="http://schemas.microsoft.com/office/powerpoint/2010/main" val="2229536829"/>
+        <p14:creationId xmlns:p14="http://schemas.microsoft.com/office/powerpoint/2010/main" val="2524307437"/>
       </p:ext>
     </p:extLst>
   </p:cSld>
@@ -10032,7 +9998,12 @@
             <p:ph idx="1"/>
           </p:nvPr>
         </p:nvSpPr>
-        <p:spPr/>
+        <p:spPr>
+          <a:xfrm>
+            <a:off x="304800" y="1752600"/>
+            <a:ext cx="8407893" cy="4407408"/>
+          </a:xfrm>
+        </p:spPr>
         <p:txBody>
           <a:bodyPr/>
           <a:lstStyle/>
@@ -10042,14 +10013,9 @@
             </a:pPr>
             <a:r>
               <a:rPr lang="es-PE" dirty="0" smtClean="0"/>
-              <a:t>			    PERFORMANCE</a:t>
-            </a:r>
-          </a:p>
-          <a:p>
-            <a:pPr marL="45720" indent="0">
-              <a:buNone/>
-            </a:pPr>
-            <a:endParaRPr lang="en-US" dirty="0"/>
+              <a:t>			    AVAILABILITY</a:t>
+            </a:r>
+            <a:endParaRPr lang="es-PE" dirty="0"/>
           </a:p>
         </p:txBody>
       </p:sp>
@@ -10074,29 +10040,29 @@
             </a:r>
             <a:r>
               <a:rPr lang="es-PE" dirty="0" smtClean="0"/>
-              <a:t> – calificación y denuncias</a:t>
-            </a:r>
-            <a:endParaRPr lang="en-US" dirty="0"/>
+              <a:t> – registro de vehículo</a:t>
+            </a:r>
+            <a:endParaRPr lang="es-PE" dirty="0"/>
           </a:p>
         </p:txBody>
       </p:sp>
       <p:graphicFrame>
         <p:nvGraphicFramePr>
-          <p:cNvPr id="4" name="3 Tabla"/>
+          <p:cNvPr id="5" name="4 Tabla"/>
           <p:cNvGraphicFramePr>
             <a:graphicFrameLocks noGrp="1"/>
           </p:cNvGraphicFramePr>
           <p:nvPr>
             <p:extLst>
               <p:ext uri="{D42A27DB-BD31-4B8C-83A1-F6EECF244321}">
-                <p14:modId xmlns:p14="http://schemas.microsoft.com/office/powerpoint/2010/main" val="1006689171"/>
+                <p14:modId xmlns:p14="http://schemas.microsoft.com/office/powerpoint/2010/main" val="1675746489"/>
               </p:ext>
             </p:extLst>
           </p:nvPr>
         </p:nvGraphicFramePr>
         <p:xfrm>
-          <a:off x="609600" y="2362200"/>
-          <a:ext cx="8001000" cy="4038601"/>
+          <a:off x="609600" y="2286000"/>
+          <a:ext cx="8001000" cy="3962399"/>
         </p:xfrm>
         <a:graphic>
           <a:graphicData uri="http://schemas.openxmlformats.org/drawingml/2006/table">
@@ -10108,51 +10074,111 @@
                 <a:gridCol w="2421355"/>
                 <a:gridCol w="5579645"/>
               </a:tblGrid>
-              <a:tr h="397594">
-                <a:tc>
-                  <a:txBody>
-                    <a:bodyPr/>
-                    <a:lstStyle/>
-                    <a:p>
-                      <a:pPr marL="0" marR="0">
-                        <a:lnSpc>
-                          <a:spcPct val="107000"/>
-                        </a:lnSpc>
-                        <a:spcBef>
-                          <a:spcPts val="0"/>
-                        </a:spcBef>
-                        <a:spcAft>
-                          <a:spcPts val="0"/>
-                        </a:spcAft>
-                      </a:pPr>
+              <a:tr h="424340">
+                <a:tc>
+                  <a:txBody>
+                    <a:bodyPr/>
+                    <a:lstStyle/>
+                    <a:p>
+                      <a:pPr algn="l">
+                        <a:lnSpc>
+                          <a:spcPct val="115000"/>
+                        </a:lnSpc>
+                        <a:spcAft>
+                          <a:spcPts val="0"/>
+                        </a:spcAft>
+                      </a:pPr>
+                      <a:r>
+                        <a:rPr lang="en-US" sz="1100">
+                          <a:effectLst/>
+                        </a:rPr>
+                        <a:t>Elemento</a:t>
+                      </a:r>
+                      <a:endParaRPr lang="es-PE" sz="1100">
+                        <a:effectLst/>
+                        <a:latin typeface="Calibri"/>
+                        <a:ea typeface="Calibri"/>
+                        <a:cs typeface="Times New Roman"/>
+                      </a:endParaRPr>
+                    </a:p>
+                  </a:txBody>
+                  <a:tcPr marL="68580" marR="68580" marT="0" marB="0"/>
+                </a:tc>
+                <a:tc>
+                  <a:txBody>
+                    <a:bodyPr/>
+                    <a:lstStyle/>
+                    <a:p>
+                      <a:pPr algn="l">
+                        <a:lnSpc>
+                          <a:spcPct val="115000"/>
+                        </a:lnSpc>
+                        <a:spcAft>
+                          <a:spcPts val="0"/>
+                        </a:spcAft>
+                      </a:pPr>
+                      <a:r>
+                        <a:rPr lang="en-US" sz="1100">
+                          <a:effectLst/>
+                        </a:rPr>
+                        <a:t>Descripci</a:t>
+                      </a:r>
                       <a:r>
                         <a:rPr lang="es-PE" sz="1100">
                           <a:effectLst/>
                         </a:rPr>
-                        <a:t>Elemento</a:t>
-                      </a:r>
-                      <a:endParaRPr lang="en-US" sz="1100">
-                        <a:effectLst/>
-                        <a:latin typeface="Calibri"/>
-                        <a:ea typeface="Calibri"/>
-                        <a:cs typeface="Times New Roman"/>
-                      </a:endParaRPr>
-                    </a:p>
-                  </a:txBody>
-                  <a:tcPr marL="68580" marR="68580" marT="0" marB="0"/>
-                </a:tc>
-                <a:tc>
-                  <a:txBody>
-                    <a:bodyPr/>
-                    <a:lstStyle/>
-                    <a:p>
-                      <a:pPr marL="0" marR="0" algn="ctr">
-                        <a:lnSpc>
-                          <a:spcPct val="107000"/>
-                        </a:lnSpc>
-                        <a:spcBef>
-                          <a:spcPts val="0"/>
-                        </a:spcBef>
+                        <a:t>ón</a:t>
+                      </a:r>
+                      <a:endParaRPr lang="es-PE" sz="1100">
+                        <a:effectLst/>
+                        <a:latin typeface="Calibri"/>
+                        <a:ea typeface="Calibri"/>
+                        <a:cs typeface="Times New Roman"/>
+                      </a:endParaRPr>
+                    </a:p>
+                  </a:txBody>
+                  <a:tcPr marL="68580" marR="68580" marT="0" marB="0"/>
+                </a:tc>
+              </a:tr>
+              <a:tr h="963052">
+                <a:tc>
+                  <a:txBody>
+                    <a:bodyPr/>
+                    <a:lstStyle/>
+                    <a:p>
+                      <a:pPr algn="l">
+                        <a:lnSpc>
+                          <a:spcPct val="115000"/>
+                        </a:lnSpc>
+                        <a:spcAft>
+                          <a:spcPts val="0"/>
+                        </a:spcAft>
+                      </a:pPr>
+                      <a:r>
+                        <a:rPr lang="en-US" sz="1100">
+                          <a:effectLst/>
+                        </a:rPr>
+                        <a:t>Estímulo</a:t>
+                      </a:r>
+                      <a:endParaRPr lang="es-PE" sz="1100">
+                        <a:effectLst/>
+                        <a:latin typeface="Calibri"/>
+                        <a:ea typeface="Calibri"/>
+                        <a:cs typeface="Times New Roman"/>
+                      </a:endParaRPr>
+                    </a:p>
+                  </a:txBody>
+                  <a:tcPr marL="68580" marR="68580" marT="0" marB="0"/>
+                </a:tc>
+                <a:tc>
+                  <a:txBody>
+                    <a:bodyPr/>
+                    <a:lstStyle/>
+                    <a:p>
+                      <a:pPr marL="457200" indent="-457200" algn="l">
+                        <a:lnSpc>
+                          <a:spcPct val="115000"/>
+                        </a:lnSpc>
                         <a:spcAft>
                           <a:spcPts val="0"/>
                         </a:spcAft>
@@ -10161,9 +10187,9 @@
                         <a:rPr lang="es-PE" sz="1100">
                           <a:effectLst/>
                         </a:rPr>
-                        <a:t>Descripción</a:t>
-                      </a:r>
-                      <a:endParaRPr lang="en-US" sz="1100">
+                        <a:t>Usuario realizando un registro de vehículo.</a:t>
+                      </a:r>
+                      <a:endParaRPr lang="es-PE" sz="1100">
                         <a:effectLst/>
                         <a:latin typeface="Calibri"/>
                         <a:ea typeface="Calibri"/>
@@ -10174,19 +10200,45 @@
                   <a:tcPr marL="68580" marR="68580" marT="0" marB="0"/>
                 </a:tc>
               </a:tr>
-              <a:tr h="816075">
-                <a:tc>
-                  <a:txBody>
-                    <a:bodyPr/>
-                    <a:lstStyle/>
-                    <a:p>
-                      <a:pPr marL="0" marR="0">
-                        <a:lnSpc>
-                          <a:spcPct val="107000"/>
-                        </a:lnSpc>
-                        <a:spcBef>
-                          <a:spcPts val="0"/>
-                        </a:spcBef>
+              <a:tr h="424340">
+                <a:tc>
+                  <a:txBody>
+                    <a:bodyPr/>
+                    <a:lstStyle/>
+                    <a:p>
+                      <a:pPr algn="l">
+                        <a:lnSpc>
+                          <a:spcPct val="115000"/>
+                        </a:lnSpc>
+                        <a:spcAft>
+                          <a:spcPts val="0"/>
+                        </a:spcAft>
+                      </a:pPr>
+                      <a:r>
+                        <a:rPr lang="en-US" sz="1100">
+                          <a:effectLst/>
+                        </a:rPr>
+                        <a:t>Fuente del estímulo</a:t>
+                      </a:r>
+                      <a:endParaRPr lang="es-PE" sz="1100">
+                        <a:effectLst/>
+                        <a:latin typeface="Calibri"/>
+                        <a:ea typeface="Calibri"/>
+                        <a:cs typeface="Times New Roman"/>
+                      </a:endParaRPr>
+                    </a:p>
+                  </a:txBody>
+                  <a:tcPr marL="68580" marR="68580" marT="0" marB="0"/>
+                </a:tc>
+                <a:tc>
+                  <a:txBody>
+                    <a:bodyPr/>
+                    <a:lstStyle/>
+                    <a:p>
+                      <a:pPr algn="l">
+                        <a:lnSpc>
+                          <a:spcPct val="115000"/>
+                        </a:lnSpc>
                         <a:spcAft>
                           <a:spcPts val="0"/>
                         </a:spcAft>
@@ -10195,30 +10247,58 @@
                         <a:rPr lang="es-PE" sz="1100">
                           <a:effectLst/>
                         </a:rPr>
-                        <a:t>Estímulo</a:t>
-                      </a:r>
-                      <a:endParaRPr lang="en-US" sz="1100">
-                        <a:effectLst/>
-                        <a:latin typeface="Calibri"/>
-                        <a:ea typeface="Calibri"/>
-                        <a:cs typeface="Times New Roman"/>
-                      </a:endParaRPr>
-                    </a:p>
-                  </a:txBody>
-                  <a:tcPr marL="68580" marR="68580" marT="0" marB="0"/>
-                </a:tc>
-                <a:tc>
-                  <a:txBody>
-                    <a:bodyPr/>
-                    <a:lstStyle/>
-                    <a:p>
-                      <a:pPr marL="0" marR="0">
-                        <a:lnSpc>
-                          <a:spcPct val="107000"/>
-                        </a:lnSpc>
-                        <a:spcBef>
-                          <a:spcPts val="0"/>
-                        </a:spcBef>
+                        <a:t>Vehículo nuevo registrado en el sistema.</a:t>
+                      </a:r>
+                      <a:endParaRPr lang="es-PE" sz="1100">
+                        <a:effectLst/>
+                        <a:latin typeface="Calibri"/>
+                        <a:ea typeface="Calibri"/>
+                        <a:cs typeface="Times New Roman"/>
+                      </a:endParaRPr>
+                    </a:p>
+                  </a:txBody>
+                  <a:tcPr marL="68580" marR="68580" marT="0" marB="0"/>
+                </a:tc>
+              </a:tr>
+              <a:tr h="424340">
+                <a:tc>
+                  <a:txBody>
+                    <a:bodyPr/>
+                    <a:lstStyle/>
+                    <a:p>
+                      <a:pPr algn="l">
+                        <a:lnSpc>
+                          <a:spcPct val="115000"/>
+                        </a:lnSpc>
+                        <a:spcAft>
+                          <a:spcPts val="0"/>
+                        </a:spcAft>
+                      </a:pPr>
+                      <a:r>
+                        <a:rPr lang="en-US" sz="1100">
+                          <a:effectLst/>
+                        </a:rPr>
+                        <a:t>Entorno</a:t>
+                      </a:r>
+                      <a:endParaRPr lang="es-PE" sz="1100">
+                        <a:effectLst/>
+                        <a:latin typeface="Calibri"/>
+                        <a:ea typeface="Calibri"/>
+                        <a:cs typeface="Times New Roman"/>
+                      </a:endParaRPr>
+                    </a:p>
+                  </a:txBody>
+                  <a:tcPr marL="68580" marR="68580" marT="0" marB="0"/>
+                </a:tc>
+                <a:tc>
+                  <a:txBody>
+                    <a:bodyPr/>
+                    <a:lstStyle/>
+                    <a:p>
+                      <a:pPr algn="l">
+                        <a:lnSpc>
+                          <a:spcPct val="115000"/>
+                        </a:lnSpc>
                         <a:spcAft>
                           <a:spcPts val="0"/>
                         </a:spcAft>
@@ -10227,9 +10307,9 @@
                         <a:rPr lang="es-PE" sz="1100">
                           <a:effectLst/>
                         </a:rPr>
-                        <a:t>Una institución quiere hacer una consulta de las demandas que se han sido imputadas.</a:t>
-                      </a:r>
-                      <a:endParaRPr lang="en-US" sz="1100">
+                        <a:t>Sistema bajo condiciones de sobrecarga.</a:t>
+                      </a:r>
+                      <a:endParaRPr lang="es-PE" sz="1100">
                         <a:effectLst/>
                         <a:latin typeface="Calibri"/>
                         <a:ea typeface="Calibri"/>
@@ -10240,19 +10320,105 @@
                   <a:tcPr marL="68580" marR="68580" marT="0" marB="0"/>
                 </a:tc>
               </a:tr>
-              <a:tr h="816075">
-                <a:tc>
-                  <a:txBody>
-                    <a:bodyPr/>
-                    <a:lstStyle/>
-                    <a:p>
-                      <a:pPr marL="0" marR="0">
-                        <a:lnSpc>
-                          <a:spcPct val="107000"/>
-                        </a:lnSpc>
-                        <a:spcBef>
-                          <a:spcPts val="0"/>
-                        </a:spcBef>
+              <a:tr h="424340">
+                <a:tc>
+                  <a:txBody>
+                    <a:bodyPr/>
+                    <a:lstStyle/>
+                    <a:p>
+                      <a:pPr algn="l">
+                        <a:lnSpc>
+                          <a:spcPct val="115000"/>
+                        </a:lnSpc>
+                        <a:spcAft>
+                          <a:spcPts val="0"/>
+                        </a:spcAft>
+                      </a:pPr>
+                      <a:r>
+                        <a:rPr lang="en-US" sz="1100">
+                          <a:effectLst/>
+                        </a:rPr>
+                        <a:t>Artefacto</a:t>
+                      </a:r>
+                      <a:endParaRPr lang="es-PE" sz="1100">
+                        <a:effectLst/>
+                        <a:latin typeface="Calibri"/>
+                        <a:ea typeface="Calibri"/>
+                        <a:cs typeface="Times New Roman"/>
+                      </a:endParaRPr>
+                    </a:p>
+                  </a:txBody>
+                  <a:tcPr marL="68580" marR="68580" marT="0" marB="0"/>
+                </a:tc>
+                <a:tc>
+                  <a:txBody>
+                    <a:bodyPr/>
+                    <a:lstStyle/>
+                    <a:p>
+                      <a:pPr algn="l">
+                        <a:lnSpc>
+                          <a:spcPct val="115000"/>
+                        </a:lnSpc>
+                        <a:spcAft>
+                          <a:spcPts val="0"/>
+                        </a:spcAft>
+                      </a:pPr>
+                      <a:r>
+                        <a:rPr lang="en-US" sz="1100">
+                          <a:effectLst/>
+                        </a:rPr>
+                        <a:t>Módulo registrar vehículo</a:t>
+                      </a:r>
+                      <a:endParaRPr lang="es-PE" sz="1100">
+                        <a:effectLst/>
+                        <a:latin typeface="Calibri"/>
+                        <a:ea typeface="Calibri"/>
+                        <a:cs typeface="Times New Roman"/>
+                      </a:endParaRPr>
+                    </a:p>
+                  </a:txBody>
+                  <a:tcPr marL="68580" marR="68580" marT="0" marB="0"/>
+                </a:tc>
+              </a:tr>
+              <a:tr h="424340">
+                <a:tc>
+                  <a:txBody>
+                    <a:bodyPr/>
+                    <a:lstStyle/>
+                    <a:p>
+                      <a:pPr algn="l">
+                        <a:lnSpc>
+                          <a:spcPct val="115000"/>
+                        </a:lnSpc>
+                        <a:spcAft>
+                          <a:spcPts val="0"/>
+                        </a:spcAft>
+                      </a:pPr>
+                      <a:r>
+                        <a:rPr lang="en-US" sz="1100">
+                          <a:effectLst/>
+                        </a:rPr>
+                        <a:t>Respuesta</a:t>
+                      </a:r>
+                      <a:endParaRPr lang="es-PE" sz="1100">
+                        <a:effectLst/>
+                        <a:latin typeface="Calibri"/>
+                        <a:ea typeface="Calibri"/>
+                        <a:cs typeface="Times New Roman"/>
+                      </a:endParaRPr>
+                    </a:p>
+                  </a:txBody>
+                  <a:tcPr marL="68580" marR="68580" marT="0" marB="0"/>
+                </a:tc>
+                <a:tc>
+                  <a:txBody>
+                    <a:bodyPr/>
+                    <a:lstStyle/>
+                    <a:p>
+                      <a:pPr algn="l">
+                        <a:lnSpc>
+                          <a:spcPct val="115000"/>
+                        </a:lnSpc>
                         <a:spcAft>
                           <a:spcPts val="0"/>
                         </a:spcAft>
@@ -10261,41 +10427,9 @@
                         <a:rPr lang="es-PE" sz="1100">
                           <a:effectLst/>
                         </a:rPr>
-                        <a:t>Fuente del estímulo</a:t>
-                      </a:r>
-                      <a:endParaRPr lang="en-US" sz="1100">
-                        <a:effectLst/>
-                        <a:latin typeface="Calibri"/>
-                        <a:ea typeface="Calibri"/>
-                        <a:cs typeface="Times New Roman"/>
-                      </a:endParaRPr>
-                    </a:p>
-                  </a:txBody>
-                  <a:tcPr marL="68580" marR="68580" marT="0" marB="0"/>
-                </a:tc>
-                <a:tc>
-                  <a:txBody>
-                    <a:bodyPr/>
-                    <a:lstStyle/>
-                    <a:p>
-                      <a:pPr marL="0" marR="0">
-                        <a:lnSpc>
-                          <a:spcPct val="107000"/>
-                        </a:lnSpc>
-                        <a:spcBef>
-                          <a:spcPts val="0"/>
-                        </a:spcBef>
-                        <a:spcAft>
-                          <a:spcPts val="0"/>
-                        </a:spcAft>
-                      </a:pPr>
-                      <a:r>
-                        <a:rPr lang="es-PE" sz="1100">
-                          <a:effectLst/>
-                        </a:rPr>
-                        <a:t>Se quiere consumir el servicio de consultar los reportes de infracción</a:t>
-                      </a:r>
-                      <a:endParaRPr lang="en-US" sz="1100">
+                        <a:t>Los usuarios no pierden la información del vehículo registrado.</a:t>
+                      </a:r>
+                      <a:endParaRPr lang="es-PE" sz="1100">
                         <a:effectLst/>
                         <a:latin typeface="Calibri"/>
                         <a:ea typeface="Calibri"/>
@@ -10306,249 +10440,45 @@
                   <a:tcPr marL="68580" marR="68580" marT="0" marB="0"/>
                 </a:tc>
               </a:tr>
-              <a:tr h="397594">
-                <a:tc>
-                  <a:txBody>
-                    <a:bodyPr/>
-                    <a:lstStyle/>
-                    <a:p>
-                      <a:pPr marL="0" marR="0">
-                        <a:lnSpc>
-                          <a:spcPct val="107000"/>
-                        </a:lnSpc>
-                        <a:spcBef>
-                          <a:spcPts val="0"/>
-                        </a:spcBef>
-                        <a:spcAft>
-                          <a:spcPts val="0"/>
-                        </a:spcAft>
-                      </a:pPr>
-                      <a:r>
-                        <a:rPr lang="es-PE" sz="1100">
-                          <a:effectLst/>
-                        </a:rPr>
-                        <a:t>Entorno</a:t>
-                      </a:r>
-                      <a:endParaRPr lang="en-US" sz="1100">
-                        <a:effectLst/>
-                        <a:latin typeface="Calibri"/>
-                        <a:ea typeface="Calibri"/>
-                        <a:cs typeface="Times New Roman"/>
-                      </a:endParaRPr>
-                    </a:p>
-                  </a:txBody>
-                  <a:tcPr marL="68580" marR="68580" marT="0" marB="0"/>
-                </a:tc>
-                <a:tc>
-                  <a:txBody>
-                    <a:bodyPr/>
-                    <a:lstStyle/>
-                    <a:p>
-                      <a:pPr marL="0" marR="0">
-                        <a:lnSpc>
-                          <a:spcPct val="107000"/>
-                        </a:lnSpc>
-                        <a:spcBef>
-                          <a:spcPts val="0"/>
-                        </a:spcBef>
-                        <a:spcAft>
-                          <a:spcPts val="0"/>
-                        </a:spcAft>
-                      </a:pPr>
-                      <a:r>
-                        <a:rPr lang="es-PE" sz="1100">
-                          <a:effectLst/>
-                        </a:rPr>
-                        <a:t>Sistema bajo condiciones normales de uso</a:t>
-                      </a:r>
-                      <a:endParaRPr lang="en-US" sz="1100">
-                        <a:effectLst/>
-                        <a:latin typeface="Calibri"/>
-                        <a:ea typeface="Calibri"/>
-                        <a:cs typeface="Times New Roman"/>
-                      </a:endParaRPr>
-                    </a:p>
-                  </a:txBody>
-                  <a:tcPr marL="68580" marR="68580" marT="0" marB="0"/>
-                </a:tc>
-              </a:tr>
-              <a:tr h="397594">
-                <a:tc>
-                  <a:txBody>
-                    <a:bodyPr/>
-                    <a:lstStyle/>
-                    <a:p>
-                      <a:pPr marL="0" marR="0">
-                        <a:lnSpc>
-                          <a:spcPct val="107000"/>
-                        </a:lnSpc>
-                        <a:spcBef>
-                          <a:spcPts val="0"/>
-                        </a:spcBef>
-                        <a:spcAft>
-                          <a:spcPts val="0"/>
-                        </a:spcAft>
-                      </a:pPr>
-                      <a:r>
-                        <a:rPr lang="es-PE" sz="1100">
-                          <a:effectLst/>
-                        </a:rPr>
-                        <a:t>Artefacto</a:t>
-                      </a:r>
-                      <a:endParaRPr lang="en-US" sz="1100">
-                        <a:effectLst/>
-                        <a:latin typeface="Calibri"/>
-                        <a:ea typeface="Calibri"/>
-                        <a:cs typeface="Times New Roman"/>
-                      </a:endParaRPr>
-                    </a:p>
-                  </a:txBody>
-                  <a:tcPr marL="68580" marR="68580" marT="0" marB="0"/>
-                </a:tc>
-                <a:tc>
-                  <a:txBody>
-                    <a:bodyPr/>
-                    <a:lstStyle/>
-                    <a:p>
-                      <a:pPr marL="0" marR="0">
-                        <a:lnSpc>
-                          <a:spcPct val="107000"/>
-                        </a:lnSpc>
-                        <a:spcBef>
-                          <a:spcPts val="0"/>
-                        </a:spcBef>
-                        <a:spcAft>
-                          <a:spcPts val="0"/>
-                        </a:spcAft>
-                      </a:pPr>
-                      <a:r>
-                        <a:rPr lang="es-PE" sz="1100">
-                          <a:effectLst/>
-                        </a:rPr>
-                        <a:t>Servicio de Consultas de Reportes </a:t>
-                      </a:r>
-                      <a:endParaRPr lang="en-US" sz="1100">
-                        <a:effectLst/>
-                        <a:latin typeface="Calibri"/>
-                        <a:ea typeface="Calibri"/>
-                        <a:cs typeface="Times New Roman"/>
-                      </a:endParaRPr>
-                    </a:p>
-                  </a:txBody>
-                  <a:tcPr marL="68580" marR="68580" marT="0" marB="0"/>
-                </a:tc>
-              </a:tr>
-              <a:tr h="816075">
-                <a:tc>
-                  <a:txBody>
-                    <a:bodyPr/>
-                    <a:lstStyle/>
-                    <a:p>
-                      <a:pPr marL="0" marR="0">
-                        <a:lnSpc>
-                          <a:spcPct val="107000"/>
-                        </a:lnSpc>
-                        <a:spcBef>
-                          <a:spcPts val="0"/>
-                        </a:spcBef>
-                        <a:spcAft>
-                          <a:spcPts val="0"/>
-                        </a:spcAft>
-                      </a:pPr>
-                      <a:r>
-                        <a:rPr lang="es-PE" sz="1100">
-                          <a:effectLst/>
-                        </a:rPr>
-                        <a:t>Respuesta</a:t>
-                      </a:r>
-                      <a:endParaRPr lang="en-US" sz="1100">
-                        <a:effectLst/>
-                        <a:latin typeface="Calibri"/>
-                        <a:ea typeface="Calibri"/>
-                        <a:cs typeface="Times New Roman"/>
-                      </a:endParaRPr>
-                    </a:p>
-                  </a:txBody>
-                  <a:tcPr marL="68580" marR="68580" marT="0" marB="0"/>
-                </a:tc>
-                <a:tc>
-                  <a:txBody>
-                    <a:bodyPr/>
-                    <a:lstStyle/>
-                    <a:p>
-                      <a:pPr marL="0" marR="0">
-                        <a:lnSpc>
-                          <a:spcPct val="107000"/>
-                        </a:lnSpc>
-                        <a:spcBef>
-                          <a:spcPts val="0"/>
-                        </a:spcBef>
-                        <a:spcAft>
-                          <a:spcPts val="0"/>
-                        </a:spcAft>
-                      </a:pPr>
-                      <a:r>
-                        <a:rPr lang="es-PE" sz="1100">
-                          <a:effectLst/>
-                        </a:rPr>
-                        <a:t>La petición es procesada y los reportes son adquiridos por la institución</a:t>
-                      </a:r>
-                      <a:endParaRPr lang="en-US" sz="1100">
-                        <a:effectLst/>
-                        <a:latin typeface="Calibri"/>
-                        <a:ea typeface="Calibri"/>
-                        <a:cs typeface="Times New Roman"/>
-                      </a:endParaRPr>
-                    </a:p>
-                  </a:txBody>
-                  <a:tcPr marL="68580" marR="68580" marT="0" marB="0"/>
-                </a:tc>
-              </a:tr>
-              <a:tr h="397594">
-                <a:tc>
-                  <a:txBody>
-                    <a:bodyPr/>
-                    <a:lstStyle/>
-                    <a:p>
-                      <a:pPr marL="0" marR="0">
-                        <a:lnSpc>
-                          <a:spcPct val="107000"/>
-                        </a:lnSpc>
-                        <a:spcBef>
-                          <a:spcPts val="0"/>
-                        </a:spcBef>
-                        <a:spcAft>
-                          <a:spcPts val="0"/>
-                        </a:spcAft>
-                      </a:pPr>
-                      <a:r>
-                        <a:rPr lang="es-PE" sz="1100">
+              <a:tr h="877647">
+                <a:tc>
+                  <a:txBody>
+                    <a:bodyPr/>
+                    <a:lstStyle/>
+                    <a:p>
+                      <a:pPr algn="l">
+                        <a:lnSpc>
+                          <a:spcPct val="115000"/>
+                        </a:lnSpc>
+                        <a:spcAft>
+                          <a:spcPts val="0"/>
+                        </a:spcAft>
+                      </a:pPr>
+                      <a:r>
+                        <a:rPr lang="en-US" sz="1100">
                           <a:effectLst/>
                         </a:rPr>
                         <a:t>Métrica</a:t>
                       </a:r>
-                      <a:endParaRPr lang="en-US" sz="1100">
-                        <a:effectLst/>
-                        <a:latin typeface="Calibri"/>
-                        <a:ea typeface="Calibri"/>
-                        <a:cs typeface="Times New Roman"/>
-                      </a:endParaRPr>
-                    </a:p>
-                  </a:txBody>
-                  <a:tcPr marL="68580" marR="68580" marT="0" marB="0"/>
-                </a:tc>
-                <a:tc>
-                  <a:txBody>
-                    <a:bodyPr/>
-                    <a:lstStyle/>
-                    <a:p>
-                      <a:pPr marL="0" marR="0">
-                        <a:lnSpc>
-                          <a:spcPct val="107000"/>
-                        </a:lnSpc>
-                        <a:spcBef>
-                          <a:spcPts val="0"/>
-                        </a:spcBef>
+                      <a:endParaRPr lang="es-PE" sz="1100">
+                        <a:effectLst/>
+                        <a:latin typeface="Calibri"/>
+                        <a:ea typeface="Calibri"/>
+                        <a:cs typeface="Times New Roman"/>
+                      </a:endParaRPr>
+                    </a:p>
+                  </a:txBody>
+                  <a:tcPr marL="68580" marR="68580" marT="0" marB="0"/>
+                </a:tc>
+                <a:tc>
+                  <a:txBody>
+                    <a:bodyPr/>
+                    <a:lstStyle/>
+                    <a:p>
+                      <a:pPr algn="l">
+                        <a:lnSpc>
+                          <a:spcPct val="115000"/>
+                        </a:lnSpc>
                         <a:spcAft>
                           <a:spcPts val="0"/>
                         </a:spcAft>
@@ -10557,9 +10487,9 @@
                         <a:rPr lang="es-PE" sz="1100" dirty="0">
                           <a:effectLst/>
                         </a:rPr>
-                        <a:t>Tiempo promedio de latencia de unos 3 segundos</a:t>
-                      </a:r>
-                      <a:endParaRPr lang="en-US" sz="1100" dirty="0">
+                        <a:t>El nodo secundario toma el control y se reestablece la conexión en 5 segundos.</a:t>
+                      </a:r>
+                      <a:endParaRPr lang="es-PE" sz="1100" dirty="0">
                         <a:effectLst/>
                         <a:latin typeface="Calibri"/>
                         <a:ea typeface="Calibri"/>
@@ -10577,7 +10507,7 @@
     </p:spTree>
     <p:extLst>
       <p:ext uri="{BB962C8B-B14F-4D97-AF65-F5344CB8AC3E}">
-        <p14:creationId xmlns:p14="http://schemas.microsoft.com/office/powerpoint/2010/main" val="2383904866"/>
+        <p14:creationId xmlns:p14="http://schemas.microsoft.com/office/powerpoint/2010/main" val="3645496265"/>
       </p:ext>
     </p:extLst>
   </p:cSld>
@@ -10624,7 +10554,7 @@
             </a:pPr>
             <a:r>
               <a:rPr lang="es-PE" dirty="0" smtClean="0"/>
-              <a:t>			   MODIFICABILITY</a:t>
+              <a:t>			         AVAILABILITY</a:t>
             </a:r>
             <a:endParaRPr lang="en-US" dirty="0"/>
           </a:p>
@@ -10651,7 +10581,7 @@
             </a:r>
             <a:r>
               <a:rPr lang="es-PE" dirty="0" smtClean="0"/>
-              <a:t> – consulta de rutas</a:t>
+              <a:t> – calificación y denuncias</a:t>
             </a:r>
             <a:endParaRPr lang="en-US" dirty="0"/>
           </a:p>
@@ -10666,14 +10596,14 @@
           <p:nvPr>
             <p:extLst>
               <p:ext uri="{D42A27DB-BD31-4B8C-83A1-F6EECF244321}">
-                <p14:modId xmlns:p14="http://schemas.microsoft.com/office/powerpoint/2010/main" val="1891179760"/>
+                <p14:modId xmlns:p14="http://schemas.microsoft.com/office/powerpoint/2010/main" val="2347251246"/>
               </p:ext>
             </p:extLst>
           </p:nvPr>
         </p:nvGraphicFramePr>
         <p:xfrm>
-          <a:off x="762000" y="2362200"/>
-          <a:ext cx="7848600" cy="3962402"/>
+          <a:off x="609600" y="2286000"/>
+          <a:ext cx="7924800" cy="3886199"/>
         </p:xfrm>
         <a:graphic>
           <a:graphicData uri="http://schemas.openxmlformats.org/drawingml/2006/table">
@@ -10682,10 +10612,10 @@
                 <a:tableStyleId>{5C22544A-7EE6-4342-B048-85BDC9FD1C3A}</a:tableStyleId>
               </a:tblPr>
               <a:tblGrid>
-                <a:gridCol w="2375234"/>
-                <a:gridCol w="5473366"/>
+                <a:gridCol w="2398295"/>
+                <a:gridCol w="5526505"/>
               </a:tblGrid>
-              <a:tr h="390092">
+              <a:tr h="426817">
                 <a:tc>
                   <a:txBody>
                     <a:bodyPr/>
@@ -10751,7 +10681,7 @@
                   <a:tcPr marL="68580" marR="68580" marT="0" marB="0"/>
                 </a:tc>
               </a:tr>
-              <a:tr h="800678">
+              <a:tr h="426817">
                 <a:tc>
                   <a:txBody>
                     <a:bodyPr/>
@@ -10804,7 +10734,7 @@
                         <a:rPr lang="es-PE" sz="1100">
                           <a:effectLst/>
                         </a:rPr>
-                        <a:t>Se quiere agregar una funcionalidad al usuario de poder consultar el tiempo promedio de llegada de un bus a un determinado paradero</a:t>
+                        <a:t>El sistema falla al enviar un reporte de infracción y denuncia </a:t>
                       </a:r>
                       <a:endParaRPr lang="en-US" sz="1100">
                         <a:effectLst/>
@@ -10817,7 +10747,7 @@
                   <a:tcPr marL="68580" marR="68580" marT="0" marB="0"/>
                 </a:tc>
               </a:tr>
-              <a:tr h="800678">
+              <a:tr h="426817">
                 <a:tc>
                   <a:txBody>
                     <a:bodyPr/>
@@ -10870,7 +10800,7 @@
                         <a:rPr lang="es-PE" sz="1100">
                           <a:effectLst/>
                         </a:rPr>
-                        <a:t>Los desarrolladores consideran relevante la implementación de dicha característica</a:t>
+                        <a:t>Usuario que envía el reporte</a:t>
                       </a:r>
                       <a:endParaRPr lang="en-US" sz="1100">
                         <a:effectLst/>
@@ -10883,7 +10813,7 @@
                   <a:tcPr marL="68580" marR="68580" marT="0" marB="0"/>
                 </a:tc>
               </a:tr>
-              <a:tr h="390092">
+              <a:tr h="426817">
                 <a:tc>
                   <a:txBody>
                     <a:bodyPr/>
@@ -10936,7 +10866,7 @@
                         <a:rPr lang="es-PE" sz="1100">
                           <a:effectLst/>
                         </a:rPr>
-                        <a:t>Sistema en mantenimiento</a:t>
+                        <a:t>Sistema bajo condiciones normales de uso</a:t>
                       </a:r>
                       <a:endParaRPr lang="en-US" sz="1100">
                         <a:effectLst/>
@@ -10949,7 +10879,7 @@
                   <a:tcPr marL="68580" marR="68580" marT="0" marB="0"/>
                 </a:tc>
               </a:tr>
-              <a:tr h="390092">
+              <a:tr h="426817">
                 <a:tc>
                   <a:txBody>
                     <a:bodyPr/>
@@ -11002,7 +10932,7 @@
                         <a:rPr lang="es-PE" sz="1100">
                           <a:effectLst/>
                         </a:rPr>
-                        <a:t>Core del Sistema</a:t>
+                        <a:t>Reportar infracción</a:t>
                       </a:r>
                       <a:endParaRPr lang="en-US" sz="1100">
                         <a:effectLst/>
@@ -11015,7 +10945,7 @@
                   <a:tcPr marL="68580" marR="68580" marT="0" marB="0"/>
                 </a:tc>
               </a:tr>
-              <a:tr h="390092">
+              <a:tr h="876057">
                 <a:tc>
                   <a:txBody>
                     <a:bodyPr/>
@@ -11068,7 +10998,7 @@
                         <a:rPr lang="es-PE" sz="1100">
                           <a:effectLst/>
                         </a:rPr>
-                        <a:t>Los cambios son añadidos al sistema de manera eficiente </a:t>
+                        <a:t>Se muestra un mensaje de error y los datos descritos en el reporte no se pierden</a:t>
                       </a:r>
                       <a:endParaRPr lang="en-US" sz="1100">
                         <a:effectLst/>
@@ -11081,7 +11011,7 @@
                   <a:tcPr marL="68580" marR="68580" marT="0" marB="0"/>
                 </a:tc>
               </a:tr>
-              <a:tr h="800678">
+              <a:tr h="876057">
                 <a:tc>
                   <a:txBody>
                     <a:bodyPr/>
@@ -11099,12 +11029,12 @@
                         </a:spcAft>
                       </a:pPr>
                       <a:r>
-                        <a:rPr lang="es-PE" sz="1100">
+                        <a:rPr lang="es-PE" sz="1100" dirty="0">
                           <a:effectLst/>
                         </a:rPr>
                         <a:t>Métrica</a:t>
                       </a:r>
-                      <a:endParaRPr lang="en-US" sz="1100">
+                      <a:endParaRPr lang="en-US" sz="1100" dirty="0">
                         <a:effectLst/>
                         <a:latin typeface="Calibri"/>
                         <a:ea typeface="Calibri"/>
@@ -11134,7 +11064,7 @@
                         <a:rPr lang="es-PE" sz="1100" dirty="0">
                           <a:effectLst/>
                         </a:rPr>
-                        <a:t>Se evalúa el costo económico, de tiempo y de esfuerzo en implementar dicha característica </a:t>
+                        <a:t>El sistema identifica un nodo secundario y se recupera a los 5 segundos</a:t>
                       </a:r>
                       <a:endParaRPr lang="en-US" sz="1100" dirty="0">
                         <a:effectLst/>
@@ -11154,20 +11084,13 @@
     </p:spTree>
     <p:extLst>
       <p:ext uri="{BB962C8B-B14F-4D97-AF65-F5344CB8AC3E}">
-        <p14:creationId xmlns:p14="http://schemas.microsoft.com/office/powerpoint/2010/main" val="2820188738"/>
+        <p14:creationId xmlns:p14="http://schemas.microsoft.com/office/powerpoint/2010/main" val="2229536829"/>
       </p:ext>
     </p:extLst>
   </p:cSld>
   <p:clrMapOvr>
     <a:masterClrMapping/>
   </p:clrMapOvr>
-  <p:timing>
-    <p:tnLst>
-      <p:par>
-        <p:cTn id="1" dur="indefinite" restart="never" nodeType="tmRoot"/>
-      </p:par>
-    </p:tnLst>
-  </p:timing>
 </p:sld>
 </file>
 
@@ -11190,6 +11113,37 @@
       </p:grpSpPr>
       <p:sp>
         <p:nvSpPr>
+          <p:cNvPr id="2" name="1 Marcador de contenido"/>
+          <p:cNvSpPr>
+            <a:spLocks noGrp="1"/>
+          </p:cNvSpPr>
+          <p:nvPr>
+            <p:ph idx="1"/>
+          </p:nvPr>
+        </p:nvSpPr>
+        <p:spPr/>
+        <p:txBody>
+          <a:bodyPr/>
+          <a:lstStyle/>
+          <a:p>
+            <a:pPr marL="45720" indent="0">
+              <a:buNone/>
+            </a:pPr>
+            <a:r>
+              <a:rPr lang="es-PE" dirty="0" smtClean="0"/>
+              <a:t>			    PERFORMANCE</a:t>
+            </a:r>
+          </a:p>
+          <a:p>
+            <a:pPr marL="45720" indent="0">
+              <a:buNone/>
+            </a:pPr>
+            <a:endParaRPr lang="en-US" dirty="0"/>
+          </a:p>
+        </p:txBody>
+      </p:sp>
+      <p:sp>
+        <p:nvSpPr>
           <p:cNvPr id="3" name="2 Título"/>
           <p:cNvSpPr>
             <a:spLocks noGrp="1"/>
@@ -11204,8 +11158,12 @@
           <a:lstStyle/>
           <a:p>
             <a:r>
+              <a:rPr lang="es-PE" dirty="0" err="1" smtClean="0"/>
+              <a:t>Add</a:t>
+            </a:r>
+            <a:r>
               <a:rPr lang="es-PE" dirty="0" smtClean="0"/>
-              <a:t>matriz</a:t>
+              <a:t> – calificación y denuncias</a:t>
             </a:r>
             <a:endParaRPr lang="en-US" dirty="0"/>
           </a:p>
@@ -11220,14 +11178,14 @@
           <p:nvPr>
             <p:extLst>
               <p:ext uri="{D42A27DB-BD31-4B8C-83A1-F6EECF244321}">
-                <p14:modId xmlns:p14="http://schemas.microsoft.com/office/powerpoint/2010/main" val="3346555476"/>
+                <p14:modId xmlns:p14="http://schemas.microsoft.com/office/powerpoint/2010/main" val="1006689171"/>
               </p:ext>
             </p:extLst>
           </p:nvPr>
         </p:nvGraphicFramePr>
         <p:xfrm>
-          <a:off x="2819400" y="1752600"/>
-          <a:ext cx="3810000" cy="4724400"/>
+          <a:off x="609600" y="2362200"/>
+          <a:ext cx="8001000" cy="4038601"/>
         </p:xfrm>
         <a:graphic>
           <a:graphicData uri="http://schemas.openxmlformats.org/drawingml/2006/table">
@@ -11236,12 +11194,42 @@
                 <a:tableStyleId>{5C22544A-7EE6-4342-B048-85BDC9FD1C3A}</a:tableStyleId>
               </a:tblPr>
               <a:tblGrid>
-                <a:gridCol w="275982"/>
-                <a:gridCol w="1465186"/>
-                <a:gridCol w="1318409"/>
-                <a:gridCol w="750423"/>
+                <a:gridCol w="2421355"/>
+                <a:gridCol w="5579645"/>
               </a:tblGrid>
-              <a:tr h="245340">
+              <a:tr h="397594">
+                <a:tc>
+                  <a:txBody>
+                    <a:bodyPr/>
+                    <a:lstStyle/>
+                    <a:p>
+                      <a:pPr marL="0" marR="0">
+                        <a:lnSpc>
+                          <a:spcPct val="107000"/>
+                        </a:lnSpc>
+                        <a:spcBef>
+                          <a:spcPts val="0"/>
+                        </a:spcBef>
+                        <a:spcAft>
+                          <a:spcPts val="0"/>
+                        </a:spcAft>
+                      </a:pPr>
+                      <a:r>
+                        <a:rPr lang="es-PE" sz="1100">
+                          <a:effectLst/>
+                        </a:rPr>
+                        <a:t>Elemento</a:t>
+                      </a:r>
+                      <a:endParaRPr lang="en-US" sz="1100">
+                        <a:effectLst/>
+                        <a:latin typeface="Calibri"/>
+                        <a:ea typeface="Calibri"/>
+                        <a:cs typeface="Times New Roman"/>
+                      </a:endParaRPr>
+                    </a:p>
+                  </a:txBody>
+                  <a:tcPr marL="68580" marR="68580" marT="0" marB="0"/>
+                </a:tc>
                 <a:tc>
                   <a:txBody>
                     <a:bodyPr/>
@@ -11259,27 +11247,29 @@
                         </a:spcAft>
                       </a:pPr>
                       <a:r>
-                        <a:rPr lang="es-PE" sz="900">
-                          <a:effectLst/>
-                        </a:rPr>
-                        <a:t> </a:t>
-                      </a:r>
-                      <a:endParaRPr lang="en-US" sz="800">
-                        <a:effectLst/>
-                        <a:latin typeface="Calibri"/>
-                        <a:ea typeface="Calibri"/>
-                        <a:cs typeface="Times New Roman"/>
-                      </a:endParaRPr>
-                    </a:p>
-                  </a:txBody>
-                  <a:tcPr marL="49531" marR="49531" marT="0" marB="0" anchor="ctr"/>
-                </a:tc>
-                <a:tc>
-                  <a:txBody>
-                    <a:bodyPr/>
-                    <a:lstStyle/>
-                    <a:p>
-                      <a:pPr marL="0" marR="0" algn="ctr">
+                        <a:rPr lang="es-PE" sz="1100">
+                          <a:effectLst/>
+                        </a:rPr>
+                        <a:t>Descripción</a:t>
+                      </a:r>
+                      <a:endParaRPr lang="en-US" sz="1100">
+                        <a:effectLst/>
+                        <a:latin typeface="Calibri"/>
+                        <a:ea typeface="Calibri"/>
+                        <a:cs typeface="Times New Roman"/>
+                      </a:endParaRPr>
+                    </a:p>
+                  </a:txBody>
+                  <a:tcPr marL="68580" marR="68580" marT="0" marB="0"/>
+                </a:tc>
+              </a:tr>
+              <a:tr h="816075">
+                <a:tc>
+                  <a:txBody>
+                    <a:bodyPr/>
+                    <a:lstStyle/>
+                    <a:p>
+                      <a:pPr marL="0" marR="0">
                         <a:lnSpc>
                           <a:spcPct val="107000"/>
                         </a:lnSpc>
@@ -11291,27 +11281,27 @@
                         </a:spcAft>
                       </a:pPr>
                       <a:r>
-                        <a:rPr lang="es-PE" sz="900">
-                          <a:effectLst/>
-                        </a:rPr>
-                        <a:t>High</a:t>
-                      </a:r>
-                      <a:endParaRPr lang="en-US" sz="800">
-                        <a:effectLst/>
-                        <a:latin typeface="Calibri"/>
-                        <a:ea typeface="Calibri"/>
-                        <a:cs typeface="Times New Roman"/>
-                      </a:endParaRPr>
-                    </a:p>
-                  </a:txBody>
-                  <a:tcPr marL="49531" marR="49531" marT="0" marB="0" anchor="ctr"/>
-                </a:tc>
-                <a:tc>
-                  <a:txBody>
-                    <a:bodyPr/>
-                    <a:lstStyle/>
-                    <a:p>
-                      <a:pPr marL="0" marR="0" algn="ctr">
+                        <a:rPr lang="es-PE" sz="1100">
+                          <a:effectLst/>
+                        </a:rPr>
+                        <a:t>Estímulo</a:t>
+                      </a:r>
+                      <a:endParaRPr lang="en-US" sz="1100">
+                        <a:effectLst/>
+                        <a:latin typeface="Calibri"/>
+                        <a:ea typeface="Calibri"/>
+                        <a:cs typeface="Times New Roman"/>
+                      </a:endParaRPr>
+                    </a:p>
+                  </a:txBody>
+                  <a:tcPr marL="68580" marR="68580" marT="0" marB="0"/>
+                </a:tc>
+                <a:tc>
+                  <a:txBody>
+                    <a:bodyPr/>
+                    <a:lstStyle/>
+                    <a:p>
+                      <a:pPr marL="0" marR="0">
                         <a:lnSpc>
                           <a:spcPct val="107000"/>
                         </a:lnSpc>
@@ -11323,27 +11313,29 @@
                         </a:spcAft>
                       </a:pPr>
                       <a:r>
-                        <a:rPr lang="es-PE" sz="900">
-                          <a:effectLst/>
-                        </a:rPr>
-                        <a:t>Medium</a:t>
-                      </a:r>
-                      <a:endParaRPr lang="en-US" sz="800">
-                        <a:effectLst/>
-                        <a:latin typeface="Calibri"/>
-                        <a:ea typeface="Calibri"/>
-                        <a:cs typeface="Times New Roman"/>
-                      </a:endParaRPr>
-                    </a:p>
-                  </a:txBody>
-                  <a:tcPr marL="49531" marR="49531" marT="0" marB="0" anchor="ctr"/>
-                </a:tc>
-                <a:tc>
-                  <a:txBody>
-                    <a:bodyPr/>
-                    <a:lstStyle/>
-                    <a:p>
-                      <a:pPr marL="0" marR="0" algn="ctr">
+                        <a:rPr lang="es-PE" sz="1100">
+                          <a:effectLst/>
+                        </a:rPr>
+                        <a:t>Una institución quiere hacer una consulta de las demandas que se han sido imputadas.</a:t>
+                      </a:r>
+                      <a:endParaRPr lang="en-US" sz="1100">
+                        <a:effectLst/>
+                        <a:latin typeface="Calibri"/>
+                        <a:ea typeface="Calibri"/>
+                        <a:cs typeface="Times New Roman"/>
+                      </a:endParaRPr>
+                    </a:p>
+                  </a:txBody>
+                  <a:tcPr marL="68580" marR="68580" marT="0" marB="0"/>
+                </a:tc>
+              </a:tr>
+              <a:tr h="816075">
+                <a:tc>
+                  <a:txBody>
+                    <a:bodyPr/>
+                    <a:lstStyle/>
+                    <a:p>
+                      <a:pPr marL="0" marR="0">
                         <a:lnSpc>
                           <a:spcPct val="107000"/>
                         </a:lnSpc>
@@ -11355,29 +11347,61 @@
                         </a:spcAft>
                       </a:pPr>
                       <a:r>
-                        <a:rPr lang="es-PE" sz="900">
-                          <a:effectLst/>
-                        </a:rPr>
-                        <a:t>Low</a:t>
-                      </a:r>
-                      <a:endParaRPr lang="en-US" sz="800">
-                        <a:effectLst/>
-                        <a:latin typeface="Calibri"/>
-                        <a:ea typeface="Calibri"/>
-                        <a:cs typeface="Times New Roman"/>
-                      </a:endParaRPr>
-                    </a:p>
-                  </a:txBody>
-                  <a:tcPr marL="49531" marR="49531" marT="0" marB="0" anchor="ctr"/>
+                        <a:rPr lang="es-PE" sz="1100">
+                          <a:effectLst/>
+                        </a:rPr>
+                        <a:t>Fuente del estímulo</a:t>
+                      </a:r>
+                      <a:endParaRPr lang="en-US" sz="1100">
+                        <a:effectLst/>
+                        <a:latin typeface="Calibri"/>
+                        <a:ea typeface="Calibri"/>
+                        <a:cs typeface="Times New Roman"/>
+                      </a:endParaRPr>
+                    </a:p>
+                  </a:txBody>
+                  <a:tcPr marL="68580" marR="68580" marT="0" marB="0"/>
+                </a:tc>
+                <a:tc>
+                  <a:txBody>
+                    <a:bodyPr/>
+                    <a:lstStyle/>
+                    <a:p>
+                      <a:pPr marL="0" marR="0">
+                        <a:lnSpc>
+                          <a:spcPct val="107000"/>
+                        </a:lnSpc>
+                        <a:spcBef>
+                          <a:spcPts val="0"/>
+                        </a:spcBef>
+                        <a:spcAft>
+                          <a:spcPts val="0"/>
+                        </a:spcAft>
+                      </a:pPr>
+                      <a:r>
+                        <a:rPr lang="es-PE" sz="1100">
+                          <a:effectLst/>
+                        </a:rPr>
+                        <a:t>Se quiere consumir el servicio de consultar los reportes de infracción</a:t>
+                      </a:r>
+                      <a:endParaRPr lang="en-US" sz="1100">
+                        <a:effectLst/>
+                        <a:latin typeface="Calibri"/>
+                        <a:ea typeface="Calibri"/>
+                        <a:cs typeface="Times New Roman"/>
+                      </a:endParaRPr>
+                    </a:p>
+                  </a:txBody>
+                  <a:tcPr marL="68580" marR="68580" marT="0" marB="0"/>
                 </a:tc>
               </a:tr>
-              <a:tr h="1211461">
-                <a:tc>
-                  <a:txBody>
-                    <a:bodyPr/>
-                    <a:lstStyle/>
-                    <a:p>
-                      <a:pPr marL="71755" marR="71755" algn="ctr">
+              <a:tr h="397594">
+                <a:tc>
+                  <a:txBody>
+                    <a:bodyPr/>
+                    <a:lstStyle/>
+                    <a:p>
+                      <a:pPr marL="0" marR="0">
                         <a:lnSpc>
                           <a:spcPct val="107000"/>
                         </a:lnSpc>
@@ -11389,27 +11413,27 @@
                         </a:spcAft>
                       </a:pPr>
                       <a:r>
-                        <a:rPr lang="es-PE" sz="900">
-                          <a:effectLst/>
-                        </a:rPr>
-                        <a:t>High</a:t>
-                      </a:r>
-                      <a:endParaRPr lang="en-US" sz="800">
-                        <a:effectLst/>
-                        <a:latin typeface="Calibri"/>
-                        <a:ea typeface="Calibri"/>
-                        <a:cs typeface="Times New Roman"/>
-                      </a:endParaRPr>
-                    </a:p>
-                  </a:txBody>
-                  <a:tcPr marL="49531" marR="49531" marT="0" marB="0" vert="vert270" anchor="ctr"/>
-                </a:tc>
-                <a:tc>
-                  <a:txBody>
-                    <a:bodyPr/>
-                    <a:lstStyle/>
-                    <a:p>
-                      <a:pPr marL="0" marR="0" algn="ctr">
+                        <a:rPr lang="es-PE" sz="1100">
+                          <a:effectLst/>
+                        </a:rPr>
+                        <a:t>Entorno</a:t>
+                      </a:r>
+                      <a:endParaRPr lang="en-US" sz="1100">
+                        <a:effectLst/>
+                        <a:latin typeface="Calibri"/>
+                        <a:ea typeface="Calibri"/>
+                        <a:cs typeface="Times New Roman"/>
+                      </a:endParaRPr>
+                    </a:p>
+                  </a:txBody>
+                  <a:tcPr marL="68580" marR="68580" marT="0" marB="0"/>
+                </a:tc>
+                <a:tc>
+                  <a:txBody>
+                    <a:bodyPr/>
+                    <a:lstStyle/>
+                    <a:p>
+                      <a:pPr marL="0" marR="0">
                         <a:lnSpc>
                           <a:spcPct val="107000"/>
                         </a:lnSpc>
@@ -11421,17 +11445,29 @@
                         </a:spcAft>
                       </a:pPr>
                       <a:r>
-                        <a:rPr lang="es-PE" sz="900">
-                          <a:effectLst/>
-                        </a:rPr>
-                        <a:t>Consulta de rutas</a:t>
-                      </a:r>
-                      <a:endParaRPr lang="en-US" sz="800">
-                        <a:effectLst/>
-                      </a:endParaRPr>
-                    </a:p>
-                    <a:p>
-                      <a:pPr marL="0" marR="0" algn="ctr">
+                        <a:rPr lang="es-PE" sz="1100">
+                          <a:effectLst/>
+                        </a:rPr>
+                        <a:t>Sistema bajo condiciones normales de uso</a:t>
+                      </a:r>
+                      <a:endParaRPr lang="en-US" sz="1100">
+                        <a:effectLst/>
+                        <a:latin typeface="Calibri"/>
+                        <a:ea typeface="Calibri"/>
+                        <a:cs typeface="Times New Roman"/>
+                      </a:endParaRPr>
+                    </a:p>
+                  </a:txBody>
+                  <a:tcPr marL="68580" marR="68580" marT="0" marB="0"/>
+                </a:tc>
+              </a:tr>
+              <a:tr h="397594">
+                <a:tc>
+                  <a:txBody>
+                    <a:bodyPr/>
+                    <a:lstStyle/>
+                    <a:p>
+                      <a:pPr marL="0" marR="0">
                         <a:lnSpc>
                           <a:spcPct val="107000"/>
                         </a:lnSpc>
@@ -11443,17 +11479,27 @@
                         </a:spcAft>
                       </a:pPr>
                       <a:r>
-                        <a:rPr lang="es-PE" sz="900">
-                          <a:effectLst/>
-                        </a:rPr>
-                        <a:t>Registro de usuario</a:t>
-                      </a:r>
-                      <a:endParaRPr lang="en-US" sz="800">
-                        <a:effectLst/>
-                      </a:endParaRPr>
-                    </a:p>
-                    <a:p>
-                      <a:pPr marL="0" marR="0" algn="ctr">
+                        <a:rPr lang="es-PE" sz="1100">
+                          <a:effectLst/>
+                        </a:rPr>
+                        <a:t>Artefacto</a:t>
+                      </a:r>
+                      <a:endParaRPr lang="en-US" sz="1100">
+                        <a:effectLst/>
+                        <a:latin typeface="Calibri"/>
+                        <a:ea typeface="Calibri"/>
+                        <a:cs typeface="Times New Roman"/>
+                      </a:endParaRPr>
+                    </a:p>
+                  </a:txBody>
+                  <a:tcPr marL="68580" marR="68580" marT="0" marB="0"/>
+                </a:tc>
+                <a:tc>
+                  <a:txBody>
+                    <a:bodyPr/>
+                    <a:lstStyle/>
+                    <a:p>
+                      <a:pPr marL="0" marR="0">
                         <a:lnSpc>
                           <a:spcPct val="107000"/>
                         </a:lnSpc>
@@ -11465,17 +11511,29 @@
                         </a:spcAft>
                       </a:pPr>
                       <a:r>
-                        <a:rPr lang="es-PE" sz="900">
-                          <a:effectLst/>
-                        </a:rPr>
-                        <a:t>Registro de rutas</a:t>
-                      </a:r>
-                      <a:endParaRPr lang="en-US" sz="800">
-                        <a:effectLst/>
-                      </a:endParaRPr>
-                    </a:p>
-                    <a:p>
-                      <a:pPr marL="0" marR="0" algn="ctr">
+                        <a:rPr lang="es-PE" sz="1100">
+                          <a:effectLst/>
+                        </a:rPr>
+                        <a:t>Servicio de Consultas de Reportes </a:t>
+                      </a:r>
+                      <a:endParaRPr lang="en-US" sz="1100">
+                        <a:effectLst/>
+                        <a:latin typeface="Calibri"/>
+                        <a:ea typeface="Calibri"/>
+                        <a:cs typeface="Times New Roman"/>
+                      </a:endParaRPr>
+                    </a:p>
+                  </a:txBody>
+                  <a:tcPr marL="68580" marR="68580" marT="0" marB="0"/>
+                </a:tc>
+              </a:tr>
+              <a:tr h="816075">
+                <a:tc>
+                  <a:txBody>
+                    <a:bodyPr/>
+                    <a:lstStyle/>
+                    <a:p>
+                      <a:pPr marL="0" marR="0">
                         <a:lnSpc>
                           <a:spcPct val="107000"/>
                         </a:lnSpc>
@@ -11487,27 +11545,27 @@
                         </a:spcAft>
                       </a:pPr>
                       <a:r>
-                        <a:rPr lang="es-PE" sz="900">
-                          <a:effectLst/>
-                        </a:rPr>
-                        <a:t>RF04 Inicio de sesión</a:t>
-                      </a:r>
-                      <a:endParaRPr lang="en-US" sz="800">
-                        <a:effectLst/>
-                        <a:latin typeface="Calibri"/>
-                        <a:ea typeface="Calibri"/>
-                        <a:cs typeface="Times New Roman"/>
-                      </a:endParaRPr>
-                    </a:p>
-                  </a:txBody>
-                  <a:tcPr marL="49531" marR="49531" marT="0" marB="0" anchor="ctr"/>
-                </a:tc>
-                <a:tc>
-                  <a:txBody>
-                    <a:bodyPr/>
-                    <a:lstStyle/>
-                    <a:p>
-                      <a:pPr marL="0" marR="0" algn="ctr">
+                        <a:rPr lang="es-PE" sz="1100">
+                          <a:effectLst/>
+                        </a:rPr>
+                        <a:t>Respuesta</a:t>
+                      </a:r>
+                      <a:endParaRPr lang="en-US" sz="1100">
+                        <a:effectLst/>
+                        <a:latin typeface="Calibri"/>
+                        <a:ea typeface="Calibri"/>
+                        <a:cs typeface="Times New Roman"/>
+                      </a:endParaRPr>
+                    </a:p>
+                  </a:txBody>
+                  <a:tcPr marL="68580" marR="68580" marT="0" marB="0"/>
+                </a:tc>
+                <a:tc>
+                  <a:txBody>
+                    <a:bodyPr/>
+                    <a:lstStyle/>
+                    <a:p>
+                      <a:pPr marL="0" marR="0">
                         <a:lnSpc>
                           <a:spcPct val="107000"/>
                         </a:lnSpc>
@@ -11519,27 +11577,29 @@
                         </a:spcAft>
                       </a:pPr>
                       <a:r>
-                        <a:rPr lang="es-PE" sz="900">
-                          <a:effectLst/>
-                        </a:rPr>
-                        <a:t>Editar usuario</a:t>
-                      </a:r>
-                      <a:endParaRPr lang="en-US" sz="800">
-                        <a:effectLst/>
-                        <a:latin typeface="Calibri"/>
-                        <a:ea typeface="Calibri"/>
-                        <a:cs typeface="Times New Roman"/>
-                      </a:endParaRPr>
-                    </a:p>
-                  </a:txBody>
-                  <a:tcPr marL="49531" marR="49531" marT="0" marB="0" anchor="ctr"/>
-                </a:tc>
-                <a:tc>
-                  <a:txBody>
-                    <a:bodyPr/>
-                    <a:lstStyle/>
-                    <a:p>
-                      <a:pPr marL="0" marR="0" algn="ctr">
+                        <a:rPr lang="es-PE" sz="1100">
+                          <a:effectLst/>
+                        </a:rPr>
+                        <a:t>La petición es procesada y los reportes son adquiridos por la institución</a:t>
+                      </a:r>
+                      <a:endParaRPr lang="en-US" sz="1100">
+                        <a:effectLst/>
+                        <a:latin typeface="Calibri"/>
+                        <a:ea typeface="Calibri"/>
+                        <a:cs typeface="Times New Roman"/>
+                      </a:endParaRPr>
+                    </a:p>
+                  </a:txBody>
+                  <a:tcPr marL="68580" marR="68580" marT="0" marB="0"/>
+                </a:tc>
+              </a:tr>
+              <a:tr h="397594">
+                <a:tc>
+                  <a:txBody>
+                    <a:bodyPr/>
+                    <a:lstStyle/>
+                    <a:p>
+                      <a:pPr marL="0" marR="0">
                         <a:lnSpc>
                           <a:spcPct val="107000"/>
                         </a:lnSpc>
@@ -11551,29 +11611,27 @@
                         </a:spcAft>
                       </a:pPr>
                       <a:r>
-                        <a:rPr lang="es-PE" sz="900">
-                          <a:effectLst/>
-                        </a:rPr>
-                        <a:t> </a:t>
-                      </a:r>
-                      <a:endParaRPr lang="en-US" sz="800">
-                        <a:effectLst/>
-                        <a:latin typeface="Calibri"/>
-                        <a:ea typeface="Calibri"/>
-                        <a:cs typeface="Times New Roman"/>
-                      </a:endParaRPr>
-                    </a:p>
-                  </a:txBody>
-                  <a:tcPr marL="49531" marR="49531" marT="0" marB="0" anchor="ctr"/>
-                </a:tc>
-              </a:tr>
-              <a:tr h="1591025">
-                <a:tc>
-                  <a:txBody>
-                    <a:bodyPr/>
-                    <a:lstStyle/>
-                    <a:p>
-                      <a:pPr marL="71755" marR="71755" algn="ctr">
+                        <a:rPr lang="es-PE" sz="1100">
+                          <a:effectLst/>
+                        </a:rPr>
+                        <a:t>Métrica</a:t>
+                      </a:r>
+                      <a:endParaRPr lang="en-US" sz="1100">
+                        <a:effectLst/>
+                        <a:latin typeface="Calibri"/>
+                        <a:ea typeface="Calibri"/>
+                        <a:cs typeface="Times New Roman"/>
+                      </a:endParaRPr>
+                    </a:p>
+                  </a:txBody>
+                  <a:tcPr marL="68580" marR="68580" marT="0" marB="0"/>
+                </a:tc>
+                <a:tc>
+                  <a:txBody>
+                    <a:bodyPr/>
+                    <a:lstStyle/>
+                    <a:p>
+                      <a:pPr marL="0" marR="0">
                         <a:lnSpc>
                           <a:spcPct val="107000"/>
                         </a:lnSpc>
@@ -11585,559 +11643,36 @@
                         </a:spcAft>
                       </a:pPr>
                       <a:r>
-                        <a:rPr lang="es-PE" sz="900">
-                          <a:effectLst/>
-                        </a:rPr>
-                        <a:t>Medium</a:t>
-                      </a:r>
-                      <a:endParaRPr lang="en-US" sz="800">
-                        <a:effectLst/>
-                        <a:latin typeface="Calibri"/>
-                        <a:ea typeface="Calibri"/>
-                        <a:cs typeface="Times New Roman"/>
-                      </a:endParaRPr>
-                    </a:p>
-                  </a:txBody>
-                  <a:tcPr marL="49531" marR="49531" marT="0" marB="0" vert="vert270" anchor="ctr"/>
-                </a:tc>
-                <a:tc>
-                  <a:txBody>
-                    <a:bodyPr/>
-                    <a:lstStyle/>
-                    <a:p>
-                      <a:pPr marL="0" marR="0" algn="ctr">
-                        <a:lnSpc>
-                          <a:spcPct val="107000"/>
-                        </a:lnSpc>
-                        <a:spcBef>
-                          <a:spcPts val="0"/>
-                        </a:spcBef>
-                        <a:spcAft>
-                          <a:spcPts val="0"/>
-                        </a:spcAft>
-                      </a:pPr>
-                      <a:r>
-                        <a:rPr lang="es-PE" sz="900">
-                          <a:effectLst/>
-                        </a:rPr>
-                        <a:t>Contacto de emergencia</a:t>
-                      </a:r>
-                      <a:endParaRPr lang="en-US" sz="800">
-                        <a:effectLst/>
-                      </a:endParaRPr>
-                    </a:p>
-                    <a:p>
-                      <a:pPr marL="0" marR="0" algn="ctr">
-                        <a:lnSpc>
-                          <a:spcPct val="107000"/>
-                        </a:lnSpc>
-                        <a:spcBef>
-                          <a:spcPts val="0"/>
-                        </a:spcBef>
-                        <a:spcAft>
-                          <a:spcPts val="0"/>
-                        </a:spcAft>
-                      </a:pPr>
-                      <a:r>
-                        <a:rPr lang="es-PE" sz="900">
-                          <a:effectLst/>
-                        </a:rPr>
-                        <a:t>Pagos y cobranzas</a:t>
-                      </a:r>
-                      <a:endParaRPr lang="en-US" sz="800">
-                        <a:effectLst/>
-                      </a:endParaRPr>
-                    </a:p>
-                    <a:p>
-                      <a:pPr marL="0" marR="0" algn="ctr">
-                        <a:lnSpc>
-                          <a:spcPct val="107000"/>
-                        </a:lnSpc>
-                        <a:spcBef>
-                          <a:spcPts val="0"/>
-                        </a:spcBef>
-                        <a:spcAft>
-                          <a:spcPts val="0"/>
-                        </a:spcAft>
-                      </a:pPr>
-                      <a:r>
-                        <a:rPr lang="es-PE" sz="900">
-                          <a:effectLst/>
-                        </a:rPr>
-                        <a:t> </a:t>
-                      </a:r>
-                      <a:endParaRPr lang="en-US" sz="800">
-                        <a:effectLst/>
-                        <a:latin typeface="Calibri"/>
-                        <a:ea typeface="Calibri"/>
-                        <a:cs typeface="Times New Roman"/>
-                      </a:endParaRPr>
-                    </a:p>
-                  </a:txBody>
-                  <a:tcPr marL="49531" marR="49531" marT="0" marB="0" anchor="ctr"/>
-                </a:tc>
-                <a:tc>
-                  <a:txBody>
-                    <a:bodyPr/>
-                    <a:lstStyle/>
-                    <a:p>
-                      <a:pPr marL="0" marR="0" algn="ctr">
-                        <a:lnSpc>
-                          <a:spcPct val="107000"/>
-                        </a:lnSpc>
-                        <a:spcBef>
-                          <a:spcPts val="0"/>
-                        </a:spcBef>
-                        <a:spcAft>
-                          <a:spcPts val="0"/>
-                        </a:spcAft>
-                      </a:pPr>
-                      <a:r>
-                        <a:rPr lang="es-PE" sz="900">
-                          <a:effectLst/>
-                        </a:rPr>
-                        <a:t>Calificación y denuncias</a:t>
-                      </a:r>
-                      <a:endParaRPr lang="en-US" sz="800">
-                        <a:effectLst/>
-                        <a:latin typeface="Calibri"/>
-                        <a:ea typeface="Calibri"/>
-                        <a:cs typeface="Times New Roman"/>
-                      </a:endParaRPr>
-                    </a:p>
-                  </a:txBody>
-                  <a:tcPr marL="49531" marR="49531" marT="0" marB="0" anchor="ctr"/>
-                </a:tc>
-                <a:tc>
-                  <a:txBody>
-                    <a:bodyPr/>
-                    <a:lstStyle/>
-                    <a:p>
-                      <a:pPr marL="0" marR="0" algn="ctr">
-                        <a:lnSpc>
-                          <a:spcPct val="107000"/>
-                        </a:lnSpc>
-                        <a:spcBef>
-                          <a:spcPts val="0"/>
-                        </a:spcBef>
-                        <a:spcAft>
-                          <a:spcPts val="0"/>
-                        </a:spcAft>
-                      </a:pPr>
-                      <a:r>
-                        <a:rPr lang="es-PE" sz="900">
-                          <a:effectLst/>
-                        </a:rPr>
-                        <a:t> </a:t>
-                      </a:r>
-                      <a:endParaRPr lang="en-US" sz="800">
-                        <a:effectLst/>
-                        <a:latin typeface="Calibri"/>
-                        <a:ea typeface="Calibri"/>
-                        <a:cs typeface="Times New Roman"/>
-                      </a:endParaRPr>
-                    </a:p>
-                  </a:txBody>
-                  <a:tcPr marL="49531" marR="49531" marT="0" marB="0" anchor="ctr"/>
-                </a:tc>
-              </a:tr>
-              <a:tr h="1676574">
-                <a:tc>
-                  <a:txBody>
-                    <a:bodyPr/>
-                    <a:lstStyle/>
-                    <a:p>
-                      <a:pPr marL="71755" marR="71755" algn="ctr">
-                        <a:lnSpc>
-                          <a:spcPct val="107000"/>
-                        </a:lnSpc>
-                        <a:spcBef>
-                          <a:spcPts val="0"/>
-                        </a:spcBef>
-                        <a:spcAft>
-                          <a:spcPts val="0"/>
-                        </a:spcAft>
-                      </a:pPr>
-                      <a:r>
-                        <a:rPr lang="es-PE" sz="900">
-                          <a:effectLst/>
-                        </a:rPr>
-                        <a:t>Low</a:t>
-                      </a:r>
-                      <a:endParaRPr lang="en-US" sz="800">
-                        <a:effectLst/>
-                        <a:latin typeface="Calibri"/>
-                        <a:ea typeface="Calibri"/>
-                        <a:cs typeface="Times New Roman"/>
-                      </a:endParaRPr>
-                    </a:p>
-                  </a:txBody>
-                  <a:tcPr marL="49531" marR="49531" marT="0" marB="0" vert="vert270" anchor="ctr"/>
-                </a:tc>
-                <a:tc>
-                  <a:txBody>
-                    <a:bodyPr/>
-                    <a:lstStyle/>
-                    <a:p>
-                      <a:pPr marL="0" marR="0" algn="ctr">
-                        <a:lnSpc>
-                          <a:spcPct val="107000"/>
-                        </a:lnSpc>
-                        <a:spcBef>
-                          <a:spcPts val="0"/>
-                        </a:spcBef>
-                        <a:spcAft>
-                          <a:spcPts val="0"/>
-                        </a:spcAft>
-                      </a:pPr>
-                      <a:r>
-                        <a:rPr lang="es-PE" sz="900">
-                          <a:effectLst/>
-                        </a:rPr>
-                        <a:t>Registro de vehículos</a:t>
-                      </a:r>
-                      <a:endParaRPr lang="en-US" sz="800">
-                        <a:effectLst/>
-                        <a:latin typeface="Calibri"/>
-                        <a:ea typeface="Calibri"/>
-                        <a:cs typeface="Times New Roman"/>
-                      </a:endParaRPr>
-                    </a:p>
-                  </a:txBody>
-                  <a:tcPr marL="49531" marR="49531" marT="0" marB="0" anchor="ctr"/>
-                </a:tc>
-                <a:tc>
-                  <a:txBody>
-                    <a:bodyPr/>
-                    <a:lstStyle/>
-                    <a:p>
-                      <a:pPr marL="0" marR="0" algn="ctr">
-                        <a:lnSpc>
-                          <a:spcPct val="107000"/>
-                        </a:lnSpc>
-                        <a:spcBef>
-                          <a:spcPts val="0"/>
-                        </a:spcBef>
-                        <a:spcAft>
-                          <a:spcPts val="0"/>
-                        </a:spcAft>
-                      </a:pPr>
-                      <a:r>
-                        <a:rPr lang="es-PE" sz="900">
-                          <a:effectLst/>
-                        </a:rPr>
-                        <a:t> </a:t>
-                      </a:r>
-                      <a:endParaRPr lang="en-US" sz="800">
-                        <a:effectLst/>
-                        <a:latin typeface="Calibri"/>
-                        <a:ea typeface="Calibri"/>
-                        <a:cs typeface="Times New Roman"/>
-                      </a:endParaRPr>
-                    </a:p>
-                  </a:txBody>
-                  <a:tcPr marL="49531" marR="49531" marT="0" marB="0" anchor="ctr"/>
-                </a:tc>
-                <a:tc>
-                  <a:txBody>
-                    <a:bodyPr/>
-                    <a:lstStyle/>
-                    <a:p>
-                      <a:pPr marL="0" marR="0" algn="ctr">
-                        <a:lnSpc>
-                          <a:spcPct val="107000"/>
-                        </a:lnSpc>
-                        <a:spcBef>
-                          <a:spcPts val="0"/>
-                        </a:spcBef>
-                        <a:spcAft>
-                          <a:spcPts val="0"/>
-                        </a:spcAft>
-                      </a:pPr>
-                      <a:r>
-                        <a:rPr lang="es-PE" sz="900" dirty="0">
-                          <a:effectLst/>
-                        </a:rPr>
-                        <a:t> </a:t>
-                      </a:r>
-                      <a:endParaRPr lang="en-US" sz="800" dirty="0">
-                        <a:effectLst/>
-                        <a:latin typeface="Calibri"/>
-                        <a:ea typeface="Calibri"/>
-                        <a:cs typeface="Times New Roman"/>
-                      </a:endParaRPr>
-                    </a:p>
-                  </a:txBody>
-                  <a:tcPr marL="49531" marR="49531" marT="0" marB="0" anchor="ctr"/>
+                        <a:rPr lang="es-PE" sz="1100" dirty="0">
+                          <a:effectLst/>
+                        </a:rPr>
+                        <a:t>Tiempo promedio de latencia de unos 3 segundos</a:t>
+                      </a:r>
+                      <a:endParaRPr lang="en-US" sz="1100" dirty="0">
+                        <a:effectLst/>
+                        <a:latin typeface="Calibri"/>
+                        <a:ea typeface="Calibri"/>
+                        <a:cs typeface="Times New Roman"/>
+                      </a:endParaRPr>
+                    </a:p>
+                  </a:txBody>
+                  <a:tcPr marL="68580" marR="68580" marT="0" marB="0"/>
                 </a:tc>
               </a:tr>
             </a:tbl>
           </a:graphicData>
         </a:graphic>
       </p:graphicFrame>
-      <p:cxnSp>
-        <p:nvCxnSpPr>
-          <p:cNvPr id="28673" name="AutoShape 1"/>
-          <p:cNvCxnSpPr>
-            <a:cxnSpLocks noChangeShapeType="1"/>
-          </p:cNvCxnSpPr>
-          <p:nvPr/>
-        </p:nvCxnSpPr>
-        <p:spPr bwMode="auto">
-          <a:xfrm>
-            <a:off x="2819400" y="1676400"/>
-            <a:ext cx="3810000" cy="0"/>
-          </a:xfrm>
-          <a:prstGeom prst="straightConnector1">
-            <a:avLst/>
-          </a:prstGeom>
-          <a:noFill/>
-          <a:ln w="19050">
-            <a:solidFill>
-              <a:srgbClr val="000000"/>
-            </a:solidFill>
-            <a:round/>
-            <a:headEnd/>
-            <a:tailEnd type="triangle" w="med" len="med"/>
-          </a:ln>
-          <a:extLst>
-            <a:ext uri="{909E8E84-426E-40DD-AFC4-6F175D3DCCD1}">
-              <a14:hiddenFill xmlns:a14="http://schemas.microsoft.com/office/drawing/2010/main">
-                <a:noFill/>
-              </a14:hiddenFill>
-            </a:ext>
-          </a:extLst>
-        </p:spPr>
-      </p:cxnSp>
-      <p:cxnSp>
-        <p:nvCxnSpPr>
-          <p:cNvPr id="28674" name="AutoShape 2"/>
-          <p:cNvCxnSpPr>
-            <a:cxnSpLocks noChangeShapeType="1"/>
-          </p:cNvCxnSpPr>
-          <p:nvPr/>
-        </p:nvCxnSpPr>
-        <p:spPr bwMode="auto">
-          <a:xfrm>
-            <a:off x="2590800" y="1706880"/>
-            <a:ext cx="19050" cy="4693920"/>
-          </a:xfrm>
-          <a:prstGeom prst="straightConnector1">
-            <a:avLst/>
-          </a:prstGeom>
-          <a:noFill/>
-          <a:ln w="19050">
-            <a:solidFill>
-              <a:srgbClr val="000000"/>
-            </a:solidFill>
-            <a:round/>
-            <a:headEnd/>
-            <a:tailEnd type="triangle" w="med" len="med"/>
-          </a:ln>
-          <a:extLst>
-            <a:ext uri="{909E8E84-426E-40DD-AFC4-6F175D3DCCD1}">
-              <a14:hiddenFill xmlns:a14="http://schemas.microsoft.com/office/drawing/2010/main">
-                <a:noFill/>
-              </a14:hiddenFill>
-            </a:ext>
-          </a:extLst>
-        </p:spPr>
-      </p:cxnSp>
-      <p:sp>
-        <p:nvSpPr>
-          <p:cNvPr id="7" name="Text Box 3"/>
-          <p:cNvSpPr txBox="1">
-            <a:spLocks noChangeArrowheads="1"/>
-          </p:cNvSpPr>
-          <p:nvPr/>
-        </p:nvSpPr>
-        <p:spPr bwMode="auto">
-          <a:xfrm>
-            <a:off x="2819400" y="6475095"/>
-            <a:ext cx="1733550" cy="276225"/>
-          </a:xfrm>
-          <a:prstGeom prst="rect">
-            <a:avLst/>
-          </a:prstGeom>
-          <a:solidFill>
-            <a:srgbClr val="FFFFFF"/>
-          </a:solidFill>
-          <a:ln w="9525">
-            <a:solidFill>
-              <a:srgbClr val="000000"/>
-            </a:solidFill>
-            <a:miter lim="800000"/>
-            <a:headEnd/>
-            <a:tailEnd/>
-          </a:ln>
-        </p:spPr>
-        <p:txBody>
-          <a:bodyPr vert="horz" wrap="square" lIns="91440" tIns="45720" rIns="91440" bIns="45720" numCol="1" anchor="t" anchorCtr="0" compatLnSpc="1">
-            <a:prstTxWarp prst="textNoShape">
-              <a:avLst/>
-            </a:prstTxWarp>
-          </a:bodyPr>
-          <a:lstStyle/>
-          <a:p>
-            <a:pPr marL="0" marR="0" lvl="0" indent="0" algn="l" defTabSz="914400" rtl="0" eaLnBrk="1" fontAlgn="base" latinLnBrk="0" hangingPunct="1">
-              <a:lnSpc>
-                <a:spcPct val="100000"/>
-              </a:lnSpc>
-              <a:spcBef>
-                <a:spcPct val="0"/>
-              </a:spcBef>
-              <a:spcAft>
-                <a:spcPts val="1000"/>
-              </a:spcAft>
-              <a:buClrTx/>
-              <a:buSzTx/>
-              <a:buFontTx/>
-              <a:buNone/>
-              <a:tabLst/>
-            </a:pPr>
-            <a:r>
-              <a:rPr kumimoji="0" lang="en-US" altLang="en-US" sz="1100" b="0" i="0" u="none" strike="noStrike" cap="none" normalizeH="0" baseline="0" smtClean="0">
-                <a:ln>
-                  <a:noFill/>
-                </a:ln>
-                <a:solidFill>
-                  <a:schemeClr val="tx1"/>
-                </a:solidFill>
-                <a:effectLst/>
-                <a:latin typeface="Calibri" pitchFamily="34" charset="0"/>
-                <a:cs typeface="Arial" pitchFamily="34" charset="0"/>
-              </a:rPr>
-              <a:t>Impacto en la arquitectura</a:t>
-            </a:r>
-          </a:p>
-          <a:p>
-            <a:pPr marL="0" marR="0" lvl="0" indent="0" algn="l" defTabSz="914400" rtl="0" eaLnBrk="1" fontAlgn="base" latinLnBrk="0" hangingPunct="1">
-              <a:lnSpc>
-                <a:spcPct val="100000"/>
-              </a:lnSpc>
-              <a:spcBef>
-                <a:spcPct val="0"/>
-              </a:spcBef>
-              <a:spcAft>
-                <a:spcPct val="0"/>
-              </a:spcAft>
-              <a:buClrTx/>
-              <a:buSzTx/>
-              <a:buFontTx/>
-              <a:buNone/>
-              <a:tabLst/>
-            </a:pPr>
-            <a:endParaRPr kumimoji="0" lang="en-US" altLang="en-US" sz="1800" b="0" i="0" u="none" strike="noStrike" cap="none" normalizeH="0" baseline="0" smtClean="0">
-              <a:ln>
-                <a:noFill/>
-              </a:ln>
-              <a:solidFill>
-                <a:schemeClr val="tx1"/>
-              </a:solidFill>
-              <a:effectLst/>
-              <a:latin typeface="Arial" pitchFamily="34" charset="0"/>
-              <a:cs typeface="Arial" pitchFamily="34" charset="0"/>
-            </a:endParaRPr>
-          </a:p>
-        </p:txBody>
-      </p:sp>
-      <p:sp>
-        <p:nvSpPr>
-          <p:cNvPr id="8" name="Text Box 4"/>
-          <p:cNvSpPr txBox="1">
-            <a:spLocks noChangeArrowheads="1"/>
-          </p:cNvSpPr>
-          <p:nvPr/>
-        </p:nvSpPr>
-        <p:spPr bwMode="auto">
-          <a:xfrm>
-            <a:off x="3686175" y="1389380"/>
-            <a:ext cx="2124075" cy="276225"/>
-          </a:xfrm>
-          <a:prstGeom prst="rect">
-            <a:avLst/>
-          </a:prstGeom>
-          <a:solidFill>
-            <a:srgbClr val="FFFFFF"/>
-          </a:solidFill>
-          <a:ln w="9525">
-            <a:solidFill>
-              <a:srgbClr val="000000"/>
-            </a:solidFill>
-            <a:miter lim="800000"/>
-            <a:headEnd/>
-            <a:tailEnd/>
-          </a:ln>
-        </p:spPr>
-        <p:txBody>
-          <a:bodyPr vert="horz" wrap="square" lIns="91440" tIns="45720" rIns="91440" bIns="45720" numCol="1" anchor="t" anchorCtr="0" compatLnSpc="1">
-            <a:prstTxWarp prst="textNoShape">
-              <a:avLst/>
-            </a:prstTxWarp>
-          </a:bodyPr>
-          <a:lstStyle/>
-          <a:p>
-            <a:pPr marL="0" marR="0" lvl="0" indent="0" algn="l" defTabSz="914400" rtl="0" eaLnBrk="1" fontAlgn="base" latinLnBrk="0" hangingPunct="1">
-              <a:lnSpc>
-                <a:spcPct val="100000"/>
-              </a:lnSpc>
-              <a:spcBef>
-                <a:spcPct val="0"/>
-              </a:spcBef>
-              <a:spcAft>
-                <a:spcPts val="1000"/>
-              </a:spcAft>
-              <a:buClrTx/>
-              <a:buSzTx/>
-              <a:buFontTx/>
-              <a:buNone/>
-              <a:tabLst/>
-            </a:pPr>
-            <a:r>
-              <a:rPr kumimoji="0" lang="en-US" altLang="en-US" sz="1100" b="0" i="0" u="none" strike="noStrike" cap="none" normalizeH="0" baseline="0" smtClean="0">
-                <a:ln>
-                  <a:noFill/>
-                </a:ln>
-                <a:solidFill>
-                  <a:schemeClr val="tx1"/>
-                </a:solidFill>
-                <a:effectLst/>
-                <a:latin typeface="Calibri" pitchFamily="34" charset="0"/>
-                <a:cs typeface="Arial" pitchFamily="34" charset="0"/>
-              </a:rPr>
-              <a:t>Importancia para los stakeholders</a:t>
-            </a:r>
-            <a:endParaRPr kumimoji="0" lang="en-US" altLang="en-US" sz="1800" b="0" i="0" u="none" strike="noStrike" cap="none" normalizeH="0" baseline="0" smtClean="0">
-              <a:ln>
-                <a:noFill/>
-              </a:ln>
-              <a:solidFill>
-                <a:schemeClr val="tx1"/>
-              </a:solidFill>
-              <a:effectLst/>
-              <a:latin typeface="Arial" pitchFamily="34" charset="0"/>
-              <a:cs typeface="Arial" pitchFamily="34" charset="0"/>
-            </a:endParaRPr>
-          </a:p>
-        </p:txBody>
-      </p:sp>
     </p:spTree>
     <p:extLst>
       <p:ext uri="{BB962C8B-B14F-4D97-AF65-F5344CB8AC3E}">
-        <p14:creationId xmlns:p14="http://schemas.microsoft.com/office/powerpoint/2010/main" val="4061944251"/>
+        <p14:creationId xmlns:p14="http://schemas.microsoft.com/office/powerpoint/2010/main" val="2383904866"/>
       </p:ext>
     </p:extLst>
   </p:cSld>
   <p:clrMapOvr>
     <a:masterClrMapping/>
   </p:clrMapOvr>
-  <p:timing>
-    <p:tnLst>
-      <p:par>
-        <p:cTn id="1" dur="indefinite" restart="never" nodeType="tmRoot"/>
-      </p:par>
-    </p:tnLst>
-  </p:timing>
 </p:sld>
 </file>
 
@@ -12173,17 +11708,12 @@
           <a:bodyPr/>
           <a:lstStyle/>
           <a:p>
-            <a:r>
-              <a:rPr lang="es-PE" dirty="0"/>
-              <a:t>El primer candidato a driver de arquitectura y </a:t>
-            </a:r>
-            <a:r>
-              <a:rPr lang="es-PE" dirty="0" err="1"/>
-              <a:t>core</a:t>
-            </a:r>
-            <a:r>
-              <a:rPr lang="es-PE" dirty="0"/>
-              <a:t> del sistema es la consulta de rutas. El hecho de actualizar la posición de todos los vehículos registrados en el sistema  (más de un millón) cada 5 segundos causa un impacto muy alto en la arquitectura del software. </a:t>
+            <a:pPr marL="45720" indent="0">
+              <a:buNone/>
+            </a:pPr>
+            <a:r>
+              <a:rPr lang="es-PE" dirty="0" smtClean="0"/>
+              <a:t>			   MODIFICABILITY</a:t>
             </a:r>
             <a:endParaRPr lang="en-US" dirty="0"/>
           </a:p>
@@ -12205,17 +11735,515 @@
           <a:lstStyle/>
           <a:p>
             <a:r>
+              <a:rPr lang="es-PE" dirty="0" err="1" smtClean="0"/>
+              <a:t>Add</a:t>
+            </a:r>
+            <a:r>
               <a:rPr lang="es-PE" dirty="0" smtClean="0"/>
-              <a:t>Drivers de arquitectura</a:t>
+              <a:t> – consulta de rutas</a:t>
             </a:r>
             <a:endParaRPr lang="en-US" dirty="0"/>
           </a:p>
         </p:txBody>
       </p:sp>
+      <p:graphicFrame>
+        <p:nvGraphicFramePr>
+          <p:cNvPr id="4" name="3 Tabla"/>
+          <p:cNvGraphicFramePr>
+            <a:graphicFrameLocks noGrp="1"/>
+          </p:cNvGraphicFramePr>
+          <p:nvPr>
+            <p:extLst>
+              <p:ext uri="{D42A27DB-BD31-4B8C-83A1-F6EECF244321}">
+                <p14:modId xmlns:p14="http://schemas.microsoft.com/office/powerpoint/2010/main" val="1891179760"/>
+              </p:ext>
+            </p:extLst>
+          </p:nvPr>
+        </p:nvGraphicFramePr>
+        <p:xfrm>
+          <a:off x="762000" y="2362200"/>
+          <a:ext cx="7848600" cy="3962402"/>
+        </p:xfrm>
+        <a:graphic>
+          <a:graphicData uri="http://schemas.openxmlformats.org/drawingml/2006/table">
+            <a:tbl>
+              <a:tblPr firstRow="1" firstCol="1" bandRow="1">
+                <a:tableStyleId>{5C22544A-7EE6-4342-B048-85BDC9FD1C3A}</a:tableStyleId>
+              </a:tblPr>
+              <a:tblGrid>
+                <a:gridCol w="2375234"/>
+                <a:gridCol w="5473366"/>
+              </a:tblGrid>
+              <a:tr h="390092">
+                <a:tc>
+                  <a:txBody>
+                    <a:bodyPr/>
+                    <a:lstStyle/>
+                    <a:p>
+                      <a:pPr marL="0" marR="0">
+                        <a:lnSpc>
+                          <a:spcPct val="107000"/>
+                        </a:lnSpc>
+                        <a:spcBef>
+                          <a:spcPts val="0"/>
+                        </a:spcBef>
+                        <a:spcAft>
+                          <a:spcPts val="0"/>
+                        </a:spcAft>
+                      </a:pPr>
+                      <a:r>
+                        <a:rPr lang="es-PE" sz="1100">
+                          <a:effectLst/>
+                        </a:rPr>
+                        <a:t>Elemento</a:t>
+                      </a:r>
+                      <a:endParaRPr lang="en-US" sz="1100">
+                        <a:effectLst/>
+                        <a:latin typeface="Calibri"/>
+                        <a:ea typeface="Calibri"/>
+                        <a:cs typeface="Times New Roman"/>
+                      </a:endParaRPr>
+                    </a:p>
+                  </a:txBody>
+                  <a:tcPr marL="68580" marR="68580" marT="0" marB="0"/>
+                </a:tc>
+                <a:tc>
+                  <a:txBody>
+                    <a:bodyPr/>
+                    <a:lstStyle/>
+                    <a:p>
+                      <a:pPr marL="0" marR="0" algn="ctr">
+                        <a:lnSpc>
+                          <a:spcPct val="107000"/>
+                        </a:lnSpc>
+                        <a:spcBef>
+                          <a:spcPts val="0"/>
+                        </a:spcBef>
+                        <a:spcAft>
+                          <a:spcPts val="0"/>
+                        </a:spcAft>
+                      </a:pPr>
+                      <a:r>
+                        <a:rPr lang="es-PE" sz="1100">
+                          <a:effectLst/>
+                        </a:rPr>
+                        <a:t>Descripción</a:t>
+                      </a:r>
+                      <a:endParaRPr lang="en-US" sz="1100">
+                        <a:effectLst/>
+                        <a:latin typeface="Calibri"/>
+                        <a:ea typeface="Calibri"/>
+                        <a:cs typeface="Times New Roman"/>
+                      </a:endParaRPr>
+                    </a:p>
+                  </a:txBody>
+                  <a:tcPr marL="68580" marR="68580" marT="0" marB="0"/>
+                </a:tc>
+              </a:tr>
+              <a:tr h="800678">
+                <a:tc>
+                  <a:txBody>
+                    <a:bodyPr/>
+                    <a:lstStyle/>
+                    <a:p>
+                      <a:pPr marL="0" marR="0">
+                        <a:lnSpc>
+                          <a:spcPct val="107000"/>
+                        </a:lnSpc>
+                        <a:spcBef>
+                          <a:spcPts val="0"/>
+                        </a:spcBef>
+                        <a:spcAft>
+                          <a:spcPts val="0"/>
+                        </a:spcAft>
+                      </a:pPr>
+                      <a:r>
+                        <a:rPr lang="es-PE" sz="1100">
+                          <a:effectLst/>
+                        </a:rPr>
+                        <a:t>Estímulo</a:t>
+                      </a:r>
+                      <a:endParaRPr lang="en-US" sz="1100">
+                        <a:effectLst/>
+                        <a:latin typeface="Calibri"/>
+                        <a:ea typeface="Calibri"/>
+                        <a:cs typeface="Times New Roman"/>
+                      </a:endParaRPr>
+                    </a:p>
+                  </a:txBody>
+                  <a:tcPr marL="68580" marR="68580" marT="0" marB="0"/>
+                </a:tc>
+                <a:tc>
+                  <a:txBody>
+                    <a:bodyPr/>
+                    <a:lstStyle/>
+                    <a:p>
+                      <a:pPr marL="0" marR="0">
+                        <a:lnSpc>
+                          <a:spcPct val="107000"/>
+                        </a:lnSpc>
+                        <a:spcBef>
+                          <a:spcPts val="0"/>
+                        </a:spcBef>
+                        <a:spcAft>
+                          <a:spcPts val="0"/>
+                        </a:spcAft>
+                      </a:pPr>
+                      <a:r>
+                        <a:rPr lang="es-PE" sz="1100">
+                          <a:effectLst/>
+                        </a:rPr>
+                        <a:t>Se quiere agregar una funcionalidad al usuario de poder consultar el tiempo promedio de llegada de un bus a un determinado paradero</a:t>
+                      </a:r>
+                      <a:endParaRPr lang="en-US" sz="1100">
+                        <a:effectLst/>
+                        <a:latin typeface="Calibri"/>
+                        <a:ea typeface="Calibri"/>
+                        <a:cs typeface="Times New Roman"/>
+                      </a:endParaRPr>
+                    </a:p>
+                  </a:txBody>
+                  <a:tcPr marL="68580" marR="68580" marT="0" marB="0"/>
+                </a:tc>
+              </a:tr>
+              <a:tr h="800678">
+                <a:tc>
+                  <a:txBody>
+                    <a:bodyPr/>
+                    <a:lstStyle/>
+                    <a:p>
+                      <a:pPr marL="0" marR="0">
+                        <a:lnSpc>
+                          <a:spcPct val="107000"/>
+                        </a:lnSpc>
+                        <a:spcBef>
+                          <a:spcPts val="0"/>
+                        </a:spcBef>
+                        <a:spcAft>
+                          <a:spcPts val="0"/>
+                        </a:spcAft>
+                      </a:pPr>
+                      <a:r>
+                        <a:rPr lang="es-PE" sz="1100">
+                          <a:effectLst/>
+                        </a:rPr>
+                        <a:t>Fuente del estímulo</a:t>
+                      </a:r>
+                      <a:endParaRPr lang="en-US" sz="1100">
+                        <a:effectLst/>
+                        <a:latin typeface="Calibri"/>
+                        <a:ea typeface="Calibri"/>
+                        <a:cs typeface="Times New Roman"/>
+                      </a:endParaRPr>
+                    </a:p>
+                  </a:txBody>
+                  <a:tcPr marL="68580" marR="68580" marT="0" marB="0"/>
+                </a:tc>
+                <a:tc>
+                  <a:txBody>
+                    <a:bodyPr/>
+                    <a:lstStyle/>
+                    <a:p>
+                      <a:pPr marL="0" marR="0">
+                        <a:lnSpc>
+                          <a:spcPct val="107000"/>
+                        </a:lnSpc>
+                        <a:spcBef>
+                          <a:spcPts val="0"/>
+                        </a:spcBef>
+                        <a:spcAft>
+                          <a:spcPts val="0"/>
+                        </a:spcAft>
+                      </a:pPr>
+                      <a:r>
+                        <a:rPr lang="es-PE" sz="1100">
+                          <a:effectLst/>
+                        </a:rPr>
+                        <a:t>Los desarrolladores consideran relevante la implementación de dicha característica</a:t>
+                      </a:r>
+                      <a:endParaRPr lang="en-US" sz="1100">
+                        <a:effectLst/>
+                        <a:latin typeface="Calibri"/>
+                        <a:ea typeface="Calibri"/>
+                        <a:cs typeface="Times New Roman"/>
+                      </a:endParaRPr>
+                    </a:p>
+                  </a:txBody>
+                  <a:tcPr marL="68580" marR="68580" marT="0" marB="0"/>
+                </a:tc>
+              </a:tr>
+              <a:tr h="390092">
+                <a:tc>
+                  <a:txBody>
+                    <a:bodyPr/>
+                    <a:lstStyle/>
+                    <a:p>
+                      <a:pPr marL="0" marR="0">
+                        <a:lnSpc>
+                          <a:spcPct val="107000"/>
+                        </a:lnSpc>
+                        <a:spcBef>
+                          <a:spcPts val="0"/>
+                        </a:spcBef>
+                        <a:spcAft>
+                          <a:spcPts val="0"/>
+                        </a:spcAft>
+                      </a:pPr>
+                      <a:r>
+                        <a:rPr lang="es-PE" sz="1100">
+                          <a:effectLst/>
+                        </a:rPr>
+                        <a:t>Entorno</a:t>
+                      </a:r>
+                      <a:endParaRPr lang="en-US" sz="1100">
+                        <a:effectLst/>
+                        <a:latin typeface="Calibri"/>
+                        <a:ea typeface="Calibri"/>
+                        <a:cs typeface="Times New Roman"/>
+                      </a:endParaRPr>
+                    </a:p>
+                  </a:txBody>
+                  <a:tcPr marL="68580" marR="68580" marT="0" marB="0"/>
+                </a:tc>
+                <a:tc>
+                  <a:txBody>
+                    <a:bodyPr/>
+                    <a:lstStyle/>
+                    <a:p>
+                      <a:pPr marL="0" marR="0">
+                        <a:lnSpc>
+                          <a:spcPct val="107000"/>
+                        </a:lnSpc>
+                        <a:spcBef>
+                          <a:spcPts val="0"/>
+                        </a:spcBef>
+                        <a:spcAft>
+                          <a:spcPts val="0"/>
+                        </a:spcAft>
+                      </a:pPr>
+                      <a:r>
+                        <a:rPr lang="es-PE" sz="1100">
+                          <a:effectLst/>
+                        </a:rPr>
+                        <a:t>Sistema en mantenimiento</a:t>
+                      </a:r>
+                      <a:endParaRPr lang="en-US" sz="1100">
+                        <a:effectLst/>
+                        <a:latin typeface="Calibri"/>
+                        <a:ea typeface="Calibri"/>
+                        <a:cs typeface="Times New Roman"/>
+                      </a:endParaRPr>
+                    </a:p>
+                  </a:txBody>
+                  <a:tcPr marL="68580" marR="68580" marT="0" marB="0"/>
+                </a:tc>
+              </a:tr>
+              <a:tr h="390092">
+                <a:tc>
+                  <a:txBody>
+                    <a:bodyPr/>
+                    <a:lstStyle/>
+                    <a:p>
+                      <a:pPr marL="0" marR="0">
+                        <a:lnSpc>
+                          <a:spcPct val="107000"/>
+                        </a:lnSpc>
+                        <a:spcBef>
+                          <a:spcPts val="0"/>
+                        </a:spcBef>
+                        <a:spcAft>
+                          <a:spcPts val="0"/>
+                        </a:spcAft>
+                      </a:pPr>
+                      <a:r>
+                        <a:rPr lang="es-PE" sz="1100">
+                          <a:effectLst/>
+                        </a:rPr>
+                        <a:t>Artefacto</a:t>
+                      </a:r>
+                      <a:endParaRPr lang="en-US" sz="1100">
+                        <a:effectLst/>
+                        <a:latin typeface="Calibri"/>
+                        <a:ea typeface="Calibri"/>
+                        <a:cs typeface="Times New Roman"/>
+                      </a:endParaRPr>
+                    </a:p>
+                  </a:txBody>
+                  <a:tcPr marL="68580" marR="68580" marT="0" marB="0"/>
+                </a:tc>
+                <a:tc>
+                  <a:txBody>
+                    <a:bodyPr/>
+                    <a:lstStyle/>
+                    <a:p>
+                      <a:pPr marL="0" marR="0">
+                        <a:lnSpc>
+                          <a:spcPct val="107000"/>
+                        </a:lnSpc>
+                        <a:spcBef>
+                          <a:spcPts val="0"/>
+                        </a:spcBef>
+                        <a:spcAft>
+                          <a:spcPts val="0"/>
+                        </a:spcAft>
+                      </a:pPr>
+                      <a:r>
+                        <a:rPr lang="es-PE" sz="1100">
+                          <a:effectLst/>
+                        </a:rPr>
+                        <a:t>Core del Sistema</a:t>
+                      </a:r>
+                      <a:endParaRPr lang="en-US" sz="1100">
+                        <a:effectLst/>
+                        <a:latin typeface="Calibri"/>
+                        <a:ea typeface="Calibri"/>
+                        <a:cs typeface="Times New Roman"/>
+                      </a:endParaRPr>
+                    </a:p>
+                  </a:txBody>
+                  <a:tcPr marL="68580" marR="68580" marT="0" marB="0"/>
+                </a:tc>
+              </a:tr>
+              <a:tr h="390092">
+                <a:tc>
+                  <a:txBody>
+                    <a:bodyPr/>
+                    <a:lstStyle/>
+                    <a:p>
+                      <a:pPr marL="0" marR="0">
+                        <a:lnSpc>
+                          <a:spcPct val="107000"/>
+                        </a:lnSpc>
+                        <a:spcBef>
+                          <a:spcPts val="0"/>
+                        </a:spcBef>
+                        <a:spcAft>
+                          <a:spcPts val="0"/>
+                        </a:spcAft>
+                      </a:pPr>
+                      <a:r>
+                        <a:rPr lang="es-PE" sz="1100">
+                          <a:effectLst/>
+                        </a:rPr>
+                        <a:t>Respuesta</a:t>
+                      </a:r>
+                      <a:endParaRPr lang="en-US" sz="1100">
+                        <a:effectLst/>
+                        <a:latin typeface="Calibri"/>
+                        <a:ea typeface="Calibri"/>
+                        <a:cs typeface="Times New Roman"/>
+                      </a:endParaRPr>
+                    </a:p>
+                  </a:txBody>
+                  <a:tcPr marL="68580" marR="68580" marT="0" marB="0"/>
+                </a:tc>
+                <a:tc>
+                  <a:txBody>
+                    <a:bodyPr/>
+                    <a:lstStyle/>
+                    <a:p>
+                      <a:pPr marL="0" marR="0">
+                        <a:lnSpc>
+                          <a:spcPct val="107000"/>
+                        </a:lnSpc>
+                        <a:spcBef>
+                          <a:spcPts val="0"/>
+                        </a:spcBef>
+                        <a:spcAft>
+                          <a:spcPts val="0"/>
+                        </a:spcAft>
+                      </a:pPr>
+                      <a:r>
+                        <a:rPr lang="es-PE" sz="1100">
+                          <a:effectLst/>
+                        </a:rPr>
+                        <a:t>Los cambios son añadidos al sistema de manera eficiente </a:t>
+                      </a:r>
+                      <a:endParaRPr lang="en-US" sz="1100">
+                        <a:effectLst/>
+                        <a:latin typeface="Calibri"/>
+                        <a:ea typeface="Calibri"/>
+                        <a:cs typeface="Times New Roman"/>
+                      </a:endParaRPr>
+                    </a:p>
+                  </a:txBody>
+                  <a:tcPr marL="68580" marR="68580" marT="0" marB="0"/>
+                </a:tc>
+              </a:tr>
+              <a:tr h="800678">
+                <a:tc>
+                  <a:txBody>
+                    <a:bodyPr/>
+                    <a:lstStyle/>
+                    <a:p>
+                      <a:pPr marL="0" marR="0">
+                        <a:lnSpc>
+                          <a:spcPct val="107000"/>
+                        </a:lnSpc>
+                        <a:spcBef>
+                          <a:spcPts val="0"/>
+                        </a:spcBef>
+                        <a:spcAft>
+                          <a:spcPts val="0"/>
+                        </a:spcAft>
+                      </a:pPr>
+                      <a:r>
+                        <a:rPr lang="es-PE" sz="1100">
+                          <a:effectLst/>
+                        </a:rPr>
+                        <a:t>Métrica</a:t>
+                      </a:r>
+                      <a:endParaRPr lang="en-US" sz="1100">
+                        <a:effectLst/>
+                        <a:latin typeface="Calibri"/>
+                        <a:ea typeface="Calibri"/>
+                        <a:cs typeface="Times New Roman"/>
+                      </a:endParaRPr>
+                    </a:p>
+                  </a:txBody>
+                  <a:tcPr marL="68580" marR="68580" marT="0" marB="0"/>
+                </a:tc>
+                <a:tc>
+                  <a:txBody>
+                    <a:bodyPr/>
+                    <a:lstStyle/>
+                    <a:p>
+                      <a:pPr marL="0" marR="0">
+                        <a:lnSpc>
+                          <a:spcPct val="107000"/>
+                        </a:lnSpc>
+                        <a:spcBef>
+                          <a:spcPts val="0"/>
+                        </a:spcBef>
+                        <a:spcAft>
+                          <a:spcPts val="0"/>
+                        </a:spcAft>
+                      </a:pPr>
+                      <a:r>
+                        <a:rPr lang="es-PE" sz="1100" dirty="0">
+                          <a:effectLst/>
+                        </a:rPr>
+                        <a:t>Se evalúa el costo económico, de tiempo y de esfuerzo en implementar dicha característica </a:t>
+                      </a:r>
+                      <a:endParaRPr lang="en-US" sz="1100" dirty="0">
+                        <a:effectLst/>
+                        <a:latin typeface="Calibri"/>
+                        <a:ea typeface="Calibri"/>
+                        <a:cs typeface="Times New Roman"/>
+                      </a:endParaRPr>
+                    </a:p>
+                  </a:txBody>
+                  <a:tcPr marL="68580" marR="68580" marT="0" marB="0"/>
+                </a:tc>
+              </a:tr>
+            </a:tbl>
+          </a:graphicData>
+        </a:graphic>
+      </p:graphicFrame>
     </p:spTree>
     <p:extLst>
       <p:ext uri="{BB962C8B-B14F-4D97-AF65-F5344CB8AC3E}">
-        <p14:creationId xmlns:p14="http://schemas.microsoft.com/office/powerpoint/2010/main" val="4067743645"/>
+        <p14:creationId xmlns:p14="http://schemas.microsoft.com/office/powerpoint/2010/main" val="2820188738"/>
       </p:ext>
     </p:extLst>
   </p:cSld>
@@ -12546,6 +12574,1067 @@
       </p:grpSpPr>
       <p:sp>
         <p:nvSpPr>
+          <p:cNvPr id="3" name="2 Título"/>
+          <p:cNvSpPr>
+            <a:spLocks noGrp="1"/>
+          </p:cNvSpPr>
+          <p:nvPr>
+            <p:ph type="title"/>
+          </p:nvPr>
+        </p:nvSpPr>
+        <p:spPr/>
+        <p:txBody>
+          <a:bodyPr/>
+          <a:lstStyle/>
+          <a:p>
+            <a:r>
+              <a:rPr lang="es-PE" dirty="0" smtClean="0"/>
+              <a:t>matriz</a:t>
+            </a:r>
+            <a:endParaRPr lang="en-US" dirty="0"/>
+          </a:p>
+        </p:txBody>
+      </p:sp>
+      <p:graphicFrame>
+        <p:nvGraphicFramePr>
+          <p:cNvPr id="4" name="3 Tabla"/>
+          <p:cNvGraphicFramePr>
+            <a:graphicFrameLocks noGrp="1"/>
+          </p:cNvGraphicFramePr>
+          <p:nvPr>
+            <p:extLst>
+              <p:ext uri="{D42A27DB-BD31-4B8C-83A1-F6EECF244321}">
+                <p14:modId xmlns:p14="http://schemas.microsoft.com/office/powerpoint/2010/main" val="3346555476"/>
+              </p:ext>
+            </p:extLst>
+          </p:nvPr>
+        </p:nvGraphicFramePr>
+        <p:xfrm>
+          <a:off x="2819400" y="1752600"/>
+          <a:ext cx="3810000" cy="4724400"/>
+        </p:xfrm>
+        <a:graphic>
+          <a:graphicData uri="http://schemas.openxmlformats.org/drawingml/2006/table">
+            <a:tbl>
+              <a:tblPr firstRow="1" firstCol="1" bandRow="1">
+                <a:tableStyleId>{5C22544A-7EE6-4342-B048-85BDC9FD1C3A}</a:tableStyleId>
+              </a:tblPr>
+              <a:tblGrid>
+                <a:gridCol w="275982"/>
+                <a:gridCol w="1465186"/>
+                <a:gridCol w="1318409"/>
+                <a:gridCol w="750423"/>
+              </a:tblGrid>
+              <a:tr h="245340">
+                <a:tc>
+                  <a:txBody>
+                    <a:bodyPr/>
+                    <a:lstStyle/>
+                    <a:p>
+                      <a:pPr marL="0" marR="0" algn="ctr">
+                        <a:lnSpc>
+                          <a:spcPct val="107000"/>
+                        </a:lnSpc>
+                        <a:spcBef>
+                          <a:spcPts val="0"/>
+                        </a:spcBef>
+                        <a:spcAft>
+                          <a:spcPts val="0"/>
+                        </a:spcAft>
+                      </a:pPr>
+                      <a:r>
+                        <a:rPr lang="es-PE" sz="900">
+                          <a:effectLst/>
+                        </a:rPr>
+                        <a:t> </a:t>
+                      </a:r>
+                      <a:endParaRPr lang="en-US" sz="800">
+                        <a:effectLst/>
+                        <a:latin typeface="Calibri"/>
+                        <a:ea typeface="Calibri"/>
+                        <a:cs typeface="Times New Roman"/>
+                      </a:endParaRPr>
+                    </a:p>
+                  </a:txBody>
+                  <a:tcPr marL="49531" marR="49531" marT="0" marB="0" anchor="ctr"/>
+                </a:tc>
+                <a:tc>
+                  <a:txBody>
+                    <a:bodyPr/>
+                    <a:lstStyle/>
+                    <a:p>
+                      <a:pPr marL="0" marR="0" algn="ctr">
+                        <a:lnSpc>
+                          <a:spcPct val="107000"/>
+                        </a:lnSpc>
+                        <a:spcBef>
+                          <a:spcPts val="0"/>
+                        </a:spcBef>
+                        <a:spcAft>
+                          <a:spcPts val="0"/>
+                        </a:spcAft>
+                      </a:pPr>
+                      <a:r>
+                        <a:rPr lang="es-PE" sz="900">
+                          <a:effectLst/>
+                        </a:rPr>
+                        <a:t>High</a:t>
+                      </a:r>
+                      <a:endParaRPr lang="en-US" sz="800">
+                        <a:effectLst/>
+                        <a:latin typeface="Calibri"/>
+                        <a:ea typeface="Calibri"/>
+                        <a:cs typeface="Times New Roman"/>
+                      </a:endParaRPr>
+                    </a:p>
+                  </a:txBody>
+                  <a:tcPr marL="49531" marR="49531" marT="0" marB="0" anchor="ctr"/>
+                </a:tc>
+                <a:tc>
+                  <a:txBody>
+                    <a:bodyPr/>
+                    <a:lstStyle/>
+                    <a:p>
+                      <a:pPr marL="0" marR="0" algn="ctr">
+                        <a:lnSpc>
+                          <a:spcPct val="107000"/>
+                        </a:lnSpc>
+                        <a:spcBef>
+                          <a:spcPts val="0"/>
+                        </a:spcBef>
+                        <a:spcAft>
+                          <a:spcPts val="0"/>
+                        </a:spcAft>
+                      </a:pPr>
+                      <a:r>
+                        <a:rPr lang="es-PE" sz="900">
+                          <a:effectLst/>
+                        </a:rPr>
+                        <a:t>Medium</a:t>
+                      </a:r>
+                      <a:endParaRPr lang="en-US" sz="800">
+                        <a:effectLst/>
+                        <a:latin typeface="Calibri"/>
+                        <a:ea typeface="Calibri"/>
+                        <a:cs typeface="Times New Roman"/>
+                      </a:endParaRPr>
+                    </a:p>
+                  </a:txBody>
+                  <a:tcPr marL="49531" marR="49531" marT="0" marB="0" anchor="ctr"/>
+                </a:tc>
+                <a:tc>
+                  <a:txBody>
+                    <a:bodyPr/>
+                    <a:lstStyle/>
+                    <a:p>
+                      <a:pPr marL="0" marR="0" algn="ctr">
+                        <a:lnSpc>
+                          <a:spcPct val="107000"/>
+                        </a:lnSpc>
+                        <a:spcBef>
+                          <a:spcPts val="0"/>
+                        </a:spcBef>
+                        <a:spcAft>
+                          <a:spcPts val="0"/>
+                        </a:spcAft>
+                      </a:pPr>
+                      <a:r>
+                        <a:rPr lang="es-PE" sz="900">
+                          <a:effectLst/>
+                        </a:rPr>
+                        <a:t>Low</a:t>
+                      </a:r>
+                      <a:endParaRPr lang="en-US" sz="800">
+                        <a:effectLst/>
+                        <a:latin typeface="Calibri"/>
+                        <a:ea typeface="Calibri"/>
+                        <a:cs typeface="Times New Roman"/>
+                      </a:endParaRPr>
+                    </a:p>
+                  </a:txBody>
+                  <a:tcPr marL="49531" marR="49531" marT="0" marB="0" anchor="ctr"/>
+                </a:tc>
+              </a:tr>
+              <a:tr h="1211461">
+                <a:tc>
+                  <a:txBody>
+                    <a:bodyPr/>
+                    <a:lstStyle/>
+                    <a:p>
+                      <a:pPr marL="71755" marR="71755" algn="ctr">
+                        <a:lnSpc>
+                          <a:spcPct val="107000"/>
+                        </a:lnSpc>
+                        <a:spcBef>
+                          <a:spcPts val="0"/>
+                        </a:spcBef>
+                        <a:spcAft>
+                          <a:spcPts val="0"/>
+                        </a:spcAft>
+                      </a:pPr>
+                      <a:r>
+                        <a:rPr lang="es-PE" sz="900">
+                          <a:effectLst/>
+                        </a:rPr>
+                        <a:t>High</a:t>
+                      </a:r>
+                      <a:endParaRPr lang="en-US" sz="800">
+                        <a:effectLst/>
+                        <a:latin typeface="Calibri"/>
+                        <a:ea typeface="Calibri"/>
+                        <a:cs typeface="Times New Roman"/>
+                      </a:endParaRPr>
+                    </a:p>
+                  </a:txBody>
+                  <a:tcPr marL="49531" marR="49531" marT="0" marB="0" vert="vert270" anchor="ctr"/>
+                </a:tc>
+                <a:tc>
+                  <a:txBody>
+                    <a:bodyPr/>
+                    <a:lstStyle/>
+                    <a:p>
+                      <a:pPr marL="0" marR="0" algn="ctr">
+                        <a:lnSpc>
+                          <a:spcPct val="107000"/>
+                        </a:lnSpc>
+                        <a:spcBef>
+                          <a:spcPts val="0"/>
+                        </a:spcBef>
+                        <a:spcAft>
+                          <a:spcPts val="0"/>
+                        </a:spcAft>
+                      </a:pPr>
+                      <a:r>
+                        <a:rPr lang="es-PE" sz="900">
+                          <a:effectLst/>
+                        </a:rPr>
+                        <a:t>Consulta de rutas</a:t>
+                      </a:r>
+                      <a:endParaRPr lang="en-US" sz="800">
+                        <a:effectLst/>
+                      </a:endParaRPr>
+                    </a:p>
+                    <a:p>
+                      <a:pPr marL="0" marR="0" algn="ctr">
+                        <a:lnSpc>
+                          <a:spcPct val="107000"/>
+                        </a:lnSpc>
+                        <a:spcBef>
+                          <a:spcPts val="0"/>
+                        </a:spcBef>
+                        <a:spcAft>
+                          <a:spcPts val="0"/>
+                        </a:spcAft>
+                      </a:pPr>
+                      <a:r>
+                        <a:rPr lang="es-PE" sz="900">
+                          <a:effectLst/>
+                        </a:rPr>
+                        <a:t>Registro de usuario</a:t>
+                      </a:r>
+                      <a:endParaRPr lang="en-US" sz="800">
+                        <a:effectLst/>
+                      </a:endParaRPr>
+                    </a:p>
+                    <a:p>
+                      <a:pPr marL="0" marR="0" algn="ctr">
+                        <a:lnSpc>
+                          <a:spcPct val="107000"/>
+                        </a:lnSpc>
+                        <a:spcBef>
+                          <a:spcPts val="0"/>
+                        </a:spcBef>
+                        <a:spcAft>
+                          <a:spcPts val="0"/>
+                        </a:spcAft>
+                      </a:pPr>
+                      <a:r>
+                        <a:rPr lang="es-PE" sz="900">
+                          <a:effectLst/>
+                        </a:rPr>
+                        <a:t>Registro de rutas</a:t>
+                      </a:r>
+                      <a:endParaRPr lang="en-US" sz="800">
+                        <a:effectLst/>
+                      </a:endParaRPr>
+                    </a:p>
+                    <a:p>
+                      <a:pPr marL="0" marR="0" algn="ctr">
+                        <a:lnSpc>
+                          <a:spcPct val="107000"/>
+                        </a:lnSpc>
+                        <a:spcBef>
+                          <a:spcPts val="0"/>
+                        </a:spcBef>
+                        <a:spcAft>
+                          <a:spcPts val="0"/>
+                        </a:spcAft>
+                      </a:pPr>
+                      <a:r>
+                        <a:rPr lang="es-PE" sz="900">
+                          <a:effectLst/>
+                        </a:rPr>
+                        <a:t>RF04 Inicio de sesión</a:t>
+                      </a:r>
+                      <a:endParaRPr lang="en-US" sz="800">
+                        <a:effectLst/>
+                        <a:latin typeface="Calibri"/>
+                        <a:ea typeface="Calibri"/>
+                        <a:cs typeface="Times New Roman"/>
+                      </a:endParaRPr>
+                    </a:p>
+                  </a:txBody>
+                  <a:tcPr marL="49531" marR="49531" marT="0" marB="0" anchor="ctr"/>
+                </a:tc>
+                <a:tc>
+                  <a:txBody>
+                    <a:bodyPr/>
+                    <a:lstStyle/>
+                    <a:p>
+                      <a:pPr marL="0" marR="0" algn="ctr">
+                        <a:lnSpc>
+                          <a:spcPct val="107000"/>
+                        </a:lnSpc>
+                        <a:spcBef>
+                          <a:spcPts val="0"/>
+                        </a:spcBef>
+                        <a:spcAft>
+                          <a:spcPts val="0"/>
+                        </a:spcAft>
+                      </a:pPr>
+                      <a:r>
+                        <a:rPr lang="es-PE" sz="900">
+                          <a:effectLst/>
+                        </a:rPr>
+                        <a:t>Editar usuario</a:t>
+                      </a:r>
+                      <a:endParaRPr lang="en-US" sz="800">
+                        <a:effectLst/>
+                        <a:latin typeface="Calibri"/>
+                        <a:ea typeface="Calibri"/>
+                        <a:cs typeface="Times New Roman"/>
+                      </a:endParaRPr>
+                    </a:p>
+                  </a:txBody>
+                  <a:tcPr marL="49531" marR="49531" marT="0" marB="0" anchor="ctr"/>
+                </a:tc>
+                <a:tc>
+                  <a:txBody>
+                    <a:bodyPr/>
+                    <a:lstStyle/>
+                    <a:p>
+                      <a:pPr marL="0" marR="0" algn="ctr">
+                        <a:lnSpc>
+                          <a:spcPct val="107000"/>
+                        </a:lnSpc>
+                        <a:spcBef>
+                          <a:spcPts val="0"/>
+                        </a:spcBef>
+                        <a:spcAft>
+                          <a:spcPts val="0"/>
+                        </a:spcAft>
+                      </a:pPr>
+                      <a:r>
+                        <a:rPr lang="es-PE" sz="900">
+                          <a:effectLst/>
+                        </a:rPr>
+                        <a:t> </a:t>
+                      </a:r>
+                      <a:endParaRPr lang="en-US" sz="800">
+                        <a:effectLst/>
+                        <a:latin typeface="Calibri"/>
+                        <a:ea typeface="Calibri"/>
+                        <a:cs typeface="Times New Roman"/>
+                      </a:endParaRPr>
+                    </a:p>
+                  </a:txBody>
+                  <a:tcPr marL="49531" marR="49531" marT="0" marB="0" anchor="ctr"/>
+                </a:tc>
+              </a:tr>
+              <a:tr h="1591025">
+                <a:tc>
+                  <a:txBody>
+                    <a:bodyPr/>
+                    <a:lstStyle/>
+                    <a:p>
+                      <a:pPr marL="71755" marR="71755" algn="ctr">
+                        <a:lnSpc>
+                          <a:spcPct val="107000"/>
+                        </a:lnSpc>
+                        <a:spcBef>
+                          <a:spcPts val="0"/>
+                        </a:spcBef>
+                        <a:spcAft>
+                          <a:spcPts val="0"/>
+                        </a:spcAft>
+                      </a:pPr>
+                      <a:r>
+                        <a:rPr lang="es-PE" sz="900">
+                          <a:effectLst/>
+                        </a:rPr>
+                        <a:t>Medium</a:t>
+                      </a:r>
+                      <a:endParaRPr lang="en-US" sz="800">
+                        <a:effectLst/>
+                        <a:latin typeface="Calibri"/>
+                        <a:ea typeface="Calibri"/>
+                        <a:cs typeface="Times New Roman"/>
+                      </a:endParaRPr>
+                    </a:p>
+                  </a:txBody>
+                  <a:tcPr marL="49531" marR="49531" marT="0" marB="0" vert="vert270" anchor="ctr"/>
+                </a:tc>
+                <a:tc>
+                  <a:txBody>
+                    <a:bodyPr/>
+                    <a:lstStyle/>
+                    <a:p>
+                      <a:pPr marL="0" marR="0" algn="ctr">
+                        <a:lnSpc>
+                          <a:spcPct val="107000"/>
+                        </a:lnSpc>
+                        <a:spcBef>
+                          <a:spcPts val="0"/>
+                        </a:spcBef>
+                        <a:spcAft>
+                          <a:spcPts val="0"/>
+                        </a:spcAft>
+                      </a:pPr>
+                      <a:r>
+                        <a:rPr lang="es-PE" sz="900">
+                          <a:effectLst/>
+                        </a:rPr>
+                        <a:t>Contacto de emergencia</a:t>
+                      </a:r>
+                      <a:endParaRPr lang="en-US" sz="800">
+                        <a:effectLst/>
+                      </a:endParaRPr>
+                    </a:p>
+                    <a:p>
+                      <a:pPr marL="0" marR="0" algn="ctr">
+                        <a:lnSpc>
+                          <a:spcPct val="107000"/>
+                        </a:lnSpc>
+                        <a:spcBef>
+                          <a:spcPts val="0"/>
+                        </a:spcBef>
+                        <a:spcAft>
+                          <a:spcPts val="0"/>
+                        </a:spcAft>
+                      </a:pPr>
+                      <a:r>
+                        <a:rPr lang="es-PE" sz="900">
+                          <a:effectLst/>
+                        </a:rPr>
+                        <a:t>Pagos y cobranzas</a:t>
+                      </a:r>
+                      <a:endParaRPr lang="en-US" sz="800">
+                        <a:effectLst/>
+                      </a:endParaRPr>
+                    </a:p>
+                    <a:p>
+                      <a:pPr marL="0" marR="0" algn="ctr">
+                        <a:lnSpc>
+                          <a:spcPct val="107000"/>
+                        </a:lnSpc>
+                        <a:spcBef>
+                          <a:spcPts val="0"/>
+                        </a:spcBef>
+                        <a:spcAft>
+                          <a:spcPts val="0"/>
+                        </a:spcAft>
+                      </a:pPr>
+                      <a:r>
+                        <a:rPr lang="es-PE" sz="900">
+                          <a:effectLst/>
+                        </a:rPr>
+                        <a:t> </a:t>
+                      </a:r>
+                      <a:endParaRPr lang="en-US" sz="800">
+                        <a:effectLst/>
+                        <a:latin typeface="Calibri"/>
+                        <a:ea typeface="Calibri"/>
+                        <a:cs typeface="Times New Roman"/>
+                      </a:endParaRPr>
+                    </a:p>
+                  </a:txBody>
+                  <a:tcPr marL="49531" marR="49531" marT="0" marB="0" anchor="ctr"/>
+                </a:tc>
+                <a:tc>
+                  <a:txBody>
+                    <a:bodyPr/>
+                    <a:lstStyle/>
+                    <a:p>
+                      <a:pPr marL="0" marR="0" algn="ctr">
+                        <a:lnSpc>
+                          <a:spcPct val="107000"/>
+                        </a:lnSpc>
+                        <a:spcBef>
+                          <a:spcPts val="0"/>
+                        </a:spcBef>
+                        <a:spcAft>
+                          <a:spcPts val="0"/>
+                        </a:spcAft>
+                      </a:pPr>
+                      <a:r>
+                        <a:rPr lang="es-PE" sz="900">
+                          <a:effectLst/>
+                        </a:rPr>
+                        <a:t>Calificación y denuncias</a:t>
+                      </a:r>
+                      <a:endParaRPr lang="en-US" sz="800">
+                        <a:effectLst/>
+                        <a:latin typeface="Calibri"/>
+                        <a:ea typeface="Calibri"/>
+                        <a:cs typeface="Times New Roman"/>
+                      </a:endParaRPr>
+                    </a:p>
+                  </a:txBody>
+                  <a:tcPr marL="49531" marR="49531" marT="0" marB="0" anchor="ctr"/>
+                </a:tc>
+                <a:tc>
+                  <a:txBody>
+                    <a:bodyPr/>
+                    <a:lstStyle/>
+                    <a:p>
+                      <a:pPr marL="0" marR="0" algn="ctr">
+                        <a:lnSpc>
+                          <a:spcPct val="107000"/>
+                        </a:lnSpc>
+                        <a:spcBef>
+                          <a:spcPts val="0"/>
+                        </a:spcBef>
+                        <a:spcAft>
+                          <a:spcPts val="0"/>
+                        </a:spcAft>
+                      </a:pPr>
+                      <a:r>
+                        <a:rPr lang="es-PE" sz="900">
+                          <a:effectLst/>
+                        </a:rPr>
+                        <a:t> </a:t>
+                      </a:r>
+                      <a:endParaRPr lang="en-US" sz="800">
+                        <a:effectLst/>
+                        <a:latin typeface="Calibri"/>
+                        <a:ea typeface="Calibri"/>
+                        <a:cs typeface="Times New Roman"/>
+                      </a:endParaRPr>
+                    </a:p>
+                  </a:txBody>
+                  <a:tcPr marL="49531" marR="49531" marT="0" marB="0" anchor="ctr"/>
+                </a:tc>
+              </a:tr>
+              <a:tr h="1676574">
+                <a:tc>
+                  <a:txBody>
+                    <a:bodyPr/>
+                    <a:lstStyle/>
+                    <a:p>
+                      <a:pPr marL="71755" marR="71755" algn="ctr">
+                        <a:lnSpc>
+                          <a:spcPct val="107000"/>
+                        </a:lnSpc>
+                        <a:spcBef>
+                          <a:spcPts val="0"/>
+                        </a:spcBef>
+                        <a:spcAft>
+                          <a:spcPts val="0"/>
+                        </a:spcAft>
+                      </a:pPr>
+                      <a:r>
+                        <a:rPr lang="es-PE" sz="900">
+                          <a:effectLst/>
+                        </a:rPr>
+                        <a:t>Low</a:t>
+                      </a:r>
+                      <a:endParaRPr lang="en-US" sz="800">
+                        <a:effectLst/>
+                        <a:latin typeface="Calibri"/>
+                        <a:ea typeface="Calibri"/>
+                        <a:cs typeface="Times New Roman"/>
+                      </a:endParaRPr>
+                    </a:p>
+                  </a:txBody>
+                  <a:tcPr marL="49531" marR="49531" marT="0" marB="0" vert="vert270" anchor="ctr"/>
+                </a:tc>
+                <a:tc>
+                  <a:txBody>
+                    <a:bodyPr/>
+                    <a:lstStyle/>
+                    <a:p>
+                      <a:pPr marL="0" marR="0" algn="ctr">
+                        <a:lnSpc>
+                          <a:spcPct val="107000"/>
+                        </a:lnSpc>
+                        <a:spcBef>
+                          <a:spcPts val="0"/>
+                        </a:spcBef>
+                        <a:spcAft>
+                          <a:spcPts val="0"/>
+                        </a:spcAft>
+                      </a:pPr>
+                      <a:r>
+                        <a:rPr lang="es-PE" sz="900">
+                          <a:effectLst/>
+                        </a:rPr>
+                        <a:t>Registro de vehículos</a:t>
+                      </a:r>
+                      <a:endParaRPr lang="en-US" sz="800">
+                        <a:effectLst/>
+                        <a:latin typeface="Calibri"/>
+                        <a:ea typeface="Calibri"/>
+                        <a:cs typeface="Times New Roman"/>
+                      </a:endParaRPr>
+                    </a:p>
+                  </a:txBody>
+                  <a:tcPr marL="49531" marR="49531" marT="0" marB="0" anchor="ctr"/>
+                </a:tc>
+                <a:tc>
+                  <a:txBody>
+                    <a:bodyPr/>
+                    <a:lstStyle/>
+                    <a:p>
+                      <a:pPr marL="0" marR="0" algn="ctr">
+                        <a:lnSpc>
+                          <a:spcPct val="107000"/>
+                        </a:lnSpc>
+                        <a:spcBef>
+                          <a:spcPts val="0"/>
+                        </a:spcBef>
+                        <a:spcAft>
+                          <a:spcPts val="0"/>
+                        </a:spcAft>
+                      </a:pPr>
+                      <a:r>
+                        <a:rPr lang="es-PE" sz="900">
+                          <a:effectLst/>
+                        </a:rPr>
+                        <a:t> </a:t>
+                      </a:r>
+                      <a:endParaRPr lang="en-US" sz="800">
+                        <a:effectLst/>
+                        <a:latin typeface="Calibri"/>
+                        <a:ea typeface="Calibri"/>
+                        <a:cs typeface="Times New Roman"/>
+                      </a:endParaRPr>
+                    </a:p>
+                  </a:txBody>
+                  <a:tcPr marL="49531" marR="49531" marT="0" marB="0" anchor="ctr"/>
+                </a:tc>
+                <a:tc>
+                  <a:txBody>
+                    <a:bodyPr/>
+                    <a:lstStyle/>
+                    <a:p>
+                      <a:pPr marL="0" marR="0" algn="ctr">
+                        <a:lnSpc>
+                          <a:spcPct val="107000"/>
+                        </a:lnSpc>
+                        <a:spcBef>
+                          <a:spcPts val="0"/>
+                        </a:spcBef>
+                        <a:spcAft>
+                          <a:spcPts val="0"/>
+                        </a:spcAft>
+                      </a:pPr>
+                      <a:r>
+                        <a:rPr lang="es-PE" sz="900" dirty="0">
+                          <a:effectLst/>
+                        </a:rPr>
+                        <a:t> </a:t>
+                      </a:r>
+                      <a:endParaRPr lang="en-US" sz="800" dirty="0">
+                        <a:effectLst/>
+                        <a:latin typeface="Calibri"/>
+                        <a:ea typeface="Calibri"/>
+                        <a:cs typeface="Times New Roman"/>
+                      </a:endParaRPr>
+                    </a:p>
+                  </a:txBody>
+                  <a:tcPr marL="49531" marR="49531" marT="0" marB="0" anchor="ctr"/>
+                </a:tc>
+              </a:tr>
+            </a:tbl>
+          </a:graphicData>
+        </a:graphic>
+      </p:graphicFrame>
+      <p:cxnSp>
+        <p:nvCxnSpPr>
+          <p:cNvPr id="28673" name="AutoShape 1"/>
+          <p:cNvCxnSpPr>
+            <a:cxnSpLocks noChangeShapeType="1"/>
+          </p:cNvCxnSpPr>
+          <p:nvPr/>
+        </p:nvCxnSpPr>
+        <p:spPr bwMode="auto">
+          <a:xfrm>
+            <a:off x="2819400" y="1676400"/>
+            <a:ext cx="3810000" cy="0"/>
+          </a:xfrm>
+          <a:prstGeom prst="straightConnector1">
+            <a:avLst/>
+          </a:prstGeom>
+          <a:noFill/>
+          <a:ln w="19050">
+            <a:solidFill>
+              <a:srgbClr val="000000"/>
+            </a:solidFill>
+            <a:round/>
+            <a:headEnd/>
+            <a:tailEnd type="triangle" w="med" len="med"/>
+          </a:ln>
+          <a:extLst>
+            <a:ext uri="{909E8E84-426E-40DD-AFC4-6F175D3DCCD1}">
+              <a14:hiddenFill xmlns:a14="http://schemas.microsoft.com/office/drawing/2010/main">
+                <a:noFill/>
+              </a14:hiddenFill>
+            </a:ext>
+          </a:extLst>
+        </p:spPr>
+      </p:cxnSp>
+      <p:cxnSp>
+        <p:nvCxnSpPr>
+          <p:cNvPr id="28674" name="AutoShape 2"/>
+          <p:cNvCxnSpPr>
+            <a:cxnSpLocks noChangeShapeType="1"/>
+          </p:cNvCxnSpPr>
+          <p:nvPr/>
+        </p:nvCxnSpPr>
+        <p:spPr bwMode="auto">
+          <a:xfrm>
+            <a:off x="2590800" y="1706880"/>
+            <a:ext cx="19050" cy="4693920"/>
+          </a:xfrm>
+          <a:prstGeom prst="straightConnector1">
+            <a:avLst/>
+          </a:prstGeom>
+          <a:noFill/>
+          <a:ln w="19050">
+            <a:solidFill>
+              <a:srgbClr val="000000"/>
+            </a:solidFill>
+            <a:round/>
+            <a:headEnd/>
+            <a:tailEnd type="triangle" w="med" len="med"/>
+          </a:ln>
+          <a:extLst>
+            <a:ext uri="{909E8E84-426E-40DD-AFC4-6F175D3DCCD1}">
+              <a14:hiddenFill xmlns:a14="http://schemas.microsoft.com/office/drawing/2010/main">
+                <a:noFill/>
+              </a14:hiddenFill>
+            </a:ext>
+          </a:extLst>
+        </p:spPr>
+      </p:cxnSp>
+      <p:sp>
+        <p:nvSpPr>
+          <p:cNvPr id="7" name="Text Box 3"/>
+          <p:cNvSpPr txBox="1">
+            <a:spLocks noChangeArrowheads="1"/>
+          </p:cNvSpPr>
+          <p:nvPr/>
+        </p:nvSpPr>
+        <p:spPr bwMode="auto">
+          <a:xfrm>
+            <a:off x="2819400" y="6475095"/>
+            <a:ext cx="1733550" cy="276225"/>
+          </a:xfrm>
+          <a:prstGeom prst="rect">
+            <a:avLst/>
+          </a:prstGeom>
+          <a:solidFill>
+            <a:srgbClr val="FFFFFF"/>
+          </a:solidFill>
+          <a:ln w="9525">
+            <a:solidFill>
+              <a:srgbClr val="000000"/>
+            </a:solidFill>
+            <a:miter lim="800000"/>
+            <a:headEnd/>
+            <a:tailEnd/>
+          </a:ln>
+        </p:spPr>
+        <p:txBody>
+          <a:bodyPr vert="horz" wrap="square" lIns="91440" tIns="45720" rIns="91440" bIns="45720" numCol="1" anchor="t" anchorCtr="0" compatLnSpc="1">
+            <a:prstTxWarp prst="textNoShape">
+              <a:avLst/>
+            </a:prstTxWarp>
+          </a:bodyPr>
+          <a:lstStyle/>
+          <a:p>
+            <a:pPr marL="0" marR="0" lvl="0" indent="0" algn="l" defTabSz="914400" rtl="0" eaLnBrk="1" fontAlgn="base" latinLnBrk="0" hangingPunct="1">
+              <a:lnSpc>
+                <a:spcPct val="100000"/>
+              </a:lnSpc>
+              <a:spcBef>
+                <a:spcPct val="0"/>
+              </a:spcBef>
+              <a:spcAft>
+                <a:spcPts val="1000"/>
+              </a:spcAft>
+              <a:buClrTx/>
+              <a:buSzTx/>
+              <a:buFontTx/>
+              <a:buNone/>
+              <a:tabLst/>
+            </a:pPr>
+            <a:r>
+              <a:rPr kumimoji="0" lang="en-US" altLang="en-US" sz="1100" b="0" i="0" u="none" strike="noStrike" cap="none" normalizeH="0" baseline="0" smtClean="0">
+                <a:ln>
+                  <a:noFill/>
+                </a:ln>
+                <a:solidFill>
+                  <a:schemeClr val="tx1"/>
+                </a:solidFill>
+                <a:effectLst/>
+                <a:latin typeface="Calibri" pitchFamily="34" charset="0"/>
+                <a:cs typeface="Arial" pitchFamily="34" charset="0"/>
+              </a:rPr>
+              <a:t>Impacto en la arquitectura</a:t>
+            </a:r>
+          </a:p>
+          <a:p>
+            <a:pPr marL="0" marR="0" lvl="0" indent="0" algn="l" defTabSz="914400" rtl="0" eaLnBrk="1" fontAlgn="base" latinLnBrk="0" hangingPunct="1">
+              <a:lnSpc>
+                <a:spcPct val="100000"/>
+              </a:lnSpc>
+              <a:spcBef>
+                <a:spcPct val="0"/>
+              </a:spcBef>
+              <a:spcAft>
+                <a:spcPct val="0"/>
+              </a:spcAft>
+              <a:buClrTx/>
+              <a:buSzTx/>
+              <a:buFontTx/>
+              <a:buNone/>
+              <a:tabLst/>
+            </a:pPr>
+            <a:endParaRPr kumimoji="0" lang="en-US" altLang="en-US" sz="1800" b="0" i="0" u="none" strike="noStrike" cap="none" normalizeH="0" baseline="0" smtClean="0">
+              <a:ln>
+                <a:noFill/>
+              </a:ln>
+              <a:solidFill>
+                <a:schemeClr val="tx1"/>
+              </a:solidFill>
+              <a:effectLst/>
+              <a:latin typeface="Arial" pitchFamily="34" charset="0"/>
+              <a:cs typeface="Arial" pitchFamily="34" charset="0"/>
+            </a:endParaRPr>
+          </a:p>
+        </p:txBody>
+      </p:sp>
+      <p:sp>
+        <p:nvSpPr>
+          <p:cNvPr id="8" name="Text Box 4"/>
+          <p:cNvSpPr txBox="1">
+            <a:spLocks noChangeArrowheads="1"/>
+          </p:cNvSpPr>
+          <p:nvPr/>
+        </p:nvSpPr>
+        <p:spPr bwMode="auto">
+          <a:xfrm>
+            <a:off x="3686175" y="1389380"/>
+            <a:ext cx="2124075" cy="276225"/>
+          </a:xfrm>
+          <a:prstGeom prst="rect">
+            <a:avLst/>
+          </a:prstGeom>
+          <a:solidFill>
+            <a:srgbClr val="FFFFFF"/>
+          </a:solidFill>
+          <a:ln w="9525">
+            <a:solidFill>
+              <a:srgbClr val="000000"/>
+            </a:solidFill>
+            <a:miter lim="800000"/>
+            <a:headEnd/>
+            <a:tailEnd/>
+          </a:ln>
+        </p:spPr>
+        <p:txBody>
+          <a:bodyPr vert="horz" wrap="square" lIns="91440" tIns="45720" rIns="91440" bIns="45720" numCol="1" anchor="t" anchorCtr="0" compatLnSpc="1">
+            <a:prstTxWarp prst="textNoShape">
+              <a:avLst/>
+            </a:prstTxWarp>
+          </a:bodyPr>
+          <a:lstStyle/>
+          <a:p>
+            <a:pPr marL="0" marR="0" lvl="0" indent="0" algn="l" defTabSz="914400" rtl="0" eaLnBrk="1" fontAlgn="base" latinLnBrk="0" hangingPunct="1">
+              <a:lnSpc>
+                <a:spcPct val="100000"/>
+              </a:lnSpc>
+              <a:spcBef>
+                <a:spcPct val="0"/>
+              </a:spcBef>
+              <a:spcAft>
+                <a:spcPts val="1000"/>
+              </a:spcAft>
+              <a:buClrTx/>
+              <a:buSzTx/>
+              <a:buFontTx/>
+              <a:buNone/>
+              <a:tabLst/>
+            </a:pPr>
+            <a:r>
+              <a:rPr kumimoji="0" lang="en-US" altLang="en-US" sz="1100" b="0" i="0" u="none" strike="noStrike" cap="none" normalizeH="0" baseline="0" smtClean="0">
+                <a:ln>
+                  <a:noFill/>
+                </a:ln>
+                <a:solidFill>
+                  <a:schemeClr val="tx1"/>
+                </a:solidFill>
+                <a:effectLst/>
+                <a:latin typeface="Calibri" pitchFamily="34" charset="0"/>
+                <a:cs typeface="Arial" pitchFamily="34" charset="0"/>
+              </a:rPr>
+              <a:t>Importancia para los stakeholders</a:t>
+            </a:r>
+            <a:endParaRPr kumimoji="0" lang="en-US" altLang="en-US" sz="1800" b="0" i="0" u="none" strike="noStrike" cap="none" normalizeH="0" baseline="0" smtClean="0">
+              <a:ln>
+                <a:noFill/>
+              </a:ln>
+              <a:solidFill>
+                <a:schemeClr val="tx1"/>
+              </a:solidFill>
+              <a:effectLst/>
+              <a:latin typeface="Arial" pitchFamily="34" charset="0"/>
+              <a:cs typeface="Arial" pitchFamily="34" charset="0"/>
+            </a:endParaRPr>
+          </a:p>
+        </p:txBody>
+      </p:sp>
+    </p:spTree>
+    <p:extLst>
+      <p:ext uri="{BB962C8B-B14F-4D97-AF65-F5344CB8AC3E}">
+        <p14:creationId xmlns:p14="http://schemas.microsoft.com/office/powerpoint/2010/main" val="4061944251"/>
+      </p:ext>
+    </p:extLst>
+  </p:cSld>
+  <p:clrMapOvr>
+    <a:masterClrMapping/>
+  </p:clrMapOvr>
+  <p:timing>
+    <p:tnLst>
+      <p:par>
+        <p:cTn id="1" dur="indefinite" restart="never" nodeType="tmRoot"/>
+      </p:par>
+    </p:tnLst>
+  </p:timing>
+</p:sld>
+</file>
+
+<file path=ppt/slides/slide31.xml><?xml version="1.0" encoding="utf-8"?>
+<p:sld xmlns:a="http://schemas.openxmlformats.org/drawingml/2006/main" xmlns:r="http://schemas.openxmlformats.org/officeDocument/2006/relationships" xmlns:p="http://schemas.openxmlformats.org/presentationml/2006/main">
+  <p:cSld>
+    <p:spTree>
+      <p:nvGrpSpPr>
+        <p:cNvPr id="1" name=""/>
+        <p:cNvGrpSpPr/>
+        <p:nvPr/>
+      </p:nvGrpSpPr>
+      <p:grpSpPr>
+        <a:xfrm>
+          <a:off x="0" y="0"/>
+          <a:ext cx="0" cy="0"/>
+          <a:chOff x="0" y="0"/>
+          <a:chExt cx="0" cy="0"/>
+        </a:xfrm>
+      </p:grpSpPr>
+      <p:sp>
+        <p:nvSpPr>
+          <p:cNvPr id="2" name="1 Marcador de contenido"/>
+          <p:cNvSpPr>
+            <a:spLocks noGrp="1"/>
+          </p:cNvSpPr>
+          <p:nvPr>
+            <p:ph idx="1"/>
+          </p:nvPr>
+        </p:nvSpPr>
+        <p:spPr/>
+        <p:txBody>
+          <a:bodyPr/>
+          <a:lstStyle/>
+          <a:p>
+            <a:r>
+              <a:rPr lang="es-PE" dirty="0"/>
+              <a:t>El primer candidato a driver de arquitectura y </a:t>
+            </a:r>
+            <a:r>
+              <a:rPr lang="es-PE" dirty="0" err="1"/>
+              <a:t>core</a:t>
+            </a:r>
+            <a:r>
+              <a:rPr lang="es-PE" dirty="0"/>
+              <a:t> del sistema es la consulta de rutas. El hecho de actualizar la posición de todos los vehículos registrados en el sistema  (más de un millón) cada 5 segundos causa un impacto muy alto en la arquitectura del software. </a:t>
+            </a:r>
+            <a:endParaRPr lang="en-US" dirty="0"/>
+          </a:p>
+        </p:txBody>
+      </p:sp>
+      <p:sp>
+        <p:nvSpPr>
+          <p:cNvPr id="3" name="2 Título"/>
+          <p:cNvSpPr>
+            <a:spLocks noGrp="1"/>
+          </p:cNvSpPr>
+          <p:nvPr>
+            <p:ph type="title"/>
+          </p:nvPr>
+        </p:nvSpPr>
+        <p:spPr/>
+        <p:txBody>
+          <a:bodyPr/>
+          <a:lstStyle/>
+          <a:p>
+            <a:r>
+              <a:rPr lang="es-PE" dirty="0" smtClean="0"/>
+              <a:t>Drivers de arquitectura</a:t>
+            </a:r>
+            <a:endParaRPr lang="en-US" dirty="0"/>
+          </a:p>
+        </p:txBody>
+      </p:sp>
+    </p:spTree>
+    <p:extLst>
+      <p:ext uri="{BB962C8B-B14F-4D97-AF65-F5344CB8AC3E}">
+        <p14:creationId xmlns:p14="http://schemas.microsoft.com/office/powerpoint/2010/main" val="4067743645"/>
+      </p:ext>
+    </p:extLst>
+  </p:cSld>
+  <p:clrMapOvr>
+    <a:masterClrMapping/>
+  </p:clrMapOvr>
+  <p:timing>
+    <p:tnLst>
+      <p:par>
+        <p:cTn id="1" dur="indefinite" restart="never" nodeType="tmRoot"/>
+      </p:par>
+    </p:tnLst>
+  </p:timing>
+</p:sld>
+</file>
+
+<file path=ppt/slides/slide32.xml><?xml version="1.0" encoding="utf-8"?>
+<p:sld xmlns:a="http://schemas.openxmlformats.org/drawingml/2006/main" xmlns:r="http://schemas.openxmlformats.org/officeDocument/2006/relationships" xmlns:p="http://schemas.openxmlformats.org/presentationml/2006/main">
+  <p:cSld>
+    <p:spTree>
+      <p:nvGrpSpPr>
+        <p:cNvPr id="1" name=""/>
+        <p:cNvGrpSpPr/>
+        <p:nvPr/>
+      </p:nvGrpSpPr>
+      <p:grpSpPr>
+        <a:xfrm>
+          <a:off x="0" y="0"/>
+          <a:ext cx="0" cy="0"/>
+          <a:chOff x="0" y="0"/>
+          <a:chExt cx="0" cy="0"/>
+        </a:xfrm>
+      </p:grpSpPr>
+      <p:sp>
+        <p:nvSpPr>
           <p:cNvPr id="2" name="1 Marcador de contenido"/>
           <p:cNvSpPr>
             <a:spLocks noGrp="1"/>
@@ -12708,10 +13797,17 @@
   <p:clrMapOvr>
     <a:masterClrMapping/>
   </p:clrMapOvr>
+  <p:timing>
+    <p:tnLst>
+      <p:par>
+        <p:cTn id="1" dur="indefinite" restart="never" nodeType="tmRoot"/>
+      </p:par>
+    </p:tnLst>
+  </p:timing>
 </p:sld>
 </file>
 
-<file path=ppt/slides/slide31.xml><?xml version="1.0" encoding="utf-8"?>
+<file path=ppt/slides/slide33.xml><?xml version="1.0" encoding="utf-8"?>
 <p:sld xmlns:a="http://schemas.openxmlformats.org/drawingml/2006/main" xmlns:r="http://schemas.openxmlformats.org/officeDocument/2006/relationships" xmlns:p="http://schemas.openxmlformats.org/presentationml/2006/main">
   <p:cSld>
     <p:spTree>
@@ -12825,7 +13921,7 @@
 </p:sld>
 </file>
 
-<file path=ppt/slides/slide32.xml><?xml version="1.0" encoding="utf-8"?>
+<file path=ppt/slides/slide34.xml><?xml version="1.0" encoding="utf-8"?>
 <p:sld xmlns:a="http://schemas.openxmlformats.org/drawingml/2006/main" xmlns:r="http://schemas.openxmlformats.org/officeDocument/2006/relationships" xmlns:p="http://schemas.openxmlformats.org/presentationml/2006/main">
   <p:cSld>
     <p:spTree>
@@ -12933,10 +14029,17 @@
   <p:clrMapOvr>
     <a:masterClrMapping/>
   </p:clrMapOvr>
+  <p:timing>
+    <p:tnLst>
+      <p:par>
+        <p:cTn id="1" dur="indefinite" restart="never" nodeType="tmRoot"/>
+      </p:par>
+    </p:tnLst>
+  </p:timing>
 </p:sld>
 </file>
 
-<file path=ppt/slides/slide33.xml><?xml version="1.0" encoding="utf-8"?>
+<file path=ppt/slides/slide35.xml><?xml version="1.0" encoding="utf-8"?>
 <p:sld xmlns:a="http://schemas.openxmlformats.org/drawingml/2006/main" xmlns:r="http://schemas.openxmlformats.org/officeDocument/2006/relationships" xmlns:p="http://schemas.openxmlformats.org/presentationml/2006/main">
   <p:cSld>
     <p:spTree>
@@ -13040,10 +14143,17 @@
   <p:clrMapOvr>
     <a:masterClrMapping/>
   </p:clrMapOvr>
+  <p:timing>
+    <p:tnLst>
+      <p:par>
+        <p:cTn id="1" dur="indefinite" restart="never" nodeType="tmRoot"/>
+      </p:par>
+    </p:tnLst>
+  </p:timing>
 </p:sld>
 </file>
 
-<file path=ppt/slides/slide34.xml><?xml version="1.0" encoding="utf-8"?>
+<file path=ppt/slides/slide36.xml><?xml version="1.0" encoding="utf-8"?>
 <p:sld xmlns:a="http://schemas.openxmlformats.org/drawingml/2006/main" xmlns:r="http://schemas.openxmlformats.org/officeDocument/2006/relationships" xmlns:p="http://schemas.openxmlformats.org/presentationml/2006/main">
   <p:cSld>
     <p:spTree>
@@ -13111,6 +14221,13 @@
   <p:clrMapOvr>
     <a:masterClrMapping/>
   </p:clrMapOvr>
+  <p:timing>
+    <p:tnLst>
+      <p:par>
+        <p:cTn id="1" dur="indefinite" restart="never" nodeType="tmRoot"/>
+      </p:par>
+    </p:tnLst>
+  </p:timing>
 </p:sld>
 </file>
 

--- a/TB-02 PPT.pptx
+++ b/TB-02 PPT.pptx
@@ -7159,11 +7159,7 @@
             </a:r>
             <a:r>
               <a:rPr lang="es-PE" dirty="0" smtClean="0"/>
-              <a:t>       </a:t>
-            </a:r>
-            <a:r>
-              <a:rPr lang="es-PE" dirty="0" smtClean="0"/>
-              <a:t>Integridad</a:t>
+              <a:t>       Integridad</a:t>
             </a:r>
             <a:endParaRPr lang="en-US" dirty="0"/>
           </a:p>
@@ -8269,11 +8265,7 @@
             </a:pPr>
             <a:r>
               <a:rPr lang="es-PE" dirty="0" smtClean="0"/>
-              <a:t>			   </a:t>
-            </a:r>
-            <a:r>
-              <a:rPr lang="es-PE" dirty="0" smtClean="0"/>
-              <a:t>MODIFIABILITY</a:t>
+              <a:t>			   MODIFIABILITY</a:t>
             </a:r>
             <a:endParaRPr lang="en-US" dirty="0"/>
           </a:p>
@@ -14785,7 +14777,7 @@
       </p:sp>
       <p:pic>
         <p:nvPicPr>
-          <p:cNvPr id="11266" name="Picture 2"/>
+          <p:cNvPr id="1026" name="Picture 2"/>
           <p:cNvPicPr>
             <a:picLocks noChangeAspect="1" noChangeArrowheads="1"/>
           </p:cNvPicPr>
@@ -14806,8 +14798,8 @@
         </p:blipFill>
         <p:spPr bwMode="auto">
           <a:xfrm>
-            <a:off x="1615440" y="1466850"/>
-            <a:ext cx="5657479" cy="5391150"/>
+            <a:off x="1524000" y="1295400"/>
+            <a:ext cx="6253162" cy="5337094"/>
           </a:xfrm>
           <a:prstGeom prst="rect">
             <a:avLst/>

--- a/TB-02 PPT.pptx
+++ b/TB-02 PPT.pptx
@@ -5970,12 +5970,12 @@
                         </a:spcAft>
                       </a:pPr>
                       <a:r>
-                        <a:rPr lang="en-US" sz="1100">
+                        <a:rPr lang="en-US" sz="1100" dirty="0" err="1">
                           <a:effectLst/>
                         </a:rPr>
                         <a:t>Elemento</a:t>
                       </a:r>
-                      <a:endParaRPr lang="en-US" sz="1100">
+                      <a:endParaRPr lang="en-US" sz="1100" dirty="0">
                         <a:effectLst/>
                         <a:latin typeface="Calibri"/>
                         <a:ea typeface="Calibri"/>
@@ -12341,7 +12341,19 @@
           <a:p>
             <a:r>
               <a:rPr lang="es-PE" dirty="0"/>
-              <a:t>El registro  del usuario empresa tiene una mayor complejidad, pues se debe verificar la información de la empresa y los premisos de circulación en las diferentes rutas vehiculares.</a:t>
+              <a:t>El registro  del usuario empresa tiene una mayor complejidad, pues se debe verificar la información de la empresa y </a:t>
+            </a:r>
+            <a:r>
+              <a:rPr lang="es-PE"/>
+              <a:t>los </a:t>
+            </a:r>
+            <a:r>
+              <a:rPr lang="es-PE" smtClean="0"/>
+              <a:t>permisos </a:t>
+            </a:r>
+            <a:r>
+              <a:rPr lang="es-PE" dirty="0"/>
+              <a:t>de circulación en las diferentes rutas vehiculares.</a:t>
             </a:r>
             <a:endParaRPr lang="en-US" dirty="0"/>
           </a:p>
